--- a/sprint boot (1).pptx
+++ b/sprint boot (1).pptx
@@ -1094,6 +1094,90 @@
           <a:p>
             <a:fld id="{652F1279-6CE4-4169-83D3-4483097B6907}" type="slidenum">
               <a:rPr lang="en-US" smtClean="0"/>
+              <a:t>6</a:t>
+            </a:fld>
+            <a:endParaRPr lang="en-US" dirty="0"/>
+          </a:p>
+        </p:txBody>
+      </p:sp>
+    </p:spTree>
+    <p:extLst>
+      <p:ext uri="{BB962C8B-B14F-4D97-AF65-F5344CB8AC3E}">
+        <p14:creationId xmlns:p14="http://schemas.microsoft.com/office/powerpoint/2010/main" val="1385604617"/>
+      </p:ext>
+    </p:extLst>
+  </p:cSld>
+  <p:clrMapOvr>
+    <a:masterClrMapping/>
+  </p:clrMapOvr>
+</p:notes>
+</file>
+
+<file path=ppt/notesSlides/notesSlide6.xml><?xml version="1.0" encoding="utf-8"?>
+<p:notes xmlns:a="http://schemas.openxmlformats.org/drawingml/2006/main" xmlns:r="http://schemas.openxmlformats.org/officeDocument/2006/relationships" xmlns:p="http://schemas.openxmlformats.org/presentationml/2006/main">
+  <p:cSld>
+    <p:spTree>
+      <p:nvGrpSpPr>
+        <p:cNvPr id="1" name=""/>
+        <p:cNvGrpSpPr/>
+        <p:nvPr/>
+      </p:nvGrpSpPr>
+      <p:grpSpPr>
+        <a:xfrm>
+          <a:off x="0" y="0"/>
+          <a:ext cx="0" cy="0"/>
+          <a:chOff x="0" y="0"/>
+          <a:chExt cx="0" cy="0"/>
+        </a:xfrm>
+      </p:grpSpPr>
+      <p:sp>
+        <p:nvSpPr>
+          <p:cNvPr id="2" name="Espace réservé de l'image des diapositives 1"/>
+          <p:cNvSpPr>
+            <a:spLocks noGrp="1" noRot="1" noChangeAspect="1"/>
+          </p:cNvSpPr>
+          <p:nvPr>
+            <p:ph type="sldImg"/>
+          </p:nvPr>
+        </p:nvSpPr>
+        <p:spPr/>
+      </p:sp>
+      <p:sp>
+        <p:nvSpPr>
+          <p:cNvPr id="3" name="Espace réservé des commentaires 2"/>
+          <p:cNvSpPr>
+            <a:spLocks noGrp="1"/>
+          </p:cNvSpPr>
+          <p:nvPr>
+            <p:ph type="body" idx="1"/>
+          </p:nvPr>
+        </p:nvSpPr>
+        <p:spPr/>
+        <p:txBody>
+          <a:bodyPr/>
+          <a:lstStyle/>
+          <a:p>
+            <a:endParaRPr lang="fr-FR" dirty="0"/>
+          </a:p>
+        </p:txBody>
+      </p:sp>
+      <p:sp>
+        <p:nvSpPr>
+          <p:cNvPr id="4" name="Espace réservé du numéro de diapositive 3"/>
+          <p:cNvSpPr>
+            <a:spLocks noGrp="1"/>
+          </p:cNvSpPr>
+          <p:nvPr>
+            <p:ph type="sldNum" sz="quarter" idx="10"/>
+          </p:nvPr>
+        </p:nvSpPr>
+        <p:spPr/>
+        <p:txBody>
+          <a:bodyPr/>
+          <a:lstStyle/>
+          <a:p>
+            <a:fld id="{652F1279-6CE4-4169-83D3-4483097B6907}" type="slidenum">
+              <a:rPr lang="en-US" smtClean="0"/>
               <a:t>12</a:t>
             </a:fld>
             <a:endParaRPr lang="en-US" dirty="0"/>
@@ -1113,7 +1197,7 @@
 </p:notes>
 </file>
 
-<file path=ppt/notesSlides/notesSlide6.xml><?xml version="1.0" encoding="utf-8"?>
+<file path=ppt/notesSlides/notesSlide7.xml><?xml version="1.0" encoding="utf-8"?>
 <p:notes xmlns:a="http://schemas.openxmlformats.org/drawingml/2006/main" xmlns:r="http://schemas.openxmlformats.org/officeDocument/2006/relationships" xmlns:p="http://schemas.openxmlformats.org/presentationml/2006/main">
   <p:cSld>
     <p:spTree>
@@ -1599,7 +1683,7 @@
           <p:cNvPr id="10" name="Group 9">
             <a:extLst>
               <a:ext uri="{FF2B5EF4-FFF2-40B4-BE49-F238E27FC236}">
-                <a16:creationId xmlns:a16="http://schemas.microsoft.com/office/drawing/2014/main" id="{ABD26266-8DF8-4F9E-8108-90547D7F6DB4}"/>
+                <a16:creationId xmlns:a16="http://schemas.microsoft.com/office/drawing/2014/main" xmlns="" id="{ABD26266-8DF8-4F9E-8108-90547D7F6DB4}"/>
               </a:ext>
             </a:extLst>
           </p:cNvPr>
@@ -1619,7 +1703,7 @@
             <p:cNvPr id="11" name="Freeform: Shape 10">
               <a:extLst>
                 <a:ext uri="{FF2B5EF4-FFF2-40B4-BE49-F238E27FC236}">
-                  <a16:creationId xmlns:a16="http://schemas.microsoft.com/office/drawing/2014/main" id="{27F633FE-376E-404F-91E4-885447763090}"/>
+                  <a16:creationId xmlns:a16="http://schemas.microsoft.com/office/drawing/2014/main" xmlns="" id="{27F633FE-376E-404F-91E4-885447763090}"/>
                 </a:ext>
               </a:extLst>
             </p:cNvPr>
@@ -1781,7 +1865,7 @@
             <p:cNvPr id="12" name="Freeform: Shape 11">
               <a:extLst>
                 <a:ext uri="{FF2B5EF4-FFF2-40B4-BE49-F238E27FC236}">
-                  <a16:creationId xmlns:a16="http://schemas.microsoft.com/office/drawing/2014/main" id="{400AA72A-9E73-4E92-9A24-FC8789F6DFA4}"/>
+                  <a16:creationId xmlns:a16="http://schemas.microsoft.com/office/drawing/2014/main" xmlns="" id="{400AA72A-9E73-4E92-9A24-FC8789F6DFA4}"/>
                 </a:ext>
               </a:extLst>
             </p:cNvPr>
@@ -1901,7 +1985,7 @@
             <p:cNvPr id="13" name="Freeform: Shape 12">
               <a:extLst>
                 <a:ext uri="{FF2B5EF4-FFF2-40B4-BE49-F238E27FC236}">
-                  <a16:creationId xmlns:a16="http://schemas.microsoft.com/office/drawing/2014/main" id="{46BD5C51-A833-433E-BB70-71DFE09A603C}"/>
+                  <a16:creationId xmlns:a16="http://schemas.microsoft.com/office/drawing/2014/main" xmlns="" id="{46BD5C51-A833-433E-BB70-71DFE09A603C}"/>
                 </a:ext>
               </a:extLst>
             </p:cNvPr>
@@ -2011,7 +2095,7 @@
             <p:cNvPr id="14" name="Freeform: Shape 13">
               <a:extLst>
                 <a:ext uri="{FF2B5EF4-FFF2-40B4-BE49-F238E27FC236}">
-                  <a16:creationId xmlns:a16="http://schemas.microsoft.com/office/drawing/2014/main" id="{F38E9B8E-66AA-4D07-8C4F-4CA5F0182522}"/>
+                  <a16:creationId xmlns:a16="http://schemas.microsoft.com/office/drawing/2014/main" xmlns="" id="{F38E9B8E-66AA-4D07-8C4F-4CA5F0182522}"/>
                 </a:ext>
               </a:extLst>
             </p:cNvPr>
@@ -2138,7 +2222,7 @@
             <p:cNvPr id="15" name="Freeform: Shape 14">
               <a:extLst>
                 <a:ext uri="{FF2B5EF4-FFF2-40B4-BE49-F238E27FC236}">
-                  <a16:creationId xmlns:a16="http://schemas.microsoft.com/office/drawing/2014/main" id="{3BC8E66A-1394-4D3C-B2E0-334A1F599DAF}"/>
+                  <a16:creationId xmlns:a16="http://schemas.microsoft.com/office/drawing/2014/main" xmlns="" id="{3BC8E66A-1394-4D3C-B2E0-334A1F599DAF}"/>
                 </a:ext>
               </a:extLst>
             </p:cNvPr>
@@ -2242,7 +2326,7 @@
             <p:cNvPr id="16" name="Freeform: Shape 15">
               <a:extLst>
                 <a:ext uri="{FF2B5EF4-FFF2-40B4-BE49-F238E27FC236}">
-                  <a16:creationId xmlns:a16="http://schemas.microsoft.com/office/drawing/2014/main" id="{BD4802E1-A5FC-45E8-8180-8E940D832B5F}"/>
+                  <a16:creationId xmlns:a16="http://schemas.microsoft.com/office/drawing/2014/main" xmlns="" id="{BD4802E1-A5FC-45E8-8180-8E940D832B5F}"/>
                 </a:ext>
               </a:extLst>
             </p:cNvPr>
@@ -2324,7 +2408,7 @@
             <p:cNvPr id="17" name="Freeform: Shape 16">
               <a:extLst>
                 <a:ext uri="{FF2B5EF4-FFF2-40B4-BE49-F238E27FC236}">
-                  <a16:creationId xmlns:a16="http://schemas.microsoft.com/office/drawing/2014/main" id="{92825B71-4111-4DEB-8EF4-3C86689A682C}"/>
+                  <a16:creationId xmlns:a16="http://schemas.microsoft.com/office/drawing/2014/main" xmlns="" id="{92825B71-4111-4DEB-8EF4-3C86689A682C}"/>
                 </a:ext>
               </a:extLst>
             </p:cNvPr>
@@ -2436,7 +2520,7 @@
           <p:cNvPr id="18" name="Rectangle 17">
             <a:extLst>
               <a:ext uri="{FF2B5EF4-FFF2-40B4-BE49-F238E27FC236}">
-                <a16:creationId xmlns:a16="http://schemas.microsoft.com/office/drawing/2014/main" id="{23A80384-9207-4A80-9B70-A1F7CDE8F6C3}"/>
+                <a16:creationId xmlns:a16="http://schemas.microsoft.com/office/drawing/2014/main" xmlns="" id="{23A80384-9207-4A80-9B70-A1F7CDE8F6C3}"/>
               </a:ext>
             </a:extLst>
           </p:cNvPr>
@@ -2496,7 +2580,7 @@
           <p:cNvPr id="19" name="Oval 18">
             <a:extLst>
               <a:ext uri="{FF2B5EF4-FFF2-40B4-BE49-F238E27FC236}">
-                <a16:creationId xmlns:a16="http://schemas.microsoft.com/office/drawing/2014/main" id="{4C416A75-B8CF-4929-BC37-2BBFEDC80AA1}"/>
+                <a16:creationId xmlns:a16="http://schemas.microsoft.com/office/drawing/2014/main" xmlns="" id="{4C416A75-B8CF-4929-BC37-2BBFEDC80AA1}"/>
               </a:ext>
             </a:extLst>
           </p:cNvPr>
@@ -2553,7 +2637,7 @@
           <p:cNvPr id="21" name="Oval 9">
             <a:extLst>
               <a:ext uri="{FF2B5EF4-FFF2-40B4-BE49-F238E27FC236}">
-                <a16:creationId xmlns:a16="http://schemas.microsoft.com/office/drawing/2014/main" id="{01AED590-6033-41B9-B612-A655FC2D2471}"/>
+                <a16:creationId xmlns:a16="http://schemas.microsoft.com/office/drawing/2014/main" xmlns="" id="{01AED590-6033-41B9-B612-A655FC2D2471}"/>
               </a:ext>
             </a:extLst>
           </p:cNvPr>
@@ -2607,7 +2691,7 @@
           <p:cNvPr id="22" name="Picture Placeholder 2">
             <a:extLst>
               <a:ext uri="{FF2B5EF4-FFF2-40B4-BE49-F238E27FC236}">
-                <a16:creationId xmlns:a16="http://schemas.microsoft.com/office/drawing/2014/main" id="{4BA74944-B383-469B-9810-16FAA4736103}"/>
+                <a16:creationId xmlns:a16="http://schemas.microsoft.com/office/drawing/2014/main" xmlns="" id="{4BA74944-B383-469B-9810-16FAA4736103}"/>
               </a:ext>
             </a:extLst>
           </p:cNvPr>
@@ -2692,7 +2776,7 @@
           <p:cNvPr id="23" name="Group 20">
             <a:extLst>
               <a:ext uri="{FF2B5EF4-FFF2-40B4-BE49-F238E27FC236}">
-                <a16:creationId xmlns:a16="http://schemas.microsoft.com/office/drawing/2014/main" id="{73844864-235F-4E14-9FBA-EB17CB8C013A}"/>
+                <a16:creationId xmlns:a16="http://schemas.microsoft.com/office/drawing/2014/main" xmlns="" id="{73844864-235F-4E14-9FBA-EB17CB8C013A}"/>
               </a:ext>
             </a:extLst>
           </p:cNvPr>
@@ -2712,7 +2796,7 @@
             <p:cNvPr id="24" name="Rounded Rectangle 21">
               <a:extLst>
                 <a:ext uri="{FF2B5EF4-FFF2-40B4-BE49-F238E27FC236}">
-                  <a16:creationId xmlns:a16="http://schemas.microsoft.com/office/drawing/2014/main" id="{A0C7D66C-8C6F-4B9E-8DC1-072BF2073C6A}"/>
+                  <a16:creationId xmlns:a16="http://schemas.microsoft.com/office/drawing/2014/main" xmlns="" id="{A0C7D66C-8C6F-4B9E-8DC1-072BF2073C6A}"/>
                 </a:ext>
               </a:extLst>
             </p:cNvPr>
@@ -2777,7 +2861,7 @@
             <p:cNvPr id="25" name="Rectangle 22">
               <a:extLst>
                 <a:ext uri="{FF2B5EF4-FFF2-40B4-BE49-F238E27FC236}">
-                  <a16:creationId xmlns:a16="http://schemas.microsoft.com/office/drawing/2014/main" id="{764ECC13-9256-4F74-B289-1001D8F2747F}"/>
+                  <a16:creationId xmlns:a16="http://schemas.microsoft.com/office/drawing/2014/main" xmlns="" id="{764ECC13-9256-4F74-B289-1001D8F2747F}"/>
                 </a:ext>
               </a:extLst>
             </p:cNvPr>
@@ -2831,7 +2915,7 @@
             <p:cNvPr id="26" name="Group 23">
               <a:extLst>
                 <a:ext uri="{FF2B5EF4-FFF2-40B4-BE49-F238E27FC236}">
-                  <a16:creationId xmlns:a16="http://schemas.microsoft.com/office/drawing/2014/main" id="{808E2BAA-465D-4C79-8B44-51C252EE8A0B}"/>
+                  <a16:creationId xmlns:a16="http://schemas.microsoft.com/office/drawing/2014/main" xmlns="" id="{808E2BAA-465D-4C79-8B44-51C252EE8A0B}"/>
                 </a:ext>
               </a:extLst>
             </p:cNvPr>
@@ -2851,7 +2935,7 @@
               <p:cNvPr id="27" name="Oval 24">
                 <a:extLst>
                   <a:ext uri="{FF2B5EF4-FFF2-40B4-BE49-F238E27FC236}">
-                    <a16:creationId xmlns:a16="http://schemas.microsoft.com/office/drawing/2014/main" id="{2402E4F7-C37D-4790-B616-737E2810F7FC}"/>
+                    <a16:creationId xmlns:a16="http://schemas.microsoft.com/office/drawing/2014/main" xmlns="" id="{2402E4F7-C37D-4790-B616-737E2810F7FC}"/>
                   </a:ext>
                 </a:extLst>
               </p:cNvPr>
@@ -2940,7 +3024,7 @@
               <p:cNvPr id="28" name="Rounded Rectangle 25">
                 <a:extLst>
                   <a:ext uri="{FF2B5EF4-FFF2-40B4-BE49-F238E27FC236}">
-                    <a16:creationId xmlns:a16="http://schemas.microsoft.com/office/drawing/2014/main" id="{76D07C3D-86F4-43C7-B719-BBBFD744E107}"/>
+                    <a16:creationId xmlns:a16="http://schemas.microsoft.com/office/drawing/2014/main" xmlns="" id="{76D07C3D-86F4-43C7-B719-BBBFD744E107}"/>
                   </a:ext>
                 </a:extLst>
               </p:cNvPr>
@@ -2998,7 +3082,7 @@
           <p:cNvPr id="29" name="Picture Placeholder 2">
             <a:extLst>
               <a:ext uri="{FF2B5EF4-FFF2-40B4-BE49-F238E27FC236}">
-                <a16:creationId xmlns:a16="http://schemas.microsoft.com/office/drawing/2014/main" id="{1B67B68D-FEC5-42A8-B837-0016014A5CE9}"/>
+                <a16:creationId xmlns:a16="http://schemas.microsoft.com/office/drawing/2014/main" xmlns="" id="{1B67B68D-FEC5-42A8-B837-0016014A5CE9}"/>
               </a:ext>
             </a:extLst>
           </p:cNvPr>
@@ -3083,7 +3167,7 @@
           <p:cNvPr id="30" name="Text Placeholder 9">
             <a:extLst>
               <a:ext uri="{FF2B5EF4-FFF2-40B4-BE49-F238E27FC236}">
-                <a16:creationId xmlns:a16="http://schemas.microsoft.com/office/drawing/2014/main" id="{16F402C5-963E-430D-8D32-CCEA9657B818}"/>
+                <a16:creationId xmlns:a16="http://schemas.microsoft.com/office/drawing/2014/main" xmlns="" id="{16F402C5-963E-430D-8D32-CCEA9657B818}"/>
               </a:ext>
             </a:extLst>
           </p:cNvPr>
@@ -3609,7 +3693,7 @@
           <p:cNvPr id="2" name="Picture Placeholder 22">
             <a:extLst>
               <a:ext uri="{FF2B5EF4-FFF2-40B4-BE49-F238E27FC236}">
-                <a16:creationId xmlns:a16="http://schemas.microsoft.com/office/drawing/2014/main" id="{E58C46AB-72B0-452F-8968-7F13D6C69330}"/>
+                <a16:creationId xmlns:a16="http://schemas.microsoft.com/office/drawing/2014/main" xmlns="" id="{E58C46AB-72B0-452F-8968-7F13D6C69330}"/>
               </a:ext>
             </a:extLst>
           </p:cNvPr>
@@ -4197,7 +4281,7 @@
           <p:cNvPr id="2" name="Rectangle 1">
             <a:extLst>
               <a:ext uri="{FF2B5EF4-FFF2-40B4-BE49-F238E27FC236}">
-                <a16:creationId xmlns:a16="http://schemas.microsoft.com/office/drawing/2014/main" id="{30AE252F-2F95-498B-9748-639B6E785753}"/>
+                <a16:creationId xmlns:a16="http://schemas.microsoft.com/office/drawing/2014/main" xmlns="" id="{30AE252F-2F95-498B-9748-639B6E785753}"/>
               </a:ext>
             </a:extLst>
           </p:cNvPr>
@@ -4246,7 +4330,7 @@
           <p:cNvPr id="3" name="Picture Placeholder 2">
             <a:extLst>
               <a:ext uri="{FF2B5EF4-FFF2-40B4-BE49-F238E27FC236}">
-                <a16:creationId xmlns:a16="http://schemas.microsoft.com/office/drawing/2014/main" id="{2000EF3A-BE58-433D-9D14-B9221C51EC72}"/>
+                <a16:creationId xmlns:a16="http://schemas.microsoft.com/office/drawing/2014/main" xmlns="" id="{2000EF3A-BE58-433D-9D14-B9221C51EC72}"/>
               </a:ext>
             </a:extLst>
           </p:cNvPr>
@@ -5731,7 +5815,7 @@
           <p:cNvPr id="58" name="TextBox 57">
             <a:extLst>
               <a:ext uri="{FF2B5EF4-FFF2-40B4-BE49-F238E27FC236}">
-                <a16:creationId xmlns:a16="http://schemas.microsoft.com/office/drawing/2014/main" id="{5644E8BB-F13A-4AE0-889E-633DE4143787}"/>
+                <a16:creationId xmlns:a16="http://schemas.microsoft.com/office/drawing/2014/main" xmlns="" id="{5644E8BB-F13A-4AE0-889E-633DE4143787}"/>
               </a:ext>
             </a:extLst>
           </p:cNvPr>
@@ -5779,7 +5863,7 @@
           <p:cNvPr id="59" name="TextBox 58">
             <a:extLst>
               <a:ext uri="{FF2B5EF4-FFF2-40B4-BE49-F238E27FC236}">
-                <a16:creationId xmlns:a16="http://schemas.microsoft.com/office/drawing/2014/main" id="{F2CE2B8B-ED32-491A-95B2-D28904BC432C}"/>
+                <a16:creationId xmlns:a16="http://schemas.microsoft.com/office/drawing/2014/main" xmlns="" id="{F2CE2B8B-ED32-491A-95B2-D28904BC432C}"/>
               </a:ext>
             </a:extLst>
           </p:cNvPr>
@@ -5839,7 +5923,7 @@
           <p:cNvPr id="60" name="TextBox 59">
             <a:extLst>
               <a:ext uri="{FF2B5EF4-FFF2-40B4-BE49-F238E27FC236}">
-                <a16:creationId xmlns:a16="http://schemas.microsoft.com/office/drawing/2014/main" id="{962A52DF-2523-4479-BFA3-B5ACE9887E1C}"/>
+                <a16:creationId xmlns:a16="http://schemas.microsoft.com/office/drawing/2014/main" xmlns="" id="{962A52DF-2523-4479-BFA3-B5ACE9887E1C}"/>
               </a:ext>
             </a:extLst>
           </p:cNvPr>
@@ -5888,7 +5972,7 @@
           <p:cNvPr id="61" name="TextBox 60">
             <a:extLst>
               <a:ext uri="{FF2B5EF4-FFF2-40B4-BE49-F238E27FC236}">
-                <a16:creationId xmlns:a16="http://schemas.microsoft.com/office/drawing/2014/main" id="{BAAC314F-E96A-4408-95DE-A70E9ED054AF}"/>
+                <a16:creationId xmlns:a16="http://schemas.microsoft.com/office/drawing/2014/main" xmlns="" id="{BAAC314F-E96A-4408-95DE-A70E9ED054AF}"/>
               </a:ext>
             </a:extLst>
           </p:cNvPr>
@@ -15809,7 +15893,7 @@
           <p:cNvPr id="2" name="Text Placeholder 9">
             <a:extLst>
               <a:ext uri="{FF2B5EF4-FFF2-40B4-BE49-F238E27FC236}">
-                <a16:creationId xmlns:a16="http://schemas.microsoft.com/office/drawing/2014/main" id="{23DE32A5-6181-4C51-AD5C-3F1A448478A1}"/>
+                <a16:creationId xmlns:a16="http://schemas.microsoft.com/office/drawing/2014/main" xmlns="" id="{23DE32A5-6181-4C51-AD5C-3F1A448478A1}"/>
               </a:ext>
             </a:extLst>
           </p:cNvPr>
@@ -21248,7 +21332,7 @@
           <p:cNvPr id="3" name="Text Placeholder 9">
             <a:extLst>
               <a:ext uri="{FF2B5EF4-FFF2-40B4-BE49-F238E27FC236}">
-                <a16:creationId xmlns:a16="http://schemas.microsoft.com/office/drawing/2014/main" id="{EF70765A-4598-4D75-8EBE-B820808F6559}"/>
+                <a16:creationId xmlns:a16="http://schemas.microsoft.com/office/drawing/2014/main" xmlns="" id="{EF70765A-4598-4D75-8EBE-B820808F6559}"/>
               </a:ext>
             </a:extLst>
           </p:cNvPr>
@@ -21299,7 +21383,7 @@
           <p:cNvPr id="4" name="Picture Placeholder 2">
             <a:extLst>
               <a:ext uri="{FF2B5EF4-FFF2-40B4-BE49-F238E27FC236}">
-                <a16:creationId xmlns:a16="http://schemas.microsoft.com/office/drawing/2014/main" id="{CA1A6E33-8A0F-4192-83F6-2FB90AE8DE70}"/>
+                <a16:creationId xmlns:a16="http://schemas.microsoft.com/office/drawing/2014/main" xmlns="" id="{CA1A6E33-8A0F-4192-83F6-2FB90AE8DE70}"/>
               </a:ext>
             </a:extLst>
           </p:cNvPr>
@@ -21384,7 +21468,7 @@
           <p:cNvPr id="5" name="Picture Placeholder 2">
             <a:extLst>
               <a:ext uri="{FF2B5EF4-FFF2-40B4-BE49-F238E27FC236}">
-                <a16:creationId xmlns:a16="http://schemas.microsoft.com/office/drawing/2014/main" id="{B7332FD6-4CCE-4EA6-A914-847EA767CDE7}"/>
+                <a16:creationId xmlns:a16="http://schemas.microsoft.com/office/drawing/2014/main" xmlns="" id="{B7332FD6-4CCE-4EA6-A914-847EA767CDE7}"/>
               </a:ext>
             </a:extLst>
           </p:cNvPr>
@@ -21469,7 +21553,7 @@
           <p:cNvPr id="6" name="Picture Placeholder 2">
             <a:extLst>
               <a:ext uri="{FF2B5EF4-FFF2-40B4-BE49-F238E27FC236}">
-                <a16:creationId xmlns:a16="http://schemas.microsoft.com/office/drawing/2014/main" id="{5A41DCAB-7A97-4D72-8703-2A5EBB6B4047}"/>
+                <a16:creationId xmlns:a16="http://schemas.microsoft.com/office/drawing/2014/main" xmlns="" id="{5A41DCAB-7A97-4D72-8703-2A5EBB6B4047}"/>
               </a:ext>
             </a:extLst>
           </p:cNvPr>
@@ -21554,7 +21638,7 @@
           <p:cNvPr id="7" name="Picture Placeholder 2">
             <a:extLst>
               <a:ext uri="{FF2B5EF4-FFF2-40B4-BE49-F238E27FC236}">
-                <a16:creationId xmlns:a16="http://schemas.microsoft.com/office/drawing/2014/main" id="{DE59F880-57D5-4D69-ADDA-A3030C94684E}"/>
+                <a16:creationId xmlns:a16="http://schemas.microsoft.com/office/drawing/2014/main" xmlns="" id="{DE59F880-57D5-4D69-ADDA-A3030C94684E}"/>
               </a:ext>
             </a:extLst>
           </p:cNvPr>
@@ -21880,7 +21964,7 @@
           <p:cNvPr id="4" name="Rectangle 3">
             <a:extLst>
               <a:ext uri="{FF2B5EF4-FFF2-40B4-BE49-F238E27FC236}">
-                <a16:creationId xmlns:a16="http://schemas.microsoft.com/office/drawing/2014/main" id="{5343D5AB-FDE8-4863-8B0B-FF0EDBC68861}"/>
+                <a16:creationId xmlns:a16="http://schemas.microsoft.com/office/drawing/2014/main" xmlns="" id="{5343D5AB-FDE8-4863-8B0B-FF0EDBC68861}"/>
               </a:ext>
             </a:extLst>
           </p:cNvPr>
@@ -21934,7 +22018,7 @@
           <p:cNvPr id="5" name="Rectangle 4">
             <a:extLst>
               <a:ext uri="{FF2B5EF4-FFF2-40B4-BE49-F238E27FC236}">
-                <a16:creationId xmlns:a16="http://schemas.microsoft.com/office/drawing/2014/main" id="{A0C96F43-3876-47CC-B363-9FBE2E05752F}"/>
+                <a16:creationId xmlns:a16="http://schemas.microsoft.com/office/drawing/2014/main" xmlns="" id="{A0C96F43-3876-47CC-B363-9FBE2E05752F}"/>
               </a:ext>
             </a:extLst>
           </p:cNvPr>
@@ -21988,7 +22072,7 @@
           <p:cNvPr id="6" name="Rectangle 5">
             <a:extLst>
               <a:ext uri="{FF2B5EF4-FFF2-40B4-BE49-F238E27FC236}">
-                <a16:creationId xmlns:a16="http://schemas.microsoft.com/office/drawing/2014/main" id="{E4127DCA-3196-491D-86F7-98470FD4534B}"/>
+                <a16:creationId xmlns:a16="http://schemas.microsoft.com/office/drawing/2014/main" xmlns="" id="{E4127DCA-3196-491D-86F7-98470FD4534B}"/>
               </a:ext>
             </a:extLst>
           </p:cNvPr>
@@ -22042,7 +22126,7 @@
           <p:cNvPr id="7" name="Rectangle 6">
             <a:extLst>
               <a:ext uri="{FF2B5EF4-FFF2-40B4-BE49-F238E27FC236}">
-                <a16:creationId xmlns:a16="http://schemas.microsoft.com/office/drawing/2014/main" id="{C0F3D9F4-8CA6-4676-B29C-CF1677EB90FF}"/>
+                <a16:creationId xmlns:a16="http://schemas.microsoft.com/office/drawing/2014/main" xmlns="" id="{C0F3D9F4-8CA6-4676-B29C-CF1677EB90FF}"/>
               </a:ext>
             </a:extLst>
           </p:cNvPr>
@@ -22093,7 +22177,7 @@
           <p:cNvPr id="2" name="그림 개체 틀 2">
             <a:extLst>
               <a:ext uri="{FF2B5EF4-FFF2-40B4-BE49-F238E27FC236}">
-                <a16:creationId xmlns:a16="http://schemas.microsoft.com/office/drawing/2014/main" id="{BCD635CC-1412-43AB-9F1C-D19087A8B8A1}"/>
+                <a16:creationId xmlns:a16="http://schemas.microsoft.com/office/drawing/2014/main" xmlns="" id="{BCD635CC-1412-43AB-9F1C-D19087A8B8A1}"/>
               </a:ext>
             </a:extLst>
           </p:cNvPr>
@@ -22148,7 +22232,7 @@
           <p:cNvPr id="3" name="Text Placeholder 9">
             <a:extLst>
               <a:ext uri="{FF2B5EF4-FFF2-40B4-BE49-F238E27FC236}">
-                <a16:creationId xmlns:a16="http://schemas.microsoft.com/office/drawing/2014/main" id="{A92F2F0B-AB18-4F91-BFCD-5E07920CEC1B}"/>
+                <a16:creationId xmlns:a16="http://schemas.microsoft.com/office/drawing/2014/main" xmlns="" id="{A92F2F0B-AB18-4F91-BFCD-5E07920CEC1B}"/>
               </a:ext>
             </a:extLst>
           </p:cNvPr>
@@ -22703,7 +22787,7 @@
           <p:cNvPr id="22" name="Picture Placeholder 21">
             <a:extLst>
               <a:ext uri="{FF2B5EF4-FFF2-40B4-BE49-F238E27FC236}">
-                <a16:creationId xmlns:a16="http://schemas.microsoft.com/office/drawing/2014/main" id="{FB08BDAF-A042-4560-BBD8-F1CA5D9DB155}"/>
+                <a16:creationId xmlns:a16="http://schemas.microsoft.com/office/drawing/2014/main" xmlns="" id="{FB08BDAF-A042-4560-BBD8-F1CA5D9DB155}"/>
               </a:ext>
             </a:extLst>
           </p:cNvPr>
@@ -22802,7 +22886,7 @@
           <p:cNvPr id="20" name="Picture Placeholder 19">
             <a:extLst>
               <a:ext uri="{FF2B5EF4-FFF2-40B4-BE49-F238E27FC236}">
-                <a16:creationId xmlns:a16="http://schemas.microsoft.com/office/drawing/2014/main" id="{E375B096-EBDB-4C71-BACA-9F780BF70233}"/>
+                <a16:creationId xmlns:a16="http://schemas.microsoft.com/office/drawing/2014/main" xmlns="" id="{E375B096-EBDB-4C71-BACA-9F780BF70233}"/>
               </a:ext>
             </a:extLst>
           </p:cNvPr>
@@ -22909,7 +22993,7 @@
           <p:cNvPr id="19" name="Picture Placeholder 18">
             <a:extLst>
               <a:ext uri="{FF2B5EF4-FFF2-40B4-BE49-F238E27FC236}">
-                <a16:creationId xmlns:a16="http://schemas.microsoft.com/office/drawing/2014/main" id="{31F3A08B-34AD-476C-9953-B19BAF7F628C}"/>
+                <a16:creationId xmlns:a16="http://schemas.microsoft.com/office/drawing/2014/main" xmlns="" id="{31F3A08B-34AD-476C-9953-B19BAF7F628C}"/>
               </a:ext>
             </a:extLst>
           </p:cNvPr>
@@ -23008,7 +23092,7 @@
           <p:cNvPr id="18" name="Picture Placeholder 17">
             <a:extLst>
               <a:ext uri="{FF2B5EF4-FFF2-40B4-BE49-F238E27FC236}">
-                <a16:creationId xmlns:a16="http://schemas.microsoft.com/office/drawing/2014/main" id="{164DE5B1-7A92-485E-BF4B-DC34DB0ECFFE}"/>
+                <a16:creationId xmlns:a16="http://schemas.microsoft.com/office/drawing/2014/main" xmlns="" id="{164DE5B1-7A92-485E-BF4B-DC34DB0ECFFE}"/>
               </a:ext>
             </a:extLst>
           </p:cNvPr>
@@ -23107,7 +23191,7 @@
           <p:cNvPr id="6" name="Freeform: Shape 5">
             <a:extLst>
               <a:ext uri="{FF2B5EF4-FFF2-40B4-BE49-F238E27FC236}">
-                <a16:creationId xmlns:a16="http://schemas.microsoft.com/office/drawing/2014/main" id="{D6D283E2-312F-41C5-9422-DB6C85B4455D}"/>
+                <a16:creationId xmlns:a16="http://schemas.microsoft.com/office/drawing/2014/main" xmlns="" id="{D6D283E2-312F-41C5-9422-DB6C85B4455D}"/>
               </a:ext>
             </a:extLst>
           </p:cNvPr>
@@ -23202,7 +23286,7 @@
           <p:cNvPr id="13" name="Freeform: Shape 12">
             <a:extLst>
               <a:ext uri="{FF2B5EF4-FFF2-40B4-BE49-F238E27FC236}">
-                <a16:creationId xmlns:a16="http://schemas.microsoft.com/office/drawing/2014/main" id="{B1AAC7CE-37C6-4882-8A2F-D617C7403A00}"/>
+                <a16:creationId xmlns:a16="http://schemas.microsoft.com/office/drawing/2014/main" xmlns="" id="{B1AAC7CE-37C6-4882-8A2F-D617C7403A00}"/>
               </a:ext>
             </a:extLst>
           </p:cNvPr>
@@ -24615,7 +24699,7 @@
           <p:cNvPr id="6" name="TextBox 7">
             <a:extLst>
               <a:ext uri="{FF2B5EF4-FFF2-40B4-BE49-F238E27FC236}">
-                <a16:creationId xmlns:a16="http://schemas.microsoft.com/office/drawing/2014/main" id="{03B4C724-0776-4328-8F0A-B72DA1579537}"/>
+                <a16:creationId xmlns:a16="http://schemas.microsoft.com/office/drawing/2014/main" xmlns="" id="{03B4C724-0776-4328-8F0A-B72DA1579537}"/>
               </a:ext>
             </a:extLst>
           </p:cNvPr>
@@ -25067,86 +25151,6 @@
           </a:p>
         </p:txBody>
       </p:sp>
-      <p:sp>
-        <p:nvSpPr>
-          <p:cNvPr id="3" name="TextBox 18">
-            <a:extLst>
-              <a:ext uri="{FF2B5EF4-FFF2-40B4-BE49-F238E27FC236}">
-                <a16:creationId xmlns:a16="http://schemas.microsoft.com/office/drawing/2014/main" id="{2106AE42-381B-4181-99FF-C01ED1B820A7}"/>
-              </a:ext>
-            </a:extLst>
-          </p:cNvPr>
-          <p:cNvSpPr txBox="1"/>
-          <p:nvPr/>
-        </p:nvSpPr>
-        <p:spPr>
-          <a:xfrm>
-            <a:off x="3734280" y="2230886"/>
-            <a:ext cx="3836652" cy="307777"/>
-          </a:xfrm>
-          <a:prstGeom prst="rect">
-            <a:avLst/>
-          </a:prstGeom>
-          <a:noFill/>
-        </p:spPr>
-        <p:txBody>
-          <a:bodyPr wrap="square" rtlCol="0">
-            <a:spAutoFit/>
-          </a:bodyPr>
-          <a:lstStyle/>
-          <a:p>
-            <a:r>
-              <a:rPr lang="en-US" altLang="ko-KR" sz="1400" b="1" dirty="0" smtClean="0">
-                <a:solidFill>
-                  <a:schemeClr val="tx1">
-                    <a:lumMod val="75000"/>
-                    <a:lumOff val="25000"/>
-                  </a:schemeClr>
-                </a:solidFill>
-                <a:latin typeface="Candara" panose="020E0502030303020204" pitchFamily="34" charset="0"/>
-                <a:cs typeface="Arial" pitchFamily="34" charset="0"/>
-              </a:rPr>
-              <a:t>Ouvrir un navigateur et entrée (Spring </a:t>
-            </a:r>
-            <a:r>
-              <a:rPr lang="en-US" altLang="ko-KR" sz="1400" b="1" dirty="0">
-                <a:solidFill>
-                  <a:schemeClr val="tx1">
-                    <a:lumMod val="75000"/>
-                    <a:lumOff val="25000"/>
-                  </a:schemeClr>
-                </a:solidFill>
-                <a:latin typeface="Candara" panose="020E0502030303020204" pitchFamily="34" charset="0"/>
-                <a:cs typeface="Arial" pitchFamily="34" charset="0"/>
-              </a:rPr>
-              <a:t>Initialzr</a:t>
-            </a:r>
-            <a:r>
-              <a:rPr lang="en-US" altLang="ko-KR" sz="1400" b="1" dirty="0" smtClean="0">
-                <a:solidFill>
-                  <a:schemeClr val="tx1">
-                    <a:lumMod val="75000"/>
-                    <a:lumOff val="25000"/>
-                  </a:schemeClr>
-                </a:solidFill>
-                <a:latin typeface="Candara" panose="020E0502030303020204" pitchFamily="34" charset="0"/>
-                <a:cs typeface="Arial" pitchFamily="34" charset="0"/>
-              </a:rPr>
-              <a:t>)</a:t>
-            </a:r>
-            <a:endParaRPr lang="en-US" altLang="ko-KR" sz="1400" dirty="0">
-              <a:solidFill>
-                <a:schemeClr val="tx1">
-                  <a:lumMod val="75000"/>
-                  <a:lumOff val="25000"/>
-                </a:schemeClr>
-              </a:solidFill>
-              <a:latin typeface="Candara" panose="020E0502030303020204" pitchFamily="34" charset="0"/>
-              <a:cs typeface="Arial" pitchFamily="34" charset="0"/>
-            </a:endParaRPr>
-          </a:p>
-        </p:txBody>
-      </p:sp>
       <p:pic>
         <p:nvPicPr>
           <p:cNvPr id="6" name="Image 5"/>
@@ -25193,8 +25197,8 @@
         </p:blipFill>
         <p:spPr>
           <a:xfrm>
-            <a:off x="1191127" y="2538663"/>
-            <a:ext cx="10162674" cy="3826970"/>
+            <a:off x="1191127" y="2335576"/>
+            <a:ext cx="10162674" cy="4030057"/>
           </a:xfrm>
           <a:prstGeom prst="rect">
             <a:avLst/>
@@ -25206,7 +25210,7 @@
           <p:cNvPr id="8" name="TextBox 18">
             <a:extLst>
               <a:ext uri="{FF2B5EF4-FFF2-40B4-BE49-F238E27FC236}">
-                <a16:creationId xmlns:a16="http://schemas.microsoft.com/office/drawing/2014/main" id="{2106AE42-381B-4181-99FF-C01ED1B820A7}"/>
+                <a16:creationId xmlns:a16="http://schemas.microsoft.com/office/drawing/2014/main" xmlns="" id="{2106AE42-381B-4181-99FF-C01ED1B820A7}"/>
               </a:ext>
             </a:extLst>
           </p:cNvPr>
@@ -25240,46 +25244,7 @@
                 <a:latin typeface="Candara" panose="020E0502030303020204" pitchFamily="34" charset="0"/>
                 <a:cs typeface="Arial" pitchFamily="34" charset="0"/>
               </a:rPr>
-              <a:t>1</a:t>
-            </a:r>
-            <a:r>
-              <a:rPr lang="en-US" altLang="ko-KR" sz="2800" b="1" dirty="0" smtClean="0">
-                <a:solidFill>
-                  <a:schemeClr val="tx1">
-                    <a:lumMod val="75000"/>
-                    <a:lumOff val="25000"/>
-                  </a:schemeClr>
-                </a:solidFill>
-                <a:latin typeface="Candara" panose="020E0502030303020204" pitchFamily="34" charset="0"/>
-                <a:cs typeface="Arial" pitchFamily="34" charset="0"/>
-              </a:rPr>
-              <a:t>– </a:t>
-            </a:r>
-            <a:r>
-              <a:rPr lang="en-US" altLang="ko-KR" sz="2800" b="1" dirty="0" smtClean="0">
-                <a:solidFill>
-                  <a:schemeClr val="tx1">
-                    <a:lumMod val="75000"/>
-                    <a:lumOff val="25000"/>
-                  </a:schemeClr>
-                </a:solidFill>
-                <a:latin typeface="Candara" panose="020E0502030303020204" pitchFamily="34" charset="0"/>
-                <a:cs typeface="Arial" pitchFamily="34" charset="0"/>
-              </a:rPr>
-              <a:t>creation d’</a:t>
-            </a:r>
-            <a:r>
-              <a:rPr lang="en-US" altLang="ko-KR" sz="2800" b="1" dirty="0" smtClean="0">
-                <a:solidFill>
-                  <a:schemeClr val="tx1">
-                    <a:lumMod val="75000"/>
-                    <a:lumOff val="25000"/>
-                  </a:schemeClr>
-                </a:solidFill>
-                <a:latin typeface="Candara" panose="020E0502030303020204" pitchFamily="34" charset="0"/>
-                <a:cs typeface="Arial" pitchFamily="34" charset="0"/>
-              </a:rPr>
-              <a:t>un </a:t>
+              <a:t>1– creation d’un </a:t>
             </a:r>
             <a:r>
               <a:rPr lang="en-US" altLang="ko-KR" sz="2800" b="1" dirty="0">
@@ -25312,7 +25277,7 @@
           <p:cNvPr id="9" name="TextBox 18">
             <a:extLst>
               <a:ext uri="{FF2B5EF4-FFF2-40B4-BE49-F238E27FC236}">
-                <a16:creationId xmlns:a16="http://schemas.microsoft.com/office/drawing/2014/main" id="{2106AE42-381B-4181-99FF-C01ED1B820A7}"/>
+                <a16:creationId xmlns:a16="http://schemas.microsoft.com/office/drawing/2014/main" xmlns="" id="{2106AE42-381B-4181-99FF-C01ED1B820A7}"/>
               </a:ext>
             </a:extLst>
           </p:cNvPr>
@@ -25344,7 +25309,17 @@
                 <a:latin typeface="Candara" panose="020E0502030303020204" pitchFamily="34" charset="0"/>
                 <a:cs typeface="Arial" pitchFamily="34" charset="0"/>
               </a:rPr>
-              <a:t>Creation, structure </a:t>
+              <a:t>Creation, </a:t>
+            </a:r>
+            <a:r>
+              <a:rPr lang="en-US" altLang="ko-KR" sz="3200" b="1" dirty="0" smtClean="0">
+                <a:solidFill>
+                  <a:schemeClr val="accent1"/>
+                </a:solidFill>
+                <a:latin typeface="Candara" panose="020E0502030303020204" pitchFamily="34" charset="0"/>
+                <a:cs typeface="Arial" pitchFamily="34" charset="0"/>
+              </a:rPr>
+              <a:t>structure, </a:t>
             </a:r>
             <a:r>
               <a:rPr lang="en-US" altLang="ko-KR" sz="3200" b="1" dirty="0" smtClean="0">
@@ -25399,6 +25374,74 @@
             <a:endParaRPr lang="ko-KR" altLang="en-US" sz="3200" b="1" dirty="0">
               <a:solidFill>
                 <a:schemeClr val="accent1"/>
+              </a:solidFill>
+              <a:latin typeface="Candara" panose="020E0502030303020204" pitchFamily="34" charset="0"/>
+              <a:cs typeface="Arial" pitchFamily="34" charset="0"/>
+            </a:endParaRPr>
+          </a:p>
+        </p:txBody>
+      </p:sp>
+      <p:sp>
+        <p:nvSpPr>
+          <p:cNvPr id="10" name="TextBox 18">
+            <a:extLst>
+              <a:ext uri="{FF2B5EF4-FFF2-40B4-BE49-F238E27FC236}">
+                <a16:creationId xmlns:a16="http://schemas.microsoft.com/office/drawing/2014/main" xmlns="" id="{2106AE42-381B-4181-99FF-C01ED1B820A7}"/>
+              </a:ext>
+            </a:extLst>
+          </p:cNvPr>
+          <p:cNvSpPr txBox="1"/>
+          <p:nvPr/>
+        </p:nvSpPr>
+        <p:spPr>
+          <a:xfrm>
+            <a:off x="7288288" y="1727651"/>
+            <a:ext cx="915518" cy="369332"/>
+          </a:xfrm>
+          <a:prstGeom prst="rect">
+            <a:avLst/>
+          </a:prstGeom>
+          <a:noFill/>
+        </p:spPr>
+        <p:txBody>
+          <a:bodyPr wrap="square" rtlCol="0">
+            <a:spAutoFit/>
+          </a:bodyPr>
+          <a:lstStyle/>
+          <a:p>
+            <a:r>
+              <a:rPr lang="en-US" altLang="ko-KR" b="1" dirty="0" smtClean="0">
+                <a:solidFill>
+                  <a:schemeClr val="tx1">
+                    <a:lumMod val="75000"/>
+                    <a:lumOff val="25000"/>
+                  </a:schemeClr>
+                </a:solidFill>
+                <a:latin typeface="Candara" panose="020E0502030303020204" pitchFamily="34" charset="0"/>
+                <a:cs typeface="Arial" pitchFamily="34" charset="0"/>
+                <a:hlinkClick r:id="rId4"/>
+              </a:rPr>
+              <a:t>Demo</a:t>
+            </a:r>
+            <a:r>
+              <a:rPr lang="en-US" altLang="ko-KR" b="1" dirty="0" smtClean="0">
+                <a:solidFill>
+                  <a:schemeClr val="tx1">
+                    <a:lumMod val="75000"/>
+                    <a:lumOff val="25000"/>
+                  </a:schemeClr>
+                </a:solidFill>
+                <a:latin typeface="Candara" panose="020E0502030303020204" pitchFamily="34" charset="0"/>
+                <a:cs typeface="Arial" pitchFamily="34" charset="0"/>
+              </a:rPr>
+              <a:t> </a:t>
+            </a:r>
+            <a:endParaRPr lang="en-US" altLang="ko-KR" dirty="0">
+              <a:solidFill>
+                <a:schemeClr val="tx1">
+                  <a:lumMod val="75000"/>
+                  <a:lumOff val="25000"/>
+                </a:schemeClr>
               </a:solidFill>
               <a:latin typeface="Candara" panose="020E0502030303020204" pitchFamily="34" charset="0"/>
               <a:cs typeface="Arial" pitchFamily="34" charset="0"/>
@@ -25431,9 +25474,430 @@
   <p:timing>
     <p:tnLst>
       <p:par>
-        <p:cTn id="1" dur="indefinite" restart="never" nodeType="tmRoot"/>
+        <p:cTn id="1" dur="indefinite" restart="never" nodeType="tmRoot">
+          <p:childTnLst>
+            <p:seq concurrent="1" nextAc="seek">
+              <p:cTn id="2" dur="indefinite" nodeType="mainSeq">
+                <p:childTnLst>
+                  <p:par>
+                    <p:cTn id="3" fill="hold">
+                      <p:stCondLst>
+                        <p:cond delay="indefinite"/>
+                      </p:stCondLst>
+                      <p:childTnLst>
+                        <p:par>
+                          <p:cTn id="4" fill="hold">
+                            <p:stCondLst>
+                              <p:cond delay="0"/>
+                            </p:stCondLst>
+                            <p:childTnLst>
+                              <p:par>
+                                <p:cTn id="5" presetID="53" presetClass="entr" presetSubtype="16" fill="hold" nodeType="clickEffect">
+                                  <p:stCondLst>
+                                    <p:cond delay="0"/>
+                                  </p:stCondLst>
+                                  <p:childTnLst>
+                                    <p:set>
+                                      <p:cBhvr>
+                                        <p:cTn id="6" dur="1" fill="hold">
+                                          <p:stCondLst>
+                                            <p:cond delay="0"/>
+                                          </p:stCondLst>
+                                        </p:cTn>
+                                        <p:tgtEl>
+                                          <p:spTgt spid="7"/>
+                                        </p:tgtEl>
+                                        <p:attrNameLst>
+                                          <p:attrName>style.visibility</p:attrName>
+                                        </p:attrNameLst>
+                                      </p:cBhvr>
+                                      <p:to>
+                                        <p:strVal val="visible"/>
+                                      </p:to>
+                                    </p:set>
+                                    <p:anim calcmode="lin" valueType="num">
+                                      <p:cBhvr>
+                                        <p:cTn id="7" dur="500" fill="hold"/>
+                                        <p:tgtEl>
+                                          <p:spTgt spid="7"/>
+                                        </p:tgtEl>
+                                        <p:attrNameLst>
+                                          <p:attrName>ppt_w</p:attrName>
+                                        </p:attrNameLst>
+                                      </p:cBhvr>
+                                      <p:tavLst>
+                                        <p:tav tm="0">
+                                          <p:val>
+                                            <p:fltVal val="0"/>
+                                          </p:val>
+                                        </p:tav>
+                                        <p:tav tm="100000">
+                                          <p:val>
+                                            <p:strVal val="#ppt_w"/>
+                                          </p:val>
+                                        </p:tav>
+                                      </p:tavLst>
+                                    </p:anim>
+                                    <p:anim calcmode="lin" valueType="num">
+                                      <p:cBhvr>
+                                        <p:cTn id="8" dur="500" fill="hold"/>
+                                        <p:tgtEl>
+                                          <p:spTgt spid="7"/>
+                                        </p:tgtEl>
+                                        <p:attrNameLst>
+                                          <p:attrName>ppt_h</p:attrName>
+                                        </p:attrNameLst>
+                                      </p:cBhvr>
+                                      <p:tavLst>
+                                        <p:tav tm="0">
+                                          <p:val>
+                                            <p:fltVal val="0"/>
+                                          </p:val>
+                                        </p:tav>
+                                        <p:tav tm="100000">
+                                          <p:val>
+                                            <p:strVal val="#ppt_h"/>
+                                          </p:val>
+                                        </p:tav>
+                                      </p:tavLst>
+                                    </p:anim>
+                                    <p:animEffect transition="in" filter="fade">
+                                      <p:cBhvr>
+                                        <p:cTn id="9" dur="500"/>
+                                        <p:tgtEl>
+                                          <p:spTgt spid="7"/>
+                                        </p:tgtEl>
+                                      </p:cBhvr>
+                                    </p:animEffect>
+                                  </p:childTnLst>
+                                </p:cTn>
+                              </p:par>
+                            </p:childTnLst>
+                          </p:cTn>
+                        </p:par>
+                      </p:childTnLst>
+                    </p:cTn>
+                  </p:par>
+                  <p:par>
+                    <p:cTn id="10" fill="hold">
+                      <p:stCondLst>
+                        <p:cond delay="indefinite"/>
+                      </p:stCondLst>
+                      <p:childTnLst>
+                        <p:par>
+                          <p:cTn id="11" fill="hold">
+                            <p:stCondLst>
+                              <p:cond delay="0"/>
+                            </p:stCondLst>
+                            <p:childTnLst>
+                              <p:par>
+                                <p:cTn id="12" presetID="26" presetClass="entr" presetSubtype="0" fill="hold" grpId="0" nodeType="clickEffect">
+                                  <p:stCondLst>
+                                    <p:cond delay="0"/>
+                                  </p:stCondLst>
+                                  <p:childTnLst>
+                                    <p:set>
+                                      <p:cBhvr>
+                                        <p:cTn id="13" dur="1" fill="hold">
+                                          <p:stCondLst>
+                                            <p:cond delay="0"/>
+                                          </p:stCondLst>
+                                        </p:cTn>
+                                        <p:tgtEl>
+                                          <p:spTgt spid="10"/>
+                                        </p:tgtEl>
+                                        <p:attrNameLst>
+                                          <p:attrName>style.visibility</p:attrName>
+                                        </p:attrNameLst>
+                                      </p:cBhvr>
+                                      <p:to>
+                                        <p:strVal val="visible"/>
+                                      </p:to>
+                                    </p:set>
+                                    <p:animEffect transition="in" filter="wipe(down)">
+                                      <p:cBhvr>
+                                        <p:cTn id="14" dur="580">
+                                          <p:stCondLst>
+                                            <p:cond delay="0"/>
+                                          </p:stCondLst>
+                                        </p:cTn>
+                                        <p:tgtEl>
+                                          <p:spTgt spid="10"/>
+                                        </p:tgtEl>
+                                      </p:cBhvr>
+                                    </p:animEffect>
+                                    <p:anim calcmode="lin" valueType="num">
+                                      <p:cBhvr>
+                                        <p:cTn id="15" dur="1822" tmFilter="0,0; 0.14,0.36; 0.43,0.73; 0.71,0.91; 1.0,1.0">
+                                          <p:stCondLst>
+                                            <p:cond delay="0"/>
+                                          </p:stCondLst>
+                                        </p:cTn>
+                                        <p:tgtEl>
+                                          <p:spTgt spid="10"/>
+                                        </p:tgtEl>
+                                        <p:attrNameLst>
+                                          <p:attrName>ppt_x</p:attrName>
+                                        </p:attrNameLst>
+                                      </p:cBhvr>
+                                      <p:tavLst>
+                                        <p:tav tm="0">
+                                          <p:val>
+                                            <p:strVal val="#ppt_x-0.25"/>
+                                          </p:val>
+                                        </p:tav>
+                                        <p:tav tm="100000">
+                                          <p:val>
+                                            <p:strVal val="#ppt_x"/>
+                                          </p:val>
+                                        </p:tav>
+                                      </p:tavLst>
+                                    </p:anim>
+                                    <p:anim calcmode="lin" valueType="num">
+                                      <p:cBhvr>
+                                        <p:cTn id="16" dur="664" tmFilter="0.0,0.0; 0.25,0.07; 0.50,0.2; 0.75,0.467; 1.0,1.0">
+                                          <p:stCondLst>
+                                            <p:cond delay="0"/>
+                                          </p:stCondLst>
+                                        </p:cTn>
+                                        <p:tgtEl>
+                                          <p:spTgt spid="10"/>
+                                        </p:tgtEl>
+                                        <p:attrNameLst>
+                                          <p:attrName>ppt_y</p:attrName>
+                                        </p:attrNameLst>
+                                      </p:cBhvr>
+                                      <p:tavLst>
+                                        <p:tav tm="0" fmla="#ppt_y-sin(pi*$)/3">
+                                          <p:val>
+                                            <p:fltVal val="0.5"/>
+                                          </p:val>
+                                        </p:tav>
+                                        <p:tav tm="100000">
+                                          <p:val>
+                                            <p:fltVal val="1"/>
+                                          </p:val>
+                                        </p:tav>
+                                      </p:tavLst>
+                                    </p:anim>
+                                    <p:anim calcmode="lin" valueType="num">
+                                      <p:cBhvr>
+                                        <p:cTn id="17" dur="664" tmFilter="0, 0; 0.125,0.2665; 0.25,0.4; 0.375,0.465; 0.5,0.5;  0.625,0.535; 0.75,0.6; 0.875,0.7335; 1,1">
+                                          <p:stCondLst>
+                                            <p:cond delay="664"/>
+                                          </p:stCondLst>
+                                        </p:cTn>
+                                        <p:tgtEl>
+                                          <p:spTgt spid="10"/>
+                                        </p:tgtEl>
+                                        <p:attrNameLst>
+                                          <p:attrName>ppt_y</p:attrName>
+                                        </p:attrNameLst>
+                                      </p:cBhvr>
+                                      <p:tavLst>
+                                        <p:tav tm="0" fmla="#ppt_y-sin(pi*$)/9">
+                                          <p:val>
+                                            <p:fltVal val="0"/>
+                                          </p:val>
+                                        </p:tav>
+                                        <p:tav tm="100000">
+                                          <p:val>
+                                            <p:fltVal val="1"/>
+                                          </p:val>
+                                        </p:tav>
+                                      </p:tavLst>
+                                    </p:anim>
+                                    <p:anim calcmode="lin" valueType="num">
+                                      <p:cBhvr>
+                                        <p:cTn id="18" dur="332" tmFilter="0, 0; 0.125,0.2665; 0.25,0.4; 0.375,0.465; 0.5,0.5;  0.625,0.535; 0.75,0.6; 0.875,0.7335; 1,1">
+                                          <p:stCondLst>
+                                            <p:cond delay="1324"/>
+                                          </p:stCondLst>
+                                        </p:cTn>
+                                        <p:tgtEl>
+                                          <p:spTgt spid="10"/>
+                                        </p:tgtEl>
+                                        <p:attrNameLst>
+                                          <p:attrName>ppt_y</p:attrName>
+                                        </p:attrNameLst>
+                                      </p:cBhvr>
+                                      <p:tavLst>
+                                        <p:tav tm="0" fmla="#ppt_y-sin(pi*$)/27">
+                                          <p:val>
+                                            <p:fltVal val="0"/>
+                                          </p:val>
+                                        </p:tav>
+                                        <p:tav tm="100000">
+                                          <p:val>
+                                            <p:fltVal val="1"/>
+                                          </p:val>
+                                        </p:tav>
+                                      </p:tavLst>
+                                    </p:anim>
+                                    <p:anim calcmode="lin" valueType="num">
+                                      <p:cBhvr>
+                                        <p:cTn id="19" dur="164" tmFilter="0, 0; 0.125,0.2665; 0.25,0.4; 0.375,0.465; 0.5,0.5;  0.625,0.535; 0.75,0.6; 0.875,0.7335; 1,1">
+                                          <p:stCondLst>
+                                            <p:cond delay="1656"/>
+                                          </p:stCondLst>
+                                        </p:cTn>
+                                        <p:tgtEl>
+                                          <p:spTgt spid="10"/>
+                                        </p:tgtEl>
+                                        <p:attrNameLst>
+                                          <p:attrName>ppt_y</p:attrName>
+                                        </p:attrNameLst>
+                                      </p:cBhvr>
+                                      <p:tavLst>
+                                        <p:tav tm="0" fmla="#ppt_y-sin(pi*$)/81">
+                                          <p:val>
+                                            <p:fltVal val="0"/>
+                                          </p:val>
+                                        </p:tav>
+                                        <p:tav tm="100000">
+                                          <p:val>
+                                            <p:fltVal val="1"/>
+                                          </p:val>
+                                        </p:tav>
+                                      </p:tavLst>
+                                    </p:anim>
+                                    <p:animScale>
+                                      <p:cBhvr>
+                                        <p:cTn id="20" dur="26">
+                                          <p:stCondLst>
+                                            <p:cond delay="650"/>
+                                          </p:stCondLst>
+                                        </p:cTn>
+                                        <p:tgtEl>
+                                          <p:spTgt spid="10"/>
+                                        </p:tgtEl>
+                                      </p:cBhvr>
+                                      <p:to x="100000" y="60000"/>
+                                    </p:animScale>
+                                    <p:animScale>
+                                      <p:cBhvr>
+                                        <p:cTn id="21" dur="166" decel="50000">
+                                          <p:stCondLst>
+                                            <p:cond delay="676"/>
+                                          </p:stCondLst>
+                                        </p:cTn>
+                                        <p:tgtEl>
+                                          <p:spTgt spid="10"/>
+                                        </p:tgtEl>
+                                      </p:cBhvr>
+                                      <p:to x="100000" y="100000"/>
+                                    </p:animScale>
+                                    <p:animScale>
+                                      <p:cBhvr>
+                                        <p:cTn id="22" dur="26">
+                                          <p:stCondLst>
+                                            <p:cond delay="1312"/>
+                                          </p:stCondLst>
+                                        </p:cTn>
+                                        <p:tgtEl>
+                                          <p:spTgt spid="10"/>
+                                        </p:tgtEl>
+                                      </p:cBhvr>
+                                      <p:to x="100000" y="80000"/>
+                                    </p:animScale>
+                                    <p:animScale>
+                                      <p:cBhvr>
+                                        <p:cTn id="23" dur="166" decel="50000">
+                                          <p:stCondLst>
+                                            <p:cond delay="1338"/>
+                                          </p:stCondLst>
+                                        </p:cTn>
+                                        <p:tgtEl>
+                                          <p:spTgt spid="10"/>
+                                        </p:tgtEl>
+                                      </p:cBhvr>
+                                      <p:to x="100000" y="100000"/>
+                                    </p:animScale>
+                                    <p:animScale>
+                                      <p:cBhvr>
+                                        <p:cTn id="24" dur="26">
+                                          <p:stCondLst>
+                                            <p:cond delay="1642"/>
+                                          </p:stCondLst>
+                                        </p:cTn>
+                                        <p:tgtEl>
+                                          <p:spTgt spid="10"/>
+                                        </p:tgtEl>
+                                      </p:cBhvr>
+                                      <p:to x="100000" y="90000"/>
+                                    </p:animScale>
+                                    <p:animScale>
+                                      <p:cBhvr>
+                                        <p:cTn id="25" dur="166" decel="50000">
+                                          <p:stCondLst>
+                                            <p:cond delay="1668"/>
+                                          </p:stCondLst>
+                                        </p:cTn>
+                                        <p:tgtEl>
+                                          <p:spTgt spid="10"/>
+                                        </p:tgtEl>
+                                      </p:cBhvr>
+                                      <p:to x="100000" y="100000"/>
+                                    </p:animScale>
+                                    <p:animScale>
+                                      <p:cBhvr>
+                                        <p:cTn id="26" dur="26">
+                                          <p:stCondLst>
+                                            <p:cond delay="1808"/>
+                                          </p:stCondLst>
+                                        </p:cTn>
+                                        <p:tgtEl>
+                                          <p:spTgt spid="10"/>
+                                        </p:tgtEl>
+                                      </p:cBhvr>
+                                      <p:to x="100000" y="95000"/>
+                                    </p:animScale>
+                                    <p:animScale>
+                                      <p:cBhvr>
+                                        <p:cTn id="27" dur="166" decel="50000">
+                                          <p:stCondLst>
+                                            <p:cond delay="1834"/>
+                                          </p:stCondLst>
+                                        </p:cTn>
+                                        <p:tgtEl>
+                                          <p:spTgt spid="10"/>
+                                        </p:tgtEl>
+                                      </p:cBhvr>
+                                      <p:to x="100000" y="100000"/>
+                                    </p:animScale>
+                                  </p:childTnLst>
+                                </p:cTn>
+                              </p:par>
+                            </p:childTnLst>
+                          </p:cTn>
+                        </p:par>
+                      </p:childTnLst>
+                    </p:cTn>
+                  </p:par>
+                </p:childTnLst>
+              </p:cTn>
+              <p:prevCondLst>
+                <p:cond evt="onPrev" delay="0">
+                  <p:tgtEl>
+                    <p:sldTgt/>
+                  </p:tgtEl>
+                </p:cond>
+              </p:prevCondLst>
+              <p:nextCondLst>
+                <p:cond evt="onNext" delay="0">
+                  <p:tgtEl>
+                    <p:sldTgt/>
+                  </p:tgtEl>
+                </p:cond>
+              </p:nextCondLst>
+            </p:seq>
+          </p:childTnLst>
+        </p:cTn>
       </p:par>
     </p:tnLst>
+    <p:bldLst>
+      <p:bldP spid="10" grpId="0"/>
+    </p:bldLst>
   </p:timing>
 </p:sld>
 </file>
@@ -25484,7 +25948,7 @@
           <p:cNvPr id="3" name="TextBox 3">
             <a:extLst>
               <a:ext uri="{FF2B5EF4-FFF2-40B4-BE49-F238E27FC236}">
-                <a16:creationId xmlns:a16="http://schemas.microsoft.com/office/drawing/2014/main" id="{15A4BDA0-C270-4764-9C18-A593BCE2C965}"/>
+                <a16:creationId xmlns:a16="http://schemas.microsoft.com/office/drawing/2014/main" xmlns="" id="{15A4BDA0-C270-4764-9C18-A593BCE2C965}"/>
               </a:ext>
             </a:extLst>
           </p:cNvPr>
@@ -25518,20 +25982,7 @@
                 <a:latin typeface="Candara" panose="020E0502030303020204" pitchFamily="34" charset="0"/>
                 <a:cs typeface="Arial" pitchFamily="34" charset="0"/>
               </a:rPr>
-              <a:t>2-Structure </a:t>
-            </a:r>
-            <a:r>
-              <a:rPr lang="en-US" altLang="ko-KR" sz="3200" b="1" dirty="0" smtClean="0">
-                <a:solidFill>
-                  <a:schemeClr val="tx1">
-                    <a:lumMod val="85000"/>
-                    <a:lumOff val="15000"/>
-                  </a:schemeClr>
-                </a:solidFill>
-                <a:latin typeface="Candara" panose="020E0502030303020204" pitchFamily="34" charset="0"/>
-                <a:cs typeface="Arial" pitchFamily="34" charset="0"/>
-              </a:rPr>
-              <a:t>d’un project </a:t>
+              <a:t>2-Structure d’un project </a:t>
             </a:r>
             <a:endParaRPr lang="ko-KR" altLang="en-US" sz="3200" b="1" dirty="0">
               <a:solidFill>
@@ -25625,7 +26076,121 @@
   <p:timing>
     <p:tnLst>
       <p:par>
-        <p:cTn id="1" dur="indefinite" restart="never" nodeType="tmRoot"/>
+        <p:cTn id="1" dur="indefinite" restart="never" nodeType="tmRoot">
+          <p:childTnLst>
+            <p:seq concurrent="1" nextAc="seek">
+              <p:cTn id="2" dur="indefinite" nodeType="mainSeq">
+                <p:childTnLst>
+                  <p:par>
+                    <p:cTn id="3" fill="hold">
+                      <p:stCondLst>
+                        <p:cond delay="indefinite"/>
+                      </p:stCondLst>
+                      <p:childTnLst>
+                        <p:par>
+                          <p:cTn id="4" fill="hold">
+                            <p:stCondLst>
+                              <p:cond delay="0"/>
+                            </p:stCondLst>
+                            <p:childTnLst>
+                              <p:par>
+                                <p:cTn id="5" presetID="2" presetClass="entr" presetSubtype="4" fill="hold" nodeType="clickEffect">
+                                  <p:stCondLst>
+                                    <p:cond delay="0"/>
+                                  </p:stCondLst>
+                                  <p:childTnLst>
+                                    <p:set>
+                                      <p:cBhvr>
+                                        <p:cTn id="6" dur="1" fill="hold">
+                                          <p:stCondLst>
+                                            <p:cond delay="0"/>
+                                          </p:stCondLst>
+                                        </p:cTn>
+                                        <p:tgtEl>
+                                          <p:spTgt spid="6"/>
+                                        </p:tgtEl>
+                                        <p:attrNameLst>
+                                          <p:attrName>style.visibility</p:attrName>
+                                        </p:attrNameLst>
+                                      </p:cBhvr>
+                                      <p:to>
+                                        <p:strVal val="visible"/>
+                                      </p:to>
+                                    </p:set>
+                                    <p:anim calcmode="lin" valueType="num">
+                                      <p:cBhvr additive="base">
+                                        <p:cTn id="7" dur="500" fill="hold"/>
+                                        <p:tgtEl>
+                                          <p:spTgt spid="6"/>
+                                        </p:tgtEl>
+                                        <p:attrNameLst>
+                                          <p:attrName>ppt_x</p:attrName>
+                                        </p:attrNameLst>
+                                      </p:cBhvr>
+                                      <p:tavLst>
+                                        <p:tav tm="0">
+                                          <p:val>
+                                            <p:strVal val="#ppt_x"/>
+                                          </p:val>
+                                        </p:tav>
+                                        <p:tav tm="100000">
+                                          <p:val>
+                                            <p:strVal val="#ppt_x"/>
+                                          </p:val>
+                                        </p:tav>
+                                      </p:tavLst>
+                                    </p:anim>
+                                    <p:anim calcmode="lin" valueType="num">
+                                      <p:cBhvr additive="base">
+                                        <p:cTn id="8" dur="500" fill="hold"/>
+                                        <p:tgtEl>
+                                          <p:spTgt spid="6"/>
+                                        </p:tgtEl>
+                                        <p:attrNameLst>
+                                          <p:attrName>ppt_y</p:attrName>
+                                        </p:attrNameLst>
+                                      </p:cBhvr>
+                                      <p:tavLst>
+                                        <p:tav tm="0">
+                                          <p:val>
+                                            <p:strVal val="1+#ppt_h/2"/>
+                                          </p:val>
+                                        </p:tav>
+                                        <p:tav tm="100000">
+                                          <p:val>
+                                            <p:strVal val="#ppt_y"/>
+                                          </p:val>
+                                        </p:tav>
+                                      </p:tavLst>
+                                    </p:anim>
+                                  </p:childTnLst>
+                                </p:cTn>
+                              </p:par>
+                            </p:childTnLst>
+                          </p:cTn>
+                        </p:par>
+                      </p:childTnLst>
+                    </p:cTn>
+                  </p:par>
+                </p:childTnLst>
+              </p:cTn>
+              <p:prevCondLst>
+                <p:cond evt="onPrev" delay="0">
+                  <p:tgtEl>
+                    <p:sldTgt/>
+                  </p:tgtEl>
+                </p:cond>
+              </p:prevCondLst>
+              <p:nextCondLst>
+                <p:cond evt="onNext" delay="0">
+                  <p:tgtEl>
+                    <p:sldTgt/>
+                  </p:tgtEl>
+                </p:cond>
+              </p:nextCondLst>
+            </p:seq>
+          </p:childTnLst>
+        </p:cTn>
       </p:par>
     </p:tnLst>
   </p:timing>
@@ -25683,7 +26248,7 @@
           <p:cNvPr id="29" name="Text Placeholder 1">
             <a:extLst>
               <a:ext uri="{FF2B5EF4-FFF2-40B4-BE49-F238E27FC236}">
-                <a16:creationId xmlns:a16="http://schemas.microsoft.com/office/drawing/2014/main" id="{D735F7F3-C1B5-4B60-A00A-4EB618DDFB5A}"/>
+                <a16:creationId xmlns:a16="http://schemas.microsoft.com/office/drawing/2014/main" xmlns="" id="{D735F7F3-C1B5-4B60-A00A-4EB618DDFB5A}"/>
               </a:ext>
             </a:extLst>
           </p:cNvPr>
@@ -25873,23 +26438,7 @@
           <a:p>
             <a:r>
               <a:rPr lang="en-US" sz="3600" b="1" dirty="0" smtClean="0"/>
-              <a:t>3-</a:t>
-            </a:r>
-            <a:r>
-              <a:rPr lang="en-US" sz="3600" b="1" dirty="0" smtClean="0"/>
-              <a:t>Comment </a:t>
-            </a:r>
-            <a:r>
-              <a:rPr lang="en-US" sz="3600" b="1" dirty="0" smtClean="0"/>
-              <a:t>compiler </a:t>
-            </a:r>
-            <a:r>
-              <a:rPr lang="en-US" sz="3600" b="1" dirty="0" smtClean="0"/>
-              <a:t>un </a:t>
-            </a:r>
-            <a:r>
-              <a:rPr lang="en-US" sz="3600" b="1" dirty="0" smtClean="0"/>
-              <a:t>project </a:t>
+              <a:t>3-Comment compiler un project </a:t>
             </a:r>
             <a:endParaRPr lang="en-US" sz="3600" b="1" dirty="0"/>
           </a:p>
@@ -26375,16 +26924,12 @@
   <p:clrMapOvr>
     <a:masterClrMapping/>
   </p:clrMapOvr>
-  <mc:AlternateContent xmlns:mc="http://schemas.openxmlformats.org/markup-compatibility/2006" xmlns:p14="http://schemas.microsoft.com/office/powerpoint/2010/main">
-    <mc:Choice Requires="p14">
-      <p:transition spd="slow" p14:dur="1400">
-        <p14:ripple/>
-      </p:transition>
+  <mc:AlternateContent xmlns:mc="http://schemas.openxmlformats.org/markup-compatibility/2006">
+    <mc:Choice xmlns:p14="http://schemas.microsoft.com/office/powerpoint/2010/main" Requires="p14">
+      <p:transition p14:dur="0"/>
     </mc:Choice>
-    <mc:Fallback xmlns="">
-      <p:transition spd="slow">
-        <p:fade/>
-      </p:transition>
+    <mc:Fallback>
+      <p:transition/>
     </mc:Fallback>
   </mc:AlternateContent>
   <p:timing>
@@ -26822,7 +27367,7 @@
           <p:cNvPr id="5" name="TextBox 3">
             <a:extLst>
               <a:ext uri="{FF2B5EF4-FFF2-40B4-BE49-F238E27FC236}">
-                <a16:creationId xmlns:a16="http://schemas.microsoft.com/office/drawing/2014/main" id="{15A4BDA0-C270-4764-9C18-A593BCE2C965}"/>
+                <a16:creationId xmlns:a16="http://schemas.microsoft.com/office/drawing/2014/main" xmlns="" id="{15A4BDA0-C270-4764-9C18-A593BCE2C965}"/>
               </a:ext>
             </a:extLst>
           </p:cNvPr>
@@ -26856,20 +27401,7 @@
                 <a:latin typeface="Candara" panose="020E0502030303020204" pitchFamily="34" charset="0"/>
                 <a:cs typeface="Arial" pitchFamily="34" charset="0"/>
               </a:rPr>
-              <a:t>Suite de la </a:t>
-            </a:r>
-            <a:r>
-              <a:rPr lang="en-US" altLang="ko-KR" sz="2800" b="1" dirty="0" smtClean="0">
-                <a:solidFill>
-                  <a:schemeClr val="tx1">
-                    <a:lumMod val="85000"/>
-                    <a:lumOff val="15000"/>
-                  </a:schemeClr>
-                </a:solidFill>
-                <a:latin typeface="Candara" panose="020E0502030303020204" pitchFamily="34" charset="0"/>
-                <a:cs typeface="Arial" pitchFamily="34" charset="0"/>
-              </a:rPr>
-              <a:t>Compilation</a:t>
+              <a:t>Suite de la Compilation</a:t>
             </a:r>
             <a:endParaRPr lang="ko-KR" altLang="en-US" sz="2800" b="1" dirty="0">
               <a:solidFill>
@@ -26939,7 +27471,7 @@
                             </p:stCondLst>
                             <p:childTnLst>
                               <p:par>
-                                <p:cTn id="5" presetID="26" presetClass="entr" presetSubtype="0" fill="hold" nodeType="clickEffect">
+                                <p:cTn id="5" presetID="14" presetClass="entr" presetSubtype="10" fill="hold" grpId="0" nodeType="clickEffect">
                                   <p:stCondLst>
                                     <p:cond delay="0"/>
                                   </p:stCondLst>
@@ -26952,6 +27484,59 @@
                                           </p:stCondLst>
                                         </p:cTn>
                                         <p:tgtEl>
+                                          <p:spTgt spid="5"/>
+                                        </p:tgtEl>
+                                        <p:attrNameLst>
+                                          <p:attrName>style.visibility</p:attrName>
+                                        </p:attrNameLst>
+                                      </p:cBhvr>
+                                      <p:to>
+                                        <p:strVal val="visible"/>
+                                      </p:to>
+                                    </p:set>
+                                    <p:animEffect transition="in" filter="randombar(horizontal)">
+                                      <p:cBhvr>
+                                        <p:cTn id="7" dur="500"/>
+                                        <p:tgtEl>
+                                          <p:spTgt spid="5"/>
+                                        </p:tgtEl>
+                                      </p:cBhvr>
+                                    </p:animEffect>
+                                  </p:childTnLst>
+                                </p:cTn>
+                              </p:par>
+                            </p:childTnLst>
+                          </p:cTn>
+                        </p:par>
+                      </p:childTnLst>
+                    </p:cTn>
+                  </p:par>
+                  <p:par>
+                    <p:cTn id="8" fill="hold">
+                      <p:stCondLst>
+                        <p:cond delay="indefinite"/>
+                      </p:stCondLst>
+                      <p:childTnLst>
+                        <p:par>
+                          <p:cTn id="9" fill="hold">
+                            <p:stCondLst>
+                              <p:cond delay="0"/>
+                            </p:stCondLst>
+                            <p:childTnLst>
+                              <p:par>
+                                <p:cTn id="10" presetID="26" presetClass="entr" presetSubtype="0" fill="hold" nodeType="clickEffect">
+                                  <p:stCondLst>
+                                    <p:cond delay="0"/>
+                                  </p:stCondLst>
+                                  <p:childTnLst>
+                                    <p:set>
+                                      <p:cBhvr>
+                                        <p:cTn id="11" dur="1" fill="hold">
+                                          <p:stCondLst>
+                                            <p:cond delay="0"/>
+                                          </p:stCondLst>
+                                        </p:cTn>
+                                        <p:tgtEl>
                                           <p:spTgt spid="3"/>
                                         </p:tgtEl>
                                         <p:attrNameLst>
@@ -26964,7 +27549,7 @@
                                     </p:set>
                                     <p:animEffect transition="in" filter="wipe(down)">
                                       <p:cBhvr>
-                                        <p:cTn id="7" dur="580">
+                                        <p:cTn id="12" dur="580">
                                           <p:stCondLst>
                                             <p:cond delay="0"/>
                                           </p:stCondLst>
@@ -26976,7 +27561,7 @@
                                     </p:animEffect>
                                     <p:anim calcmode="lin" valueType="num">
                                       <p:cBhvr>
-                                        <p:cTn id="8" dur="1822" tmFilter="0,0; 0.14,0.36; 0.43,0.73; 0.71,0.91; 1.0,1.0">
+                                        <p:cTn id="13" dur="1822" tmFilter="0,0; 0.14,0.36; 0.43,0.73; 0.71,0.91; 1.0,1.0">
                                           <p:stCondLst>
                                             <p:cond delay="0"/>
                                           </p:stCondLst>
@@ -27003,7 +27588,7 @@
                                     </p:anim>
                                     <p:anim calcmode="lin" valueType="num">
                                       <p:cBhvr>
-                                        <p:cTn id="9" dur="664" tmFilter="0.0,0.0; 0.25,0.07; 0.50,0.2; 0.75,0.467; 1.0,1.0">
+                                        <p:cTn id="14" dur="664" tmFilter="0.0,0.0; 0.25,0.07; 0.50,0.2; 0.75,0.467; 1.0,1.0">
                                           <p:stCondLst>
                                             <p:cond delay="0"/>
                                           </p:stCondLst>
@@ -27030,7 +27615,7 @@
                                     </p:anim>
                                     <p:anim calcmode="lin" valueType="num">
                                       <p:cBhvr>
-                                        <p:cTn id="10" dur="664" tmFilter="0, 0; 0.125,0.2665; 0.25,0.4; 0.375,0.465; 0.5,0.5;  0.625,0.535; 0.75,0.6; 0.875,0.7335; 1,1">
+                                        <p:cTn id="15" dur="664" tmFilter="0, 0; 0.125,0.2665; 0.25,0.4; 0.375,0.465; 0.5,0.5;  0.625,0.535; 0.75,0.6; 0.875,0.7335; 1,1">
                                           <p:stCondLst>
                                             <p:cond delay="664"/>
                                           </p:stCondLst>
@@ -27057,7 +27642,7 @@
                                     </p:anim>
                                     <p:anim calcmode="lin" valueType="num">
                                       <p:cBhvr>
-                                        <p:cTn id="11" dur="332" tmFilter="0, 0; 0.125,0.2665; 0.25,0.4; 0.375,0.465; 0.5,0.5;  0.625,0.535; 0.75,0.6; 0.875,0.7335; 1,1">
+                                        <p:cTn id="16" dur="332" tmFilter="0, 0; 0.125,0.2665; 0.25,0.4; 0.375,0.465; 0.5,0.5;  0.625,0.535; 0.75,0.6; 0.875,0.7335; 1,1">
                                           <p:stCondLst>
                                             <p:cond delay="1324"/>
                                           </p:stCondLst>
@@ -27084,7 +27669,7 @@
                                     </p:anim>
                                     <p:anim calcmode="lin" valueType="num">
                                       <p:cBhvr>
-                                        <p:cTn id="12" dur="164" tmFilter="0, 0; 0.125,0.2665; 0.25,0.4; 0.375,0.465; 0.5,0.5;  0.625,0.535; 0.75,0.6; 0.875,0.7335; 1,1">
+                                        <p:cTn id="17" dur="164" tmFilter="0, 0; 0.125,0.2665; 0.25,0.4; 0.375,0.465; 0.5,0.5;  0.625,0.535; 0.75,0.6; 0.875,0.7335; 1,1">
                                           <p:stCondLst>
                                             <p:cond delay="1656"/>
                                           </p:stCondLst>
@@ -27111,7 +27696,7 @@
                                     </p:anim>
                                     <p:animScale>
                                       <p:cBhvr>
-                                        <p:cTn id="13" dur="26">
+                                        <p:cTn id="18" dur="26">
                                           <p:stCondLst>
                                             <p:cond delay="650"/>
                                           </p:stCondLst>
@@ -27124,7 +27709,7 @@
                                     </p:animScale>
                                     <p:animScale>
                                       <p:cBhvr>
-                                        <p:cTn id="14" dur="166" decel="50000">
+                                        <p:cTn id="19" dur="166" decel="50000">
                                           <p:stCondLst>
                                             <p:cond delay="676"/>
                                           </p:stCondLst>
@@ -27137,7 +27722,7 @@
                                     </p:animScale>
                                     <p:animScale>
                                       <p:cBhvr>
-                                        <p:cTn id="15" dur="26">
+                                        <p:cTn id="20" dur="26">
                                           <p:stCondLst>
                                             <p:cond delay="1312"/>
                                           </p:stCondLst>
@@ -27150,7 +27735,7 @@
                                     </p:animScale>
                                     <p:animScale>
                                       <p:cBhvr>
-                                        <p:cTn id="16" dur="166" decel="50000">
+                                        <p:cTn id="21" dur="166" decel="50000">
                                           <p:stCondLst>
                                             <p:cond delay="1338"/>
                                           </p:stCondLst>
@@ -27163,7 +27748,7 @@
                                     </p:animScale>
                                     <p:animScale>
                                       <p:cBhvr>
-                                        <p:cTn id="17" dur="26">
+                                        <p:cTn id="22" dur="26">
                                           <p:stCondLst>
                                             <p:cond delay="1642"/>
                                           </p:stCondLst>
@@ -27176,7 +27761,7 @@
                                     </p:animScale>
                                     <p:animScale>
                                       <p:cBhvr>
-                                        <p:cTn id="18" dur="166" decel="50000">
+                                        <p:cTn id="23" dur="166" decel="50000">
                                           <p:stCondLst>
                                             <p:cond delay="1668"/>
                                           </p:stCondLst>
@@ -27189,7 +27774,7 @@
                                     </p:animScale>
                                     <p:animScale>
                                       <p:cBhvr>
-                                        <p:cTn id="19" dur="26">
+                                        <p:cTn id="24" dur="26">
                                           <p:stCondLst>
                                             <p:cond delay="1808"/>
                                           </p:stCondLst>
@@ -27202,7 +27787,7 @@
                                     </p:animScale>
                                     <p:animScale>
                                       <p:cBhvr>
-                                        <p:cTn id="20" dur="166" decel="50000">
+                                        <p:cTn id="25" dur="166" decel="50000">
                                           <p:stCondLst>
                                             <p:cond delay="1834"/>
                                           </p:stCondLst>
@@ -27223,32 +27808,32 @@
                     </p:cTn>
                   </p:par>
                   <p:par>
-                    <p:cTn id="21" fill="hold">
+                    <p:cTn id="26" fill="hold">
                       <p:stCondLst>
                         <p:cond delay="indefinite"/>
                       </p:stCondLst>
                       <p:childTnLst>
                         <p:par>
-                          <p:cTn id="22" fill="hold">
+                          <p:cTn id="27" fill="hold">
                             <p:stCondLst>
                               <p:cond delay="0"/>
                             </p:stCondLst>
                             <p:childTnLst>
                               <p:par>
-                                <p:cTn id="23" presetID="14" presetClass="entr" presetSubtype="10" fill="hold" grpId="0" nodeType="clickEffect">
+                                <p:cTn id="28" presetID="26" presetClass="entr" presetSubtype="0" fill="hold" nodeType="clickEffect">
                                   <p:stCondLst>
                                     <p:cond delay="0"/>
                                   </p:stCondLst>
                                   <p:childTnLst>
                                     <p:set>
                                       <p:cBhvr>
-                                        <p:cTn id="24" dur="1" fill="hold">
+                                        <p:cTn id="29" dur="1" fill="hold">
                                           <p:stCondLst>
                                             <p:cond delay="0"/>
                                           </p:stCondLst>
                                         </p:cTn>
                                         <p:tgtEl>
-                                          <p:spTgt spid="5"/>
+                                          <p:spTgt spid="4"/>
                                         </p:tgtEl>
                                         <p:attrNameLst>
                                           <p:attrName>style.visibility</p:attrName>
@@ -27258,14 +27843,257 @@
                                         <p:strVal val="visible"/>
                                       </p:to>
                                     </p:set>
-                                    <p:animEffect transition="in" filter="randombar(horizontal)">
+                                    <p:animEffect transition="in" filter="wipe(down)">
                                       <p:cBhvr>
-                                        <p:cTn id="25" dur="500"/>
-                                        <p:tgtEl>
-                                          <p:spTgt spid="5"/>
+                                        <p:cTn id="30" dur="580">
+                                          <p:stCondLst>
+                                            <p:cond delay="0"/>
+                                          </p:stCondLst>
+                                        </p:cTn>
+                                        <p:tgtEl>
+                                          <p:spTgt spid="4"/>
                                         </p:tgtEl>
                                       </p:cBhvr>
                                     </p:animEffect>
+                                    <p:anim calcmode="lin" valueType="num">
+                                      <p:cBhvr>
+                                        <p:cTn id="31" dur="1822" tmFilter="0,0; 0.14,0.36; 0.43,0.73; 0.71,0.91; 1.0,1.0">
+                                          <p:stCondLst>
+                                            <p:cond delay="0"/>
+                                          </p:stCondLst>
+                                        </p:cTn>
+                                        <p:tgtEl>
+                                          <p:spTgt spid="4"/>
+                                        </p:tgtEl>
+                                        <p:attrNameLst>
+                                          <p:attrName>ppt_x</p:attrName>
+                                        </p:attrNameLst>
+                                      </p:cBhvr>
+                                      <p:tavLst>
+                                        <p:tav tm="0">
+                                          <p:val>
+                                            <p:strVal val="#ppt_x-0.25"/>
+                                          </p:val>
+                                        </p:tav>
+                                        <p:tav tm="100000">
+                                          <p:val>
+                                            <p:strVal val="#ppt_x"/>
+                                          </p:val>
+                                        </p:tav>
+                                      </p:tavLst>
+                                    </p:anim>
+                                    <p:anim calcmode="lin" valueType="num">
+                                      <p:cBhvr>
+                                        <p:cTn id="32" dur="664" tmFilter="0.0,0.0; 0.25,0.07; 0.50,0.2; 0.75,0.467; 1.0,1.0">
+                                          <p:stCondLst>
+                                            <p:cond delay="0"/>
+                                          </p:stCondLst>
+                                        </p:cTn>
+                                        <p:tgtEl>
+                                          <p:spTgt spid="4"/>
+                                        </p:tgtEl>
+                                        <p:attrNameLst>
+                                          <p:attrName>ppt_y</p:attrName>
+                                        </p:attrNameLst>
+                                      </p:cBhvr>
+                                      <p:tavLst>
+                                        <p:tav tm="0" fmla="#ppt_y-sin(pi*$)/3">
+                                          <p:val>
+                                            <p:fltVal val="0.5"/>
+                                          </p:val>
+                                        </p:tav>
+                                        <p:tav tm="100000">
+                                          <p:val>
+                                            <p:fltVal val="1"/>
+                                          </p:val>
+                                        </p:tav>
+                                      </p:tavLst>
+                                    </p:anim>
+                                    <p:anim calcmode="lin" valueType="num">
+                                      <p:cBhvr>
+                                        <p:cTn id="33" dur="664" tmFilter="0, 0; 0.125,0.2665; 0.25,0.4; 0.375,0.465; 0.5,0.5;  0.625,0.535; 0.75,0.6; 0.875,0.7335; 1,1">
+                                          <p:stCondLst>
+                                            <p:cond delay="664"/>
+                                          </p:stCondLst>
+                                        </p:cTn>
+                                        <p:tgtEl>
+                                          <p:spTgt spid="4"/>
+                                        </p:tgtEl>
+                                        <p:attrNameLst>
+                                          <p:attrName>ppt_y</p:attrName>
+                                        </p:attrNameLst>
+                                      </p:cBhvr>
+                                      <p:tavLst>
+                                        <p:tav tm="0" fmla="#ppt_y-sin(pi*$)/9">
+                                          <p:val>
+                                            <p:fltVal val="0"/>
+                                          </p:val>
+                                        </p:tav>
+                                        <p:tav tm="100000">
+                                          <p:val>
+                                            <p:fltVal val="1"/>
+                                          </p:val>
+                                        </p:tav>
+                                      </p:tavLst>
+                                    </p:anim>
+                                    <p:anim calcmode="lin" valueType="num">
+                                      <p:cBhvr>
+                                        <p:cTn id="34" dur="332" tmFilter="0, 0; 0.125,0.2665; 0.25,0.4; 0.375,0.465; 0.5,0.5;  0.625,0.535; 0.75,0.6; 0.875,0.7335; 1,1">
+                                          <p:stCondLst>
+                                            <p:cond delay="1324"/>
+                                          </p:stCondLst>
+                                        </p:cTn>
+                                        <p:tgtEl>
+                                          <p:spTgt spid="4"/>
+                                        </p:tgtEl>
+                                        <p:attrNameLst>
+                                          <p:attrName>ppt_y</p:attrName>
+                                        </p:attrNameLst>
+                                      </p:cBhvr>
+                                      <p:tavLst>
+                                        <p:tav tm="0" fmla="#ppt_y-sin(pi*$)/27">
+                                          <p:val>
+                                            <p:fltVal val="0"/>
+                                          </p:val>
+                                        </p:tav>
+                                        <p:tav tm="100000">
+                                          <p:val>
+                                            <p:fltVal val="1"/>
+                                          </p:val>
+                                        </p:tav>
+                                      </p:tavLst>
+                                    </p:anim>
+                                    <p:anim calcmode="lin" valueType="num">
+                                      <p:cBhvr>
+                                        <p:cTn id="35" dur="164" tmFilter="0, 0; 0.125,0.2665; 0.25,0.4; 0.375,0.465; 0.5,0.5;  0.625,0.535; 0.75,0.6; 0.875,0.7335; 1,1">
+                                          <p:stCondLst>
+                                            <p:cond delay="1656"/>
+                                          </p:stCondLst>
+                                        </p:cTn>
+                                        <p:tgtEl>
+                                          <p:spTgt spid="4"/>
+                                        </p:tgtEl>
+                                        <p:attrNameLst>
+                                          <p:attrName>ppt_y</p:attrName>
+                                        </p:attrNameLst>
+                                      </p:cBhvr>
+                                      <p:tavLst>
+                                        <p:tav tm="0" fmla="#ppt_y-sin(pi*$)/81">
+                                          <p:val>
+                                            <p:fltVal val="0"/>
+                                          </p:val>
+                                        </p:tav>
+                                        <p:tav tm="100000">
+                                          <p:val>
+                                            <p:fltVal val="1"/>
+                                          </p:val>
+                                        </p:tav>
+                                      </p:tavLst>
+                                    </p:anim>
+                                    <p:animScale>
+                                      <p:cBhvr>
+                                        <p:cTn id="36" dur="26">
+                                          <p:stCondLst>
+                                            <p:cond delay="650"/>
+                                          </p:stCondLst>
+                                        </p:cTn>
+                                        <p:tgtEl>
+                                          <p:spTgt spid="4"/>
+                                        </p:tgtEl>
+                                      </p:cBhvr>
+                                      <p:to x="100000" y="60000"/>
+                                    </p:animScale>
+                                    <p:animScale>
+                                      <p:cBhvr>
+                                        <p:cTn id="37" dur="166" decel="50000">
+                                          <p:stCondLst>
+                                            <p:cond delay="676"/>
+                                          </p:stCondLst>
+                                        </p:cTn>
+                                        <p:tgtEl>
+                                          <p:spTgt spid="4"/>
+                                        </p:tgtEl>
+                                      </p:cBhvr>
+                                      <p:to x="100000" y="100000"/>
+                                    </p:animScale>
+                                    <p:animScale>
+                                      <p:cBhvr>
+                                        <p:cTn id="38" dur="26">
+                                          <p:stCondLst>
+                                            <p:cond delay="1312"/>
+                                          </p:stCondLst>
+                                        </p:cTn>
+                                        <p:tgtEl>
+                                          <p:spTgt spid="4"/>
+                                        </p:tgtEl>
+                                      </p:cBhvr>
+                                      <p:to x="100000" y="80000"/>
+                                    </p:animScale>
+                                    <p:animScale>
+                                      <p:cBhvr>
+                                        <p:cTn id="39" dur="166" decel="50000">
+                                          <p:stCondLst>
+                                            <p:cond delay="1338"/>
+                                          </p:stCondLst>
+                                        </p:cTn>
+                                        <p:tgtEl>
+                                          <p:spTgt spid="4"/>
+                                        </p:tgtEl>
+                                      </p:cBhvr>
+                                      <p:to x="100000" y="100000"/>
+                                    </p:animScale>
+                                    <p:animScale>
+                                      <p:cBhvr>
+                                        <p:cTn id="40" dur="26">
+                                          <p:stCondLst>
+                                            <p:cond delay="1642"/>
+                                          </p:stCondLst>
+                                        </p:cTn>
+                                        <p:tgtEl>
+                                          <p:spTgt spid="4"/>
+                                        </p:tgtEl>
+                                      </p:cBhvr>
+                                      <p:to x="100000" y="90000"/>
+                                    </p:animScale>
+                                    <p:animScale>
+                                      <p:cBhvr>
+                                        <p:cTn id="41" dur="166" decel="50000">
+                                          <p:stCondLst>
+                                            <p:cond delay="1668"/>
+                                          </p:stCondLst>
+                                        </p:cTn>
+                                        <p:tgtEl>
+                                          <p:spTgt spid="4"/>
+                                        </p:tgtEl>
+                                      </p:cBhvr>
+                                      <p:to x="100000" y="100000"/>
+                                    </p:animScale>
+                                    <p:animScale>
+                                      <p:cBhvr>
+                                        <p:cTn id="42" dur="26">
+                                          <p:stCondLst>
+                                            <p:cond delay="1808"/>
+                                          </p:stCondLst>
+                                        </p:cTn>
+                                        <p:tgtEl>
+                                          <p:spTgt spid="4"/>
+                                        </p:tgtEl>
+                                      </p:cBhvr>
+                                      <p:to x="100000" y="95000"/>
+                                    </p:animScale>
+                                    <p:animScale>
+                                      <p:cBhvr>
+                                        <p:cTn id="43" dur="166" decel="50000">
+                                          <p:stCondLst>
+                                            <p:cond delay="1834"/>
+                                          </p:stCondLst>
+                                        </p:cTn>
+                                        <p:tgtEl>
+                                          <p:spTgt spid="4"/>
+                                        </p:tgtEl>
+                                      </p:cBhvr>
+                                      <p:to x="100000" y="100000"/>
+                                    </p:animScale>
                                   </p:childTnLst>
                                 </p:cTn>
                               </p:par>
@@ -27349,7 +28177,7 @@
           <p:cNvPr id="3" name="Text Placeholder 1">
             <a:extLst>
               <a:ext uri="{FF2B5EF4-FFF2-40B4-BE49-F238E27FC236}">
-                <a16:creationId xmlns:a16="http://schemas.microsoft.com/office/drawing/2014/main" id="{D735F7F3-C1B5-4B60-A00A-4EB618DDFB5A}"/>
+                <a16:creationId xmlns:a16="http://schemas.microsoft.com/office/drawing/2014/main" xmlns="" id="{D735F7F3-C1B5-4B60-A00A-4EB618DDFB5A}"/>
               </a:ext>
             </a:extLst>
           </p:cNvPr>
@@ -27486,7 +28314,7 @@
           <p:cNvPr id="4" name="TextBox 3">
             <a:extLst>
               <a:ext uri="{FF2B5EF4-FFF2-40B4-BE49-F238E27FC236}">
-                <a16:creationId xmlns:a16="http://schemas.microsoft.com/office/drawing/2014/main" id="{15A4BDA0-C270-4764-9C18-A593BCE2C965}"/>
+                <a16:creationId xmlns:a16="http://schemas.microsoft.com/office/drawing/2014/main" xmlns="" id="{15A4BDA0-C270-4764-9C18-A593BCE2C965}"/>
               </a:ext>
             </a:extLst>
           </p:cNvPr>
@@ -27520,20 +28348,7 @@
                 <a:latin typeface="Candara" panose="020E0502030303020204" pitchFamily="34" charset="0"/>
                 <a:cs typeface="Arial" pitchFamily="34" charset="0"/>
               </a:rPr>
-              <a:t>A. </a:t>
-            </a:r>
-            <a:r>
-              <a:rPr lang="fr-CM" altLang="ko-KR" sz="2800" dirty="0" smtClean="0">
-                <a:solidFill>
-                  <a:schemeClr val="tx1">
-                    <a:lumMod val="85000"/>
-                    <a:lumOff val="15000"/>
-                  </a:schemeClr>
-                </a:solidFill>
-                <a:latin typeface="Candara" panose="020E0502030303020204" pitchFamily="34" charset="0"/>
-                <a:cs typeface="Arial" pitchFamily="34" charset="0"/>
-              </a:rPr>
-              <a:t>Lancement d’une application web</a:t>
+              <a:t>A. Lancement d’une application web</a:t>
             </a:r>
             <a:endParaRPr lang="ko-KR" altLang="en-US" sz="2800" dirty="0">
               <a:solidFill>
@@ -27553,7 +28368,7 @@
           <p:cNvPr id="5" name="TextBox 3">
             <a:extLst>
               <a:ext uri="{FF2B5EF4-FFF2-40B4-BE49-F238E27FC236}">
-                <a16:creationId xmlns:a16="http://schemas.microsoft.com/office/drawing/2014/main" id="{15A4BDA0-C270-4764-9C18-A593BCE2C965}"/>
+                <a16:creationId xmlns:a16="http://schemas.microsoft.com/office/drawing/2014/main" xmlns="" id="{15A4BDA0-C270-4764-9C18-A593BCE2C965}"/>
               </a:ext>
             </a:extLst>
           </p:cNvPr>
@@ -27562,8 +28377,8 @@
         </p:nvSpPr>
         <p:spPr>
           <a:xfrm>
-            <a:off x="2598959" y="2764920"/>
-            <a:ext cx="5053125" cy="400110"/>
+            <a:off x="8152377" y="1782666"/>
+            <a:ext cx="1829823" cy="338554"/>
           </a:xfrm>
           <a:prstGeom prst="rect">
             <a:avLst/>
@@ -27577,7 +28392,7 @@
           <a:lstStyle/>
           <a:p>
             <a:r>
-              <a:rPr lang="fr-CM" altLang="ko-KR" sz="2000" dirty="0" smtClean="0">
+              <a:rPr lang="fr-CM" altLang="ko-KR" sz="1600" dirty="0" err="1" smtClean="0">
                 <a:solidFill>
                   <a:schemeClr val="tx1">
                     <a:lumMod val="85000"/>
@@ -27586,11 +28401,12 @@
                 </a:solidFill>
                 <a:latin typeface="Candara" panose="020E0502030303020204" pitchFamily="34" charset="0"/>
                 <a:cs typeface="Arial" pitchFamily="34" charset="0"/>
+                <a:hlinkClick r:id="rId2"/>
               </a:rPr>
-              <a:t>Ouvrir le </a:t>
+              <a:t>Demo</a:t>
             </a:r>
             <a:r>
-              <a:rPr lang="fr-CM" altLang="ko-KR" sz="2000" dirty="0" smtClean="0">
+              <a:rPr lang="fr-CM" altLang="ko-KR" sz="1600" dirty="0" smtClean="0">
                 <a:solidFill>
                   <a:schemeClr val="tx1">
                     <a:lumMod val="85000"/>
@@ -27599,33 +28415,11 @@
                 </a:solidFill>
                 <a:latin typeface="Candara" panose="020E0502030303020204" pitchFamily="34" charset="0"/>
                 <a:cs typeface="Arial" pitchFamily="34" charset="0"/>
+                <a:hlinkClick r:id="rId2"/>
               </a:rPr>
-              <a:t>naviga</a:t>
+              <a:t> site web</a:t>
             </a:r>
-            <a:r>
-              <a:rPr lang="fr-CM" altLang="ko-KR" sz="2000" dirty="0" smtClean="0">
-                <a:solidFill>
-                  <a:schemeClr val="tx1">
-                    <a:lumMod val="85000"/>
-                    <a:lumOff val="15000"/>
-                  </a:schemeClr>
-                </a:solidFill>
-                <a:latin typeface="Candara" panose="020E0502030303020204" pitchFamily="34" charset="0"/>
-                <a:cs typeface="Arial" pitchFamily="34" charset="0"/>
-              </a:rPr>
-              <a:t>teur et entre : </a:t>
-            </a:r>
-            <a:r>
-              <a:rPr lang="fr-CM" altLang="ko-KR" sz="2000" u="sng" dirty="0" smtClean="0">
-                <a:solidFill>
-                  <a:schemeClr val="accent3"/>
-                </a:solidFill>
-                <a:latin typeface="Candara" panose="020E0502030303020204" pitchFamily="34" charset="0"/>
-                <a:cs typeface="Arial" pitchFamily="34" charset="0"/>
-              </a:rPr>
-              <a:t>localhost:8080</a:t>
-            </a:r>
-            <a:endParaRPr lang="ko-KR" altLang="en-US" sz="2000" u="sng" dirty="0">
+            <a:endParaRPr lang="ko-KR" altLang="en-US" sz="1600" u="sng" dirty="0">
               <a:solidFill>
                 <a:schemeClr val="accent3"/>
               </a:solidFill>
@@ -27644,7 +28438,7 @@
           <p:nvPr/>
         </p:nvPicPr>
         <p:blipFill>
-          <a:blip r:embed="rId2"/>
+          <a:blip r:embed="rId3"/>
           <a:stretch>
             <a:fillRect/>
           </a:stretch>
@@ -27669,6 +28463,18 @@
   <p:clrMapOvr>
     <a:masterClrMapping/>
   </p:clrMapOvr>
+  <mc:AlternateContent xmlns:mc="http://schemas.openxmlformats.org/markup-compatibility/2006">
+    <mc:Choice xmlns:p14="http://schemas.microsoft.com/office/powerpoint/2010/main" Requires="p14">
+      <p:transition spd="slow" p14:dur="1400">
+        <p14:doors dir="vert"/>
+      </p:transition>
+    </mc:Choice>
+    <mc:Fallback>
+      <p:transition spd="slow">
+        <p:fade/>
+      </p:transition>
+    </mc:Fallback>
+  </mc:AlternateContent>
   <p:timing>
     <p:tnLst>
       <p:par>
@@ -27725,7 +28531,7 @@
           <p:cNvPr id="3" name="TextBox 3">
             <a:extLst>
               <a:ext uri="{FF2B5EF4-FFF2-40B4-BE49-F238E27FC236}">
-                <a16:creationId xmlns:a16="http://schemas.microsoft.com/office/drawing/2014/main" id="{15A4BDA0-C270-4764-9C18-A593BCE2C965}"/>
+                <a16:creationId xmlns:a16="http://schemas.microsoft.com/office/drawing/2014/main" xmlns="" id="{15A4BDA0-C270-4764-9C18-A593BCE2C965}"/>
               </a:ext>
             </a:extLst>
           </p:cNvPr>
@@ -27779,7 +28585,7 @@
           <p:cNvPr id="4" name="TextBox 3">
             <a:extLst>
               <a:ext uri="{FF2B5EF4-FFF2-40B4-BE49-F238E27FC236}">
-                <a16:creationId xmlns:a16="http://schemas.microsoft.com/office/drawing/2014/main" id="{15A4BDA0-C270-4764-9C18-A593BCE2C965}"/>
+                <a16:creationId xmlns:a16="http://schemas.microsoft.com/office/drawing/2014/main" xmlns="" id="{15A4BDA0-C270-4764-9C18-A593BCE2C965}"/>
               </a:ext>
             </a:extLst>
           </p:cNvPr>
@@ -27813,7 +28619,20 @@
                 <a:latin typeface="Candara" panose="020E0502030303020204" pitchFamily="34" charset="0"/>
                 <a:cs typeface="Arial" pitchFamily="34" charset="0"/>
               </a:rPr>
-              <a:t>Ouvrir POSTAMAN </a:t>
+              <a:t>Ouvrir </a:t>
+            </a:r>
+            <a:r>
+              <a:rPr lang="fr-CM" altLang="ko-KR" sz="2000" dirty="0" smtClean="0">
+                <a:solidFill>
+                  <a:schemeClr val="tx1">
+                    <a:lumMod val="85000"/>
+                    <a:lumOff val="15000"/>
+                  </a:schemeClr>
+                </a:solidFill>
+                <a:latin typeface="Candara" panose="020E0502030303020204" pitchFamily="34" charset="0"/>
+                <a:cs typeface="Arial" pitchFamily="34" charset="0"/>
+              </a:rPr>
+              <a:t>POSTMAN </a:t>
             </a:r>
             <a:endParaRPr lang="ko-KR" altLang="en-US" sz="2000" dirty="0">
               <a:solidFill>
@@ -27851,11 +28670,7 @@
           <a:p>
             <a:r>
               <a:rPr lang="en-US" dirty="0" smtClean="0"/>
-              <a:t>Entrer</a:t>
-            </a:r>
-            <a:r>
-              <a:rPr lang="en-US" dirty="0" smtClean="0"/>
-              <a:t> L</a:t>
+              <a:t>Entrer L</a:t>
             </a:r>
             <a:r>
               <a:rPr lang="fr-CM" dirty="0" smtClean="0"/>
@@ -27863,19 +28678,7 @@
             </a:r>
             <a:r>
               <a:rPr lang="en-US" dirty="0" smtClean="0"/>
-              <a:t>url</a:t>
-            </a:r>
-            <a:r>
-              <a:rPr lang="en-US" dirty="0" smtClean="0"/>
-              <a:t> </a:t>
-            </a:r>
-            <a:r>
-              <a:rPr lang="en-US" dirty="0" smtClean="0"/>
-              <a:t>suivant</a:t>
-            </a:r>
-            <a:r>
-              <a:rPr lang="en-US" dirty="0" smtClean="0"/>
-              <a:t> : </a:t>
+              <a:t>url suivant : </a:t>
             </a:r>
             <a:r>
               <a:rPr lang="en-US" dirty="0" smtClean="0">
@@ -27893,23 +28696,11 @@
               <a:rPr lang="en-US" dirty="0" smtClean="0">
                 <a:hlinkClick r:id="rId2"/>
               </a:rPr>
-              <a:t>localhost:8080/api/hello</a:t>
+              <a:t>localhost:8080/api/hello </a:t>
             </a:r>
             <a:r>
               <a:rPr lang="en-US" dirty="0" smtClean="0"/>
-              <a:t> </a:t>
-            </a:r>
-            <a:r>
-              <a:rPr lang="en-US" dirty="0" smtClean="0"/>
-              <a:t>dans</a:t>
-            </a:r>
-            <a:r>
-              <a:rPr lang="en-US" dirty="0" smtClean="0"/>
-              <a:t> la barre de </a:t>
-            </a:r>
-            <a:r>
-              <a:rPr lang="en-US" dirty="0" smtClean="0"/>
-              <a:t>recherche</a:t>
+              <a:t>dans la barre de recherche</a:t>
             </a:r>
             <a:endParaRPr lang="en-US" dirty="0"/>
           </a:p>
@@ -27942,15 +28733,7 @@
             </a:r>
             <a:r>
               <a:rPr lang="fr-FR" dirty="0"/>
-              <a:t> en cliquant sur "New" puis sur "</a:t>
-            </a:r>
-            <a:r>
-              <a:rPr lang="fr-FR" dirty="0"/>
-              <a:t>Request</a:t>
-            </a:r>
-            <a:r>
-              <a:rPr lang="fr-FR" dirty="0"/>
-              <a:t>"</a:t>
+              <a:t> en cliquant sur "New" puis sur "Request"</a:t>
             </a:r>
             <a:endParaRPr lang="en-US" dirty="0"/>
           </a:p>
@@ -28013,6 +28796,43 @@
           </a:prstGeom>
         </p:spPr>
       </p:pic>
+      <p:sp>
+        <p:nvSpPr>
+          <p:cNvPr id="9" name="Rectangle 8"/>
+          <p:cNvSpPr/>
+          <p:nvPr/>
+        </p:nvSpPr>
+        <p:spPr>
+          <a:xfrm>
+            <a:off x="6099368" y="1875656"/>
+            <a:ext cx="1633781" cy="369332"/>
+          </a:xfrm>
+          <a:prstGeom prst="rect">
+            <a:avLst/>
+          </a:prstGeom>
+        </p:spPr>
+        <p:txBody>
+          <a:bodyPr wrap="none">
+            <a:spAutoFit/>
+          </a:bodyPr>
+          <a:lstStyle/>
+          <a:p>
+            <a:r>
+              <a:rPr lang="en-US" dirty="0" smtClean="0">
+                <a:hlinkClick r:id="rId4"/>
+              </a:rPr>
+              <a:t>example </a:t>
+            </a:r>
+            <a:r>
+              <a:rPr lang="en-US" dirty="0" err="1" smtClean="0">
+                <a:hlinkClick r:id="rId4"/>
+              </a:rPr>
+              <a:t>d’Api</a:t>
+            </a:r>
+            <a:endParaRPr lang="en-US" dirty="0"/>
+          </a:p>
+        </p:txBody>
+      </p:sp>
     </p:spTree>
     <p:extLst>
       <p:ext uri="{BB962C8B-B14F-4D97-AF65-F5344CB8AC3E}">
@@ -28023,12 +28843,562 @@
   <p:clrMapOvr>
     <a:masterClrMapping/>
   </p:clrMapOvr>
+  <mc:AlternateContent xmlns:mc="http://schemas.openxmlformats.org/markup-compatibility/2006">
+    <mc:Choice xmlns:p14="http://schemas.microsoft.com/office/powerpoint/2010/main" Requires="p14">
+      <p:transition spd="slow" p14:dur="2000">
+        <p14:ferris dir="l"/>
+      </p:transition>
+    </mc:Choice>
+    <mc:Fallback>
+      <p:transition spd="slow">
+        <p:fade/>
+      </p:transition>
+    </mc:Fallback>
+  </mc:AlternateContent>
   <p:timing>
     <p:tnLst>
       <p:par>
-        <p:cTn id="1" dur="indefinite" restart="never" nodeType="tmRoot"/>
+        <p:cTn id="1" dur="indefinite" restart="never" nodeType="tmRoot">
+          <p:childTnLst>
+            <p:seq concurrent="1" nextAc="seek">
+              <p:cTn id="2" dur="indefinite" nodeType="mainSeq">
+                <p:childTnLst>
+                  <p:par>
+                    <p:cTn id="3" fill="hold">
+                      <p:stCondLst>
+                        <p:cond delay="indefinite"/>
+                      </p:stCondLst>
+                      <p:childTnLst>
+                        <p:par>
+                          <p:cTn id="4" fill="hold">
+                            <p:stCondLst>
+                              <p:cond delay="0"/>
+                            </p:stCondLst>
+                            <p:childTnLst>
+                              <p:par>
+                                <p:cTn id="5" presetID="16" presetClass="entr" presetSubtype="21" fill="hold" grpId="0" nodeType="clickEffect">
+                                  <p:stCondLst>
+                                    <p:cond delay="0"/>
+                                  </p:stCondLst>
+                                  <p:childTnLst>
+                                    <p:set>
+                                      <p:cBhvr>
+                                        <p:cTn id="6" dur="1" fill="hold">
+                                          <p:stCondLst>
+                                            <p:cond delay="0"/>
+                                          </p:stCondLst>
+                                        </p:cTn>
+                                        <p:tgtEl>
+                                          <p:spTgt spid="4"/>
+                                        </p:tgtEl>
+                                        <p:attrNameLst>
+                                          <p:attrName>style.visibility</p:attrName>
+                                        </p:attrNameLst>
+                                      </p:cBhvr>
+                                      <p:to>
+                                        <p:strVal val="visible"/>
+                                      </p:to>
+                                    </p:set>
+                                    <p:animEffect transition="in" filter="barn(inVertical)">
+                                      <p:cBhvr>
+                                        <p:cTn id="7" dur="500"/>
+                                        <p:tgtEl>
+                                          <p:spTgt spid="4"/>
+                                        </p:tgtEl>
+                                      </p:cBhvr>
+                                    </p:animEffect>
+                                  </p:childTnLst>
+                                </p:cTn>
+                              </p:par>
+                            </p:childTnLst>
+                          </p:cTn>
+                        </p:par>
+                      </p:childTnLst>
+                    </p:cTn>
+                  </p:par>
+                  <p:par>
+                    <p:cTn id="8" fill="hold">
+                      <p:stCondLst>
+                        <p:cond delay="indefinite"/>
+                      </p:stCondLst>
+                      <p:childTnLst>
+                        <p:par>
+                          <p:cTn id="9" fill="hold">
+                            <p:stCondLst>
+                              <p:cond delay="0"/>
+                            </p:stCondLst>
+                            <p:childTnLst>
+                              <p:par>
+                                <p:cTn id="10" presetID="16" presetClass="entr" presetSubtype="21" fill="hold" grpId="0" nodeType="clickEffect">
+                                  <p:stCondLst>
+                                    <p:cond delay="0"/>
+                                  </p:stCondLst>
+                                  <p:childTnLst>
+                                    <p:set>
+                                      <p:cBhvr>
+                                        <p:cTn id="11" dur="1" fill="hold">
+                                          <p:stCondLst>
+                                            <p:cond delay="0"/>
+                                          </p:stCondLst>
+                                        </p:cTn>
+                                        <p:tgtEl>
+                                          <p:spTgt spid="6"/>
+                                        </p:tgtEl>
+                                        <p:attrNameLst>
+                                          <p:attrName>style.visibility</p:attrName>
+                                        </p:attrNameLst>
+                                      </p:cBhvr>
+                                      <p:to>
+                                        <p:strVal val="visible"/>
+                                      </p:to>
+                                    </p:set>
+                                    <p:animEffect transition="in" filter="barn(inVertical)">
+                                      <p:cBhvr>
+                                        <p:cTn id="12" dur="500"/>
+                                        <p:tgtEl>
+                                          <p:spTgt spid="6"/>
+                                        </p:tgtEl>
+                                      </p:cBhvr>
+                                    </p:animEffect>
+                                  </p:childTnLst>
+                                </p:cTn>
+                              </p:par>
+                            </p:childTnLst>
+                          </p:cTn>
+                        </p:par>
+                      </p:childTnLst>
+                    </p:cTn>
+                  </p:par>
+                  <p:par>
+                    <p:cTn id="13" fill="hold">
+                      <p:stCondLst>
+                        <p:cond delay="indefinite"/>
+                      </p:stCondLst>
+                      <p:childTnLst>
+                        <p:par>
+                          <p:cTn id="14" fill="hold">
+                            <p:stCondLst>
+                              <p:cond delay="0"/>
+                            </p:stCondLst>
+                            <p:childTnLst>
+                              <p:par>
+                                <p:cTn id="15" presetID="16" presetClass="entr" presetSubtype="21" fill="hold" grpId="0" nodeType="clickEffect">
+                                  <p:stCondLst>
+                                    <p:cond delay="0"/>
+                                  </p:stCondLst>
+                                  <p:childTnLst>
+                                    <p:set>
+                                      <p:cBhvr>
+                                        <p:cTn id="16" dur="1" fill="hold">
+                                          <p:stCondLst>
+                                            <p:cond delay="0"/>
+                                          </p:stCondLst>
+                                        </p:cTn>
+                                        <p:tgtEl>
+                                          <p:spTgt spid="7"/>
+                                        </p:tgtEl>
+                                        <p:attrNameLst>
+                                          <p:attrName>style.visibility</p:attrName>
+                                        </p:attrNameLst>
+                                      </p:cBhvr>
+                                      <p:to>
+                                        <p:strVal val="visible"/>
+                                      </p:to>
+                                    </p:set>
+                                    <p:animEffect transition="in" filter="barn(inVertical)">
+                                      <p:cBhvr>
+                                        <p:cTn id="17" dur="500"/>
+                                        <p:tgtEl>
+                                          <p:spTgt spid="7"/>
+                                        </p:tgtEl>
+                                      </p:cBhvr>
+                                    </p:animEffect>
+                                  </p:childTnLst>
+                                </p:cTn>
+                              </p:par>
+                            </p:childTnLst>
+                          </p:cTn>
+                        </p:par>
+                      </p:childTnLst>
+                    </p:cTn>
+                  </p:par>
+                  <p:par>
+                    <p:cTn id="18" fill="hold">
+                      <p:stCondLst>
+                        <p:cond delay="indefinite"/>
+                      </p:stCondLst>
+                      <p:childTnLst>
+                        <p:par>
+                          <p:cTn id="19" fill="hold">
+                            <p:stCondLst>
+                              <p:cond delay="0"/>
+                            </p:stCondLst>
+                            <p:childTnLst>
+                              <p:par>
+                                <p:cTn id="20" presetID="16" presetClass="entr" presetSubtype="21" fill="hold" grpId="0" nodeType="clickEffect">
+                                  <p:stCondLst>
+                                    <p:cond delay="0"/>
+                                  </p:stCondLst>
+                                  <p:childTnLst>
+                                    <p:set>
+                                      <p:cBhvr>
+                                        <p:cTn id="21" dur="1" fill="hold">
+                                          <p:stCondLst>
+                                            <p:cond delay="0"/>
+                                          </p:stCondLst>
+                                        </p:cTn>
+                                        <p:tgtEl>
+                                          <p:spTgt spid="5"/>
+                                        </p:tgtEl>
+                                        <p:attrNameLst>
+                                          <p:attrName>style.visibility</p:attrName>
+                                        </p:attrNameLst>
+                                      </p:cBhvr>
+                                      <p:to>
+                                        <p:strVal val="visible"/>
+                                      </p:to>
+                                    </p:set>
+                                    <p:animEffect transition="in" filter="barn(inVertical)">
+                                      <p:cBhvr>
+                                        <p:cTn id="22" dur="500"/>
+                                        <p:tgtEl>
+                                          <p:spTgt spid="5"/>
+                                        </p:tgtEl>
+                                      </p:cBhvr>
+                                    </p:animEffect>
+                                  </p:childTnLst>
+                                </p:cTn>
+                              </p:par>
+                            </p:childTnLst>
+                          </p:cTn>
+                        </p:par>
+                      </p:childTnLst>
+                    </p:cTn>
+                  </p:par>
+                  <p:par>
+                    <p:cTn id="23" fill="hold">
+                      <p:stCondLst>
+                        <p:cond delay="indefinite"/>
+                      </p:stCondLst>
+                      <p:childTnLst>
+                        <p:par>
+                          <p:cTn id="24" fill="hold">
+                            <p:stCondLst>
+                              <p:cond delay="0"/>
+                            </p:stCondLst>
+                            <p:childTnLst>
+                              <p:par>
+                                <p:cTn id="25" presetID="26" presetClass="entr" presetSubtype="0" fill="hold" grpId="0" nodeType="clickEffect">
+                                  <p:stCondLst>
+                                    <p:cond delay="0"/>
+                                  </p:stCondLst>
+                                  <p:childTnLst>
+                                    <p:set>
+                                      <p:cBhvr>
+                                        <p:cTn id="26" dur="1" fill="hold">
+                                          <p:stCondLst>
+                                            <p:cond delay="0"/>
+                                          </p:stCondLst>
+                                        </p:cTn>
+                                        <p:tgtEl>
+                                          <p:spTgt spid="9"/>
+                                        </p:tgtEl>
+                                        <p:attrNameLst>
+                                          <p:attrName>style.visibility</p:attrName>
+                                        </p:attrNameLst>
+                                      </p:cBhvr>
+                                      <p:to>
+                                        <p:strVal val="visible"/>
+                                      </p:to>
+                                    </p:set>
+                                    <p:animEffect transition="in" filter="wipe(down)">
+                                      <p:cBhvr>
+                                        <p:cTn id="27" dur="580">
+                                          <p:stCondLst>
+                                            <p:cond delay="0"/>
+                                          </p:stCondLst>
+                                        </p:cTn>
+                                        <p:tgtEl>
+                                          <p:spTgt spid="9"/>
+                                        </p:tgtEl>
+                                      </p:cBhvr>
+                                    </p:animEffect>
+                                    <p:anim calcmode="lin" valueType="num">
+                                      <p:cBhvr>
+                                        <p:cTn id="28" dur="1822" tmFilter="0,0; 0.14,0.36; 0.43,0.73; 0.71,0.91; 1.0,1.0">
+                                          <p:stCondLst>
+                                            <p:cond delay="0"/>
+                                          </p:stCondLst>
+                                        </p:cTn>
+                                        <p:tgtEl>
+                                          <p:spTgt spid="9"/>
+                                        </p:tgtEl>
+                                        <p:attrNameLst>
+                                          <p:attrName>ppt_x</p:attrName>
+                                        </p:attrNameLst>
+                                      </p:cBhvr>
+                                      <p:tavLst>
+                                        <p:tav tm="0">
+                                          <p:val>
+                                            <p:strVal val="#ppt_x-0.25"/>
+                                          </p:val>
+                                        </p:tav>
+                                        <p:tav tm="100000">
+                                          <p:val>
+                                            <p:strVal val="#ppt_x"/>
+                                          </p:val>
+                                        </p:tav>
+                                      </p:tavLst>
+                                    </p:anim>
+                                    <p:anim calcmode="lin" valueType="num">
+                                      <p:cBhvr>
+                                        <p:cTn id="29" dur="664" tmFilter="0.0,0.0; 0.25,0.07; 0.50,0.2; 0.75,0.467; 1.0,1.0">
+                                          <p:stCondLst>
+                                            <p:cond delay="0"/>
+                                          </p:stCondLst>
+                                        </p:cTn>
+                                        <p:tgtEl>
+                                          <p:spTgt spid="9"/>
+                                        </p:tgtEl>
+                                        <p:attrNameLst>
+                                          <p:attrName>ppt_y</p:attrName>
+                                        </p:attrNameLst>
+                                      </p:cBhvr>
+                                      <p:tavLst>
+                                        <p:tav tm="0" fmla="#ppt_y-sin(pi*$)/3">
+                                          <p:val>
+                                            <p:fltVal val="0.5"/>
+                                          </p:val>
+                                        </p:tav>
+                                        <p:tav tm="100000">
+                                          <p:val>
+                                            <p:fltVal val="1"/>
+                                          </p:val>
+                                        </p:tav>
+                                      </p:tavLst>
+                                    </p:anim>
+                                    <p:anim calcmode="lin" valueType="num">
+                                      <p:cBhvr>
+                                        <p:cTn id="30" dur="664" tmFilter="0, 0; 0.125,0.2665; 0.25,0.4; 0.375,0.465; 0.5,0.5;  0.625,0.535; 0.75,0.6; 0.875,0.7335; 1,1">
+                                          <p:stCondLst>
+                                            <p:cond delay="664"/>
+                                          </p:stCondLst>
+                                        </p:cTn>
+                                        <p:tgtEl>
+                                          <p:spTgt spid="9"/>
+                                        </p:tgtEl>
+                                        <p:attrNameLst>
+                                          <p:attrName>ppt_y</p:attrName>
+                                        </p:attrNameLst>
+                                      </p:cBhvr>
+                                      <p:tavLst>
+                                        <p:tav tm="0" fmla="#ppt_y-sin(pi*$)/9">
+                                          <p:val>
+                                            <p:fltVal val="0"/>
+                                          </p:val>
+                                        </p:tav>
+                                        <p:tav tm="100000">
+                                          <p:val>
+                                            <p:fltVal val="1"/>
+                                          </p:val>
+                                        </p:tav>
+                                      </p:tavLst>
+                                    </p:anim>
+                                    <p:anim calcmode="lin" valueType="num">
+                                      <p:cBhvr>
+                                        <p:cTn id="31" dur="332" tmFilter="0, 0; 0.125,0.2665; 0.25,0.4; 0.375,0.465; 0.5,0.5;  0.625,0.535; 0.75,0.6; 0.875,0.7335; 1,1">
+                                          <p:stCondLst>
+                                            <p:cond delay="1324"/>
+                                          </p:stCondLst>
+                                        </p:cTn>
+                                        <p:tgtEl>
+                                          <p:spTgt spid="9"/>
+                                        </p:tgtEl>
+                                        <p:attrNameLst>
+                                          <p:attrName>ppt_y</p:attrName>
+                                        </p:attrNameLst>
+                                      </p:cBhvr>
+                                      <p:tavLst>
+                                        <p:tav tm="0" fmla="#ppt_y-sin(pi*$)/27">
+                                          <p:val>
+                                            <p:fltVal val="0"/>
+                                          </p:val>
+                                        </p:tav>
+                                        <p:tav tm="100000">
+                                          <p:val>
+                                            <p:fltVal val="1"/>
+                                          </p:val>
+                                        </p:tav>
+                                      </p:tavLst>
+                                    </p:anim>
+                                    <p:anim calcmode="lin" valueType="num">
+                                      <p:cBhvr>
+                                        <p:cTn id="32" dur="164" tmFilter="0, 0; 0.125,0.2665; 0.25,0.4; 0.375,0.465; 0.5,0.5;  0.625,0.535; 0.75,0.6; 0.875,0.7335; 1,1">
+                                          <p:stCondLst>
+                                            <p:cond delay="1656"/>
+                                          </p:stCondLst>
+                                        </p:cTn>
+                                        <p:tgtEl>
+                                          <p:spTgt spid="9"/>
+                                        </p:tgtEl>
+                                        <p:attrNameLst>
+                                          <p:attrName>ppt_y</p:attrName>
+                                        </p:attrNameLst>
+                                      </p:cBhvr>
+                                      <p:tavLst>
+                                        <p:tav tm="0" fmla="#ppt_y-sin(pi*$)/81">
+                                          <p:val>
+                                            <p:fltVal val="0"/>
+                                          </p:val>
+                                        </p:tav>
+                                        <p:tav tm="100000">
+                                          <p:val>
+                                            <p:fltVal val="1"/>
+                                          </p:val>
+                                        </p:tav>
+                                      </p:tavLst>
+                                    </p:anim>
+                                    <p:animScale>
+                                      <p:cBhvr>
+                                        <p:cTn id="33" dur="26">
+                                          <p:stCondLst>
+                                            <p:cond delay="650"/>
+                                          </p:stCondLst>
+                                        </p:cTn>
+                                        <p:tgtEl>
+                                          <p:spTgt spid="9"/>
+                                        </p:tgtEl>
+                                      </p:cBhvr>
+                                      <p:to x="100000" y="60000"/>
+                                    </p:animScale>
+                                    <p:animScale>
+                                      <p:cBhvr>
+                                        <p:cTn id="34" dur="166" decel="50000">
+                                          <p:stCondLst>
+                                            <p:cond delay="676"/>
+                                          </p:stCondLst>
+                                        </p:cTn>
+                                        <p:tgtEl>
+                                          <p:spTgt spid="9"/>
+                                        </p:tgtEl>
+                                      </p:cBhvr>
+                                      <p:to x="100000" y="100000"/>
+                                    </p:animScale>
+                                    <p:animScale>
+                                      <p:cBhvr>
+                                        <p:cTn id="35" dur="26">
+                                          <p:stCondLst>
+                                            <p:cond delay="1312"/>
+                                          </p:stCondLst>
+                                        </p:cTn>
+                                        <p:tgtEl>
+                                          <p:spTgt spid="9"/>
+                                        </p:tgtEl>
+                                      </p:cBhvr>
+                                      <p:to x="100000" y="80000"/>
+                                    </p:animScale>
+                                    <p:animScale>
+                                      <p:cBhvr>
+                                        <p:cTn id="36" dur="166" decel="50000">
+                                          <p:stCondLst>
+                                            <p:cond delay="1338"/>
+                                          </p:stCondLst>
+                                        </p:cTn>
+                                        <p:tgtEl>
+                                          <p:spTgt spid="9"/>
+                                        </p:tgtEl>
+                                      </p:cBhvr>
+                                      <p:to x="100000" y="100000"/>
+                                    </p:animScale>
+                                    <p:animScale>
+                                      <p:cBhvr>
+                                        <p:cTn id="37" dur="26">
+                                          <p:stCondLst>
+                                            <p:cond delay="1642"/>
+                                          </p:stCondLst>
+                                        </p:cTn>
+                                        <p:tgtEl>
+                                          <p:spTgt spid="9"/>
+                                        </p:tgtEl>
+                                      </p:cBhvr>
+                                      <p:to x="100000" y="90000"/>
+                                    </p:animScale>
+                                    <p:animScale>
+                                      <p:cBhvr>
+                                        <p:cTn id="38" dur="166" decel="50000">
+                                          <p:stCondLst>
+                                            <p:cond delay="1668"/>
+                                          </p:stCondLst>
+                                        </p:cTn>
+                                        <p:tgtEl>
+                                          <p:spTgt spid="9"/>
+                                        </p:tgtEl>
+                                      </p:cBhvr>
+                                      <p:to x="100000" y="100000"/>
+                                    </p:animScale>
+                                    <p:animScale>
+                                      <p:cBhvr>
+                                        <p:cTn id="39" dur="26">
+                                          <p:stCondLst>
+                                            <p:cond delay="1808"/>
+                                          </p:stCondLst>
+                                        </p:cTn>
+                                        <p:tgtEl>
+                                          <p:spTgt spid="9"/>
+                                        </p:tgtEl>
+                                      </p:cBhvr>
+                                      <p:to x="100000" y="95000"/>
+                                    </p:animScale>
+                                    <p:animScale>
+                                      <p:cBhvr>
+                                        <p:cTn id="40" dur="166" decel="50000">
+                                          <p:stCondLst>
+                                            <p:cond delay="1834"/>
+                                          </p:stCondLst>
+                                        </p:cTn>
+                                        <p:tgtEl>
+                                          <p:spTgt spid="9"/>
+                                        </p:tgtEl>
+                                      </p:cBhvr>
+                                      <p:to x="100000" y="100000"/>
+                                    </p:animScale>
+                                  </p:childTnLst>
+                                </p:cTn>
+                              </p:par>
+                            </p:childTnLst>
+                          </p:cTn>
+                        </p:par>
+                      </p:childTnLst>
+                    </p:cTn>
+                  </p:par>
+                </p:childTnLst>
+              </p:cTn>
+              <p:prevCondLst>
+                <p:cond evt="onPrev" delay="0">
+                  <p:tgtEl>
+                    <p:sldTgt/>
+                  </p:tgtEl>
+                </p:cond>
+              </p:prevCondLst>
+              <p:nextCondLst>
+                <p:cond evt="onNext" delay="0">
+                  <p:tgtEl>
+                    <p:sldTgt/>
+                  </p:tgtEl>
+                </p:cond>
+              </p:nextCondLst>
+            </p:seq>
+          </p:childTnLst>
+        </p:cTn>
       </p:par>
     </p:tnLst>
+    <p:bldLst>
+      <p:bldP spid="4" grpId="0"/>
+      <p:bldP spid="5" grpId="0"/>
+      <p:bldP spid="6" grpId="0"/>
+      <p:bldP spid="7" grpId="0"/>
+      <p:bldP spid="9" grpId="0"/>
+    </p:bldLst>
   </p:timing>
 </p:sld>
 </file>
@@ -28079,7 +29449,7 @@
           <p:cNvPr id="3" name="TextBox 3">
             <a:extLst>
               <a:ext uri="{FF2B5EF4-FFF2-40B4-BE49-F238E27FC236}">
-                <a16:creationId xmlns:a16="http://schemas.microsoft.com/office/drawing/2014/main" id="{15A4BDA0-C270-4764-9C18-A593BCE2C965}"/>
+                <a16:creationId xmlns:a16="http://schemas.microsoft.com/office/drawing/2014/main" xmlns="" id="{15A4BDA0-C270-4764-9C18-A593BCE2C965}"/>
               </a:ext>
             </a:extLst>
           </p:cNvPr>
@@ -28127,7 +29497,7 @@
           <p:cNvPr id="39" name="TextBox 9">
             <a:extLst>
               <a:ext uri="{FF2B5EF4-FFF2-40B4-BE49-F238E27FC236}">
-                <a16:creationId xmlns:a16="http://schemas.microsoft.com/office/drawing/2014/main" id="{9BA1A5E1-4F83-4597-B6E4-2686A4E8F143}"/>
+                <a16:creationId xmlns:a16="http://schemas.microsoft.com/office/drawing/2014/main" xmlns="" id="{9BA1A5E1-4F83-4597-B6E4-2686A4E8F143}"/>
               </a:ext>
             </a:extLst>
           </p:cNvPr>
@@ -28136,7 +29506,7 @@
         </p:nvSpPr>
         <p:spPr>
           <a:xfrm>
-            <a:off x="3108037" y="5075585"/>
+            <a:off x="2986851" y="4639142"/>
             <a:ext cx="7586849" cy="707886"/>
           </a:xfrm>
           <a:prstGeom prst="rect">
@@ -28270,7 +29640,7 @@
           <p:cNvPr id="35" name="TextBox 15">
             <a:extLst>
               <a:ext uri="{FF2B5EF4-FFF2-40B4-BE49-F238E27FC236}">
-                <a16:creationId xmlns:a16="http://schemas.microsoft.com/office/drawing/2014/main" id="{FA563111-B830-4678-8F3E-6B87DF37F6AF}"/>
+                <a16:creationId xmlns:a16="http://schemas.microsoft.com/office/drawing/2014/main" xmlns="" id="{FA563111-B830-4678-8F3E-6B87DF37F6AF}"/>
               </a:ext>
             </a:extLst>
           </p:cNvPr>
@@ -28279,7 +29649,7 @@
         </p:nvSpPr>
         <p:spPr>
           <a:xfrm>
-            <a:off x="3108038" y="3899475"/>
+            <a:off x="2986852" y="3463032"/>
             <a:ext cx="6970415" cy="707886"/>
           </a:xfrm>
           <a:prstGeom prst="rect">
@@ -28527,7 +29897,7 @@
           <p:cNvPr id="40" name="TextBox 9">
             <a:extLst>
               <a:ext uri="{FF2B5EF4-FFF2-40B4-BE49-F238E27FC236}">
-                <a16:creationId xmlns:a16="http://schemas.microsoft.com/office/drawing/2014/main" id="{9BA1A5E1-4F83-4597-B6E4-2686A4E8F143}"/>
+                <a16:creationId xmlns:a16="http://schemas.microsoft.com/office/drawing/2014/main" xmlns="" id="{9BA1A5E1-4F83-4597-B6E4-2686A4E8F143}"/>
               </a:ext>
             </a:extLst>
           </p:cNvPr>
@@ -28536,7 +29906,7 @@
         </p:nvSpPr>
         <p:spPr>
           <a:xfrm>
-            <a:off x="3108037" y="3051252"/>
+            <a:off x="2986851" y="2614809"/>
             <a:ext cx="5099146" cy="400110"/>
           </a:xfrm>
           <a:prstGeom prst="rect">
@@ -28694,7 +30064,7 @@
           <p:cNvPr id="42" name="Rectangle 41">
             <a:extLst>
               <a:ext uri="{FF2B5EF4-FFF2-40B4-BE49-F238E27FC236}">
-                <a16:creationId xmlns:a16="http://schemas.microsoft.com/office/drawing/2014/main" id="{14D2D8FE-0FE0-4478-ACF8-0943BAA7EB88}"/>
+                <a16:creationId xmlns:a16="http://schemas.microsoft.com/office/drawing/2014/main" xmlns="" id="{14D2D8FE-0FE0-4478-ACF8-0943BAA7EB88}"/>
               </a:ext>
             </a:extLst>
           </p:cNvPr>
@@ -28703,7 +30073,7 @@
         </p:nvSpPr>
         <p:spPr>
           <a:xfrm>
-            <a:off x="1755372" y="5263914"/>
+            <a:off x="1634186" y="4827471"/>
             <a:ext cx="642646" cy="205764"/>
           </a:xfrm>
           <a:prstGeom prst="rect">
@@ -28845,7 +30215,7 @@
           <p:cNvPr id="43" name="Rectangle 42">
             <a:extLst>
               <a:ext uri="{FF2B5EF4-FFF2-40B4-BE49-F238E27FC236}">
-                <a16:creationId xmlns:a16="http://schemas.microsoft.com/office/drawing/2014/main" id="{14D2D8FE-0FE0-4478-ACF8-0943BAA7EB88}"/>
+                <a16:creationId xmlns:a16="http://schemas.microsoft.com/office/drawing/2014/main" xmlns="" id="{14D2D8FE-0FE0-4478-ACF8-0943BAA7EB88}"/>
               </a:ext>
             </a:extLst>
           </p:cNvPr>
@@ -28854,7 +30224,7 @@
         </p:nvSpPr>
         <p:spPr>
           <a:xfrm>
-            <a:off x="1755372" y="3157605"/>
+            <a:off x="1634186" y="2721162"/>
             <a:ext cx="642646" cy="205764"/>
           </a:xfrm>
           <a:prstGeom prst="rect">
@@ -28999,7 +30369,7 @@
           <p:cNvPr id="44" name="Rectangle 43">
             <a:extLst>
               <a:ext uri="{FF2B5EF4-FFF2-40B4-BE49-F238E27FC236}">
-                <a16:creationId xmlns:a16="http://schemas.microsoft.com/office/drawing/2014/main" id="{14D2D8FE-0FE0-4478-ACF8-0943BAA7EB88}"/>
+                <a16:creationId xmlns:a16="http://schemas.microsoft.com/office/drawing/2014/main" xmlns="" id="{14D2D8FE-0FE0-4478-ACF8-0943BAA7EB88}"/>
               </a:ext>
             </a:extLst>
           </p:cNvPr>
@@ -29008,7 +30378,7 @@
         </p:nvSpPr>
         <p:spPr>
           <a:xfrm>
-            <a:off x="1755372" y="4150536"/>
+            <a:off x="1634186" y="3714093"/>
             <a:ext cx="642646" cy="205764"/>
           </a:xfrm>
           <a:prstGeom prst="rect">
@@ -29153,7 +30523,7 @@
           <p:cNvPr id="45" name="TextBox 15">
             <a:extLst>
               <a:ext uri="{FF2B5EF4-FFF2-40B4-BE49-F238E27FC236}">
-                <a16:creationId xmlns:a16="http://schemas.microsoft.com/office/drawing/2014/main" id="{FA563111-B830-4678-8F3E-6B87DF37F6AF}"/>
+                <a16:creationId xmlns:a16="http://schemas.microsoft.com/office/drawing/2014/main" xmlns="" id="{FA563111-B830-4678-8F3E-6B87DF37F6AF}"/>
               </a:ext>
             </a:extLst>
           </p:cNvPr>
@@ -29162,7 +30532,7 @@
         </p:nvSpPr>
         <p:spPr>
           <a:xfrm>
-            <a:off x="3231742" y="2317786"/>
+            <a:off x="3110556" y="1881343"/>
             <a:ext cx="6970415" cy="400110"/>
           </a:xfrm>
           <a:prstGeom prst="rect">
@@ -29309,7 +30679,7 @@
           <p:cNvPr id="46" name="Rectangle 45">
             <a:extLst>
               <a:ext uri="{FF2B5EF4-FFF2-40B4-BE49-F238E27FC236}">
-                <a16:creationId xmlns:a16="http://schemas.microsoft.com/office/drawing/2014/main" id="{14D2D8FE-0FE0-4478-ACF8-0943BAA7EB88}"/>
+                <a16:creationId xmlns:a16="http://schemas.microsoft.com/office/drawing/2014/main" xmlns="" id="{14D2D8FE-0FE0-4478-ACF8-0943BAA7EB88}"/>
               </a:ext>
             </a:extLst>
           </p:cNvPr>
@@ -29318,7 +30688,7 @@
         </p:nvSpPr>
         <p:spPr>
           <a:xfrm>
-            <a:off x="1755372" y="2414959"/>
+            <a:off x="1634186" y="1978516"/>
             <a:ext cx="642646" cy="205764"/>
           </a:xfrm>
           <a:prstGeom prst="rect">
@@ -29514,7 +30884,7 @@
                                           </p:stCondLst>
                                         </p:cTn>
                                         <p:tgtEl>
-                                          <p:spTgt spid="42"/>
+                                          <p:spTgt spid="46"/>
                                         </p:tgtEl>
                                         <p:attrNameLst>
                                           <p:attrName>style.visibility</p:attrName>
@@ -29528,7 +30898,7 @@
                                       <p:cBhvr>
                                         <p:cTn id="7" dur="500"/>
                                         <p:tgtEl>
-                                          <p:spTgt spid="42"/>
+                                          <p:spTgt spid="46"/>
                                         </p:tgtEl>
                                       </p:cBhvr>
                                     </p:animEffect>
@@ -29549,7 +30919,7 @@
                                           </p:stCondLst>
                                         </p:cTn>
                                         <p:tgtEl>
-                                          <p:spTgt spid="39"/>
+                                          <p:spTgt spid="45"/>
                                         </p:tgtEl>
                                         <p:attrNameLst>
                                           <p:attrName>style.visibility</p:attrName>
@@ -29563,7 +30933,7 @@
                                       <p:cBhvr>
                                         <p:cTn id="10" dur="500"/>
                                         <p:tgtEl>
-                                          <p:spTgt spid="39"/>
+                                          <p:spTgt spid="45"/>
                                         </p:tgtEl>
                                       </p:cBhvr>
                                     </p:animEffect>
@@ -29778,7 +31148,7 @@
                                           </p:stCondLst>
                                         </p:cTn>
                                         <p:tgtEl>
-                                          <p:spTgt spid="46"/>
+                                          <p:spTgt spid="42"/>
                                         </p:tgtEl>
                                         <p:attrNameLst>
                                           <p:attrName>style.visibility</p:attrName>
@@ -29792,7 +31162,7 @@
                                       <p:cBhvr>
                                         <p:cTn id="31" dur="500"/>
                                         <p:tgtEl>
-                                          <p:spTgt spid="46"/>
+                                          <p:spTgt spid="42"/>
                                         </p:tgtEl>
                                       </p:cBhvr>
                                     </p:animEffect>
@@ -29813,7 +31183,7 @@
                                           </p:stCondLst>
                                         </p:cTn>
                                         <p:tgtEl>
-                                          <p:spTgt spid="45"/>
+                                          <p:spTgt spid="39"/>
                                         </p:tgtEl>
                                         <p:attrNameLst>
                                           <p:attrName>style.visibility</p:attrName>
@@ -29827,7 +31197,7 @@
                                       <p:cBhvr>
                                         <p:cTn id="34" dur="500"/>
                                         <p:tgtEl>
-                                          <p:spTgt spid="45"/>
+                                          <p:spTgt spid="39"/>
                                         </p:tgtEl>
                                       </p:cBhvr>
                                     </p:animEffect>
@@ -29921,7 +31291,7 @@
           <p:cNvPr id="3" name="TextBox 3">
             <a:extLst>
               <a:ext uri="{FF2B5EF4-FFF2-40B4-BE49-F238E27FC236}">
-                <a16:creationId xmlns:a16="http://schemas.microsoft.com/office/drawing/2014/main" id="{15A4BDA0-C270-4764-9C18-A593BCE2C965}"/>
+                <a16:creationId xmlns:a16="http://schemas.microsoft.com/office/drawing/2014/main" xmlns="" id="{15A4BDA0-C270-4764-9C18-A593BCE2C965}"/>
               </a:ext>
             </a:extLst>
           </p:cNvPr>
@@ -29999,7 +31369,7 @@
           <p:cNvPr id="5" name="TextBox 3">
             <a:extLst>
               <a:ext uri="{FF2B5EF4-FFF2-40B4-BE49-F238E27FC236}">
-                <a16:creationId xmlns:a16="http://schemas.microsoft.com/office/drawing/2014/main" id="{15A4BDA0-C270-4764-9C18-A593BCE2C965}"/>
+                <a16:creationId xmlns:a16="http://schemas.microsoft.com/office/drawing/2014/main" xmlns="" id="{15A4BDA0-C270-4764-9C18-A593BCE2C965}"/>
               </a:ext>
             </a:extLst>
           </p:cNvPr>
@@ -30572,7 +31942,7 @@
           <p:cNvPr id="50" name="TextBox 3">
             <a:extLst>
               <a:ext uri="{FF2B5EF4-FFF2-40B4-BE49-F238E27FC236}">
-                <a16:creationId xmlns:a16="http://schemas.microsoft.com/office/drawing/2014/main" id="{1DF8EF26-7AD5-4E7F-95B3-9A57CF80C483}"/>
+                <a16:creationId xmlns:a16="http://schemas.microsoft.com/office/drawing/2014/main" xmlns="" id="{1DF8EF26-7AD5-4E7F-95B3-9A57CF80C483}"/>
               </a:ext>
             </a:extLst>
           </p:cNvPr>
@@ -30601,35 +31971,7 @@
                 <a:latin typeface="Candara" panose="020E0502030303020204" pitchFamily="34" charset="0"/>
                 <a:cs typeface="Arial" pitchFamily="34" charset="0"/>
               </a:rPr>
-              <a:t>Merci pour </a:t>
-            </a:r>
-            <a:r>
-              <a:rPr lang="en-US" altLang="ko-KR" sz="6000" dirty="0" smtClean="0">
-                <a:latin typeface="Candara" panose="020E0502030303020204" pitchFamily="34" charset="0"/>
-                <a:cs typeface="Arial" pitchFamily="34" charset="0"/>
-              </a:rPr>
-              <a:t>votre</a:t>
-            </a:r>
-            <a:r>
-              <a:rPr lang="en-US" altLang="ko-KR" sz="6000" dirty="0" smtClean="0">
-                <a:latin typeface="Candara" panose="020E0502030303020204" pitchFamily="34" charset="0"/>
-                <a:cs typeface="Arial" pitchFamily="34" charset="0"/>
-              </a:rPr>
-              <a:t> </a:t>
-            </a:r>
-            <a:r>
-              <a:rPr lang="en-US" altLang="ko-KR" sz="6000" dirty="0" smtClean="0">
-                <a:latin typeface="Candara" panose="020E0502030303020204" pitchFamily="34" charset="0"/>
-                <a:cs typeface="Arial" pitchFamily="34" charset="0"/>
-              </a:rPr>
-              <a:t>émmable</a:t>
-            </a:r>
-            <a:r>
-              <a:rPr lang="en-US" altLang="ko-KR" sz="6000" dirty="0" smtClean="0">
-                <a:latin typeface="Candara" panose="020E0502030303020204" pitchFamily="34" charset="0"/>
-                <a:cs typeface="Arial" pitchFamily="34" charset="0"/>
-              </a:rPr>
-              <a:t> attention</a:t>
+              <a:t>Merci pour votre émmable attention</a:t>
             </a:r>
             <a:endParaRPr lang="ko-KR" altLang="en-US" sz="6000" dirty="0">
               <a:latin typeface="Candara" panose="020E0502030303020204" pitchFamily="34" charset="0"/>
@@ -30780,7 +32122,7 @@
         </p:blipFill>
         <p:spPr>
           <a:xfrm>
-            <a:off x="1190445" y="269222"/>
+            <a:off x="1190445" y="270235"/>
             <a:ext cx="10602970" cy="3985630"/>
           </a:xfrm>
           <a:prstGeom prst="rect">
@@ -31244,7 +32586,7 @@
           <p:cNvPr id="4" name="TextBox 3">
             <a:extLst>
               <a:ext uri="{FF2B5EF4-FFF2-40B4-BE49-F238E27FC236}">
-                <a16:creationId xmlns:a16="http://schemas.microsoft.com/office/drawing/2014/main" id="{15A4BDA0-C270-4764-9C18-A593BCE2C965}"/>
+                <a16:creationId xmlns:a16="http://schemas.microsoft.com/office/drawing/2014/main" xmlns="" id="{15A4BDA0-C270-4764-9C18-A593BCE2C965}"/>
               </a:ext>
             </a:extLst>
           </p:cNvPr>
@@ -31298,7 +32640,7 @@
           <p:cNvPr id="6" name="TextBox 5">
             <a:extLst>
               <a:ext uri="{FF2B5EF4-FFF2-40B4-BE49-F238E27FC236}">
-                <a16:creationId xmlns:a16="http://schemas.microsoft.com/office/drawing/2014/main" id="{3244FF3C-3C21-45F4-A24E-520682D6B409}"/>
+                <a16:creationId xmlns:a16="http://schemas.microsoft.com/office/drawing/2014/main" xmlns="" id="{3244FF3C-3C21-45F4-A24E-520682D6B409}"/>
               </a:ext>
             </a:extLst>
           </p:cNvPr>
@@ -31346,7 +32688,7 @@
           <p:cNvPr id="9" name="TextBox 8">
             <a:extLst>
               <a:ext uri="{FF2B5EF4-FFF2-40B4-BE49-F238E27FC236}">
-                <a16:creationId xmlns:a16="http://schemas.microsoft.com/office/drawing/2014/main" id="{AC53B904-CB74-4663-9900-63BB6CC8384D}"/>
+                <a16:creationId xmlns:a16="http://schemas.microsoft.com/office/drawing/2014/main" xmlns="" id="{AC53B904-CB74-4663-9900-63BB6CC8384D}"/>
               </a:ext>
             </a:extLst>
           </p:cNvPr>
@@ -31377,17 +32719,7 @@
                 <a:latin typeface="Candara" panose="020E0502030303020204" pitchFamily="34" charset="0"/>
                 <a:cs typeface="Arial" pitchFamily="34" charset="0"/>
               </a:rPr>
-              <a:t>Les outils </a:t>
-            </a:r>
-            <a:r>
-              <a:rPr lang="fr-FR" altLang="ko-KR" b="1" dirty="0" smtClean="0">
-                <a:solidFill>
-                  <a:schemeClr val="accent3"/>
-                </a:solidFill>
-                <a:latin typeface="Candara" panose="020E0502030303020204" pitchFamily="34" charset="0"/>
-                <a:cs typeface="Arial" pitchFamily="34" charset="0"/>
-              </a:rPr>
-              <a:t>nécessaires</a:t>
+              <a:t>Les outils nécessaires</a:t>
             </a:r>
             <a:endParaRPr lang="ko-KR" altLang="en-US" b="1" dirty="0">
               <a:solidFill>
@@ -31404,7 +32736,7 @@
           <p:cNvPr id="10" name="TextBox 9">
             <a:extLst>
               <a:ext uri="{FF2B5EF4-FFF2-40B4-BE49-F238E27FC236}">
-                <a16:creationId xmlns:a16="http://schemas.microsoft.com/office/drawing/2014/main" id="{40189558-D3E9-45E5-8373-2A6E17C0C54B}"/>
+                <a16:creationId xmlns:a16="http://schemas.microsoft.com/office/drawing/2014/main" xmlns="" id="{40189558-D3E9-45E5-8373-2A6E17C0C54B}"/>
               </a:ext>
             </a:extLst>
           </p:cNvPr>
@@ -31453,7 +32785,7 @@
           <p:cNvPr id="12" name="TextBox 11">
             <a:extLst>
               <a:ext uri="{FF2B5EF4-FFF2-40B4-BE49-F238E27FC236}">
-                <a16:creationId xmlns:a16="http://schemas.microsoft.com/office/drawing/2014/main" id="{818E633C-C5FB-4D08-A4DB-8F3E9577A72E}"/>
+                <a16:creationId xmlns:a16="http://schemas.microsoft.com/office/drawing/2014/main" xmlns="" id="{818E633C-C5FB-4D08-A4DB-8F3E9577A72E}"/>
               </a:ext>
             </a:extLst>
           </p:cNvPr>
@@ -31494,7 +32826,17 @@
                 <a:latin typeface="Candara" panose="020E0502030303020204" pitchFamily="34" charset="0"/>
                 <a:cs typeface="Arial" pitchFamily="34" charset="0"/>
               </a:rPr>
-              <a:t>reation</a:t>
+              <a:t>reation, structure, </a:t>
+            </a:r>
+            <a:r>
+              <a:rPr lang="en-US" altLang="ko-KR" b="1" dirty="0" smtClean="0">
+                <a:solidFill>
+                  <a:schemeClr val="accent1"/>
+                </a:solidFill>
+                <a:latin typeface="Candara" panose="020E0502030303020204" pitchFamily="34" charset="0"/>
+                <a:cs typeface="Arial" pitchFamily="34" charset="0"/>
+              </a:rPr>
+              <a:t>compilation et lancement </a:t>
             </a:r>
             <a:r>
               <a:rPr lang="en-US" altLang="ko-KR" sz="2000" b="1" dirty="0" smtClean="0">
@@ -31504,67 +32846,7 @@
                 <a:latin typeface="Candara" panose="020E0502030303020204" pitchFamily="34" charset="0"/>
                 <a:cs typeface="Arial" pitchFamily="34" charset="0"/>
               </a:rPr>
-              <a:t>, </a:t>
-            </a:r>
-            <a:r>
-              <a:rPr lang="en-US" altLang="ko-KR" sz="2000" b="1" dirty="0" smtClean="0">
-                <a:solidFill>
-                  <a:schemeClr val="accent1"/>
-                </a:solidFill>
-                <a:latin typeface="Candara" panose="020E0502030303020204" pitchFamily="34" charset="0"/>
-                <a:cs typeface="Arial" pitchFamily="34" charset="0"/>
-              </a:rPr>
-              <a:t>structure, </a:t>
-            </a:r>
-            <a:r>
-              <a:rPr lang="en-US" altLang="ko-KR" b="1" dirty="0" smtClean="0">
-                <a:solidFill>
-                  <a:schemeClr val="accent1"/>
-                </a:solidFill>
-                <a:latin typeface="Candara" panose="020E0502030303020204" pitchFamily="34" charset="0"/>
-                <a:cs typeface="Arial" pitchFamily="34" charset="0"/>
-              </a:rPr>
-              <a:t>compilation et </a:t>
-            </a:r>
-            <a:r>
-              <a:rPr lang="en-US" altLang="ko-KR" b="1" dirty="0" smtClean="0">
-                <a:solidFill>
-                  <a:schemeClr val="accent1"/>
-                </a:solidFill>
-                <a:latin typeface="Candara" panose="020E0502030303020204" pitchFamily="34" charset="0"/>
-                <a:cs typeface="Arial" pitchFamily="34" charset="0"/>
-              </a:rPr>
-              <a:t>lancement</a:t>
-            </a:r>
-            <a:r>
-              <a:rPr lang="en-US" altLang="ko-KR" b="1" dirty="0" smtClean="0">
-                <a:solidFill>
-                  <a:schemeClr val="accent1"/>
-                </a:solidFill>
-                <a:latin typeface="Candara" panose="020E0502030303020204" pitchFamily="34" charset="0"/>
-                <a:cs typeface="Arial" pitchFamily="34" charset="0"/>
-              </a:rPr>
-              <a:t> </a:t>
-            </a:r>
-            <a:r>
-              <a:rPr lang="en-US" altLang="ko-KR" sz="2000" b="1" dirty="0" smtClean="0">
-                <a:solidFill>
-                  <a:schemeClr val="accent1"/>
-                </a:solidFill>
-                <a:latin typeface="Candara" panose="020E0502030303020204" pitchFamily="34" charset="0"/>
-                <a:cs typeface="Arial" pitchFamily="34" charset="0"/>
-              </a:rPr>
-              <a:t> </a:t>
-            </a:r>
-            <a:r>
-              <a:rPr lang="en-US" altLang="ko-KR" sz="2000" b="1" dirty="0" smtClean="0">
-                <a:solidFill>
-                  <a:schemeClr val="accent1"/>
-                </a:solidFill>
-                <a:latin typeface="Candara" panose="020E0502030303020204" pitchFamily="34" charset="0"/>
-                <a:cs typeface="Arial" pitchFamily="34" charset="0"/>
-              </a:rPr>
-              <a:t>d’un project</a:t>
+              <a:t> d’un project</a:t>
             </a:r>
             <a:endParaRPr lang="ko-KR" altLang="en-US" sz="2000" b="1" dirty="0">
               <a:solidFill>
@@ -31581,7 +32863,7 @@
           <p:cNvPr id="13" name="TextBox 12">
             <a:extLst>
               <a:ext uri="{FF2B5EF4-FFF2-40B4-BE49-F238E27FC236}">
-                <a16:creationId xmlns:a16="http://schemas.microsoft.com/office/drawing/2014/main" id="{6115B1EE-FC1C-460C-8ED3-983AEC8275F2}"/>
+                <a16:creationId xmlns:a16="http://schemas.microsoft.com/office/drawing/2014/main" xmlns="" id="{6115B1EE-FC1C-460C-8ED3-983AEC8275F2}"/>
               </a:ext>
             </a:extLst>
           </p:cNvPr>
@@ -31630,7 +32912,7 @@
           <p:cNvPr id="15" name="TextBox 14">
             <a:extLst>
               <a:ext uri="{FF2B5EF4-FFF2-40B4-BE49-F238E27FC236}">
-                <a16:creationId xmlns:a16="http://schemas.microsoft.com/office/drawing/2014/main" id="{828E1A24-BAD6-4EDF-ABEB-029F5E5FD934}"/>
+                <a16:creationId xmlns:a16="http://schemas.microsoft.com/office/drawing/2014/main" xmlns="" id="{828E1A24-BAD6-4EDF-ABEB-029F5E5FD934}"/>
               </a:ext>
             </a:extLst>
           </p:cNvPr>
@@ -31640,7 +32922,7 @@
         <p:spPr>
           <a:xfrm>
             <a:off x="1457667" y="3387160"/>
-            <a:ext cx="5292577" cy="646331"/>
+            <a:ext cx="5292577" cy="615553"/>
           </a:xfrm>
           <a:prstGeom prst="rect">
             <a:avLst/>
@@ -31661,27 +32943,7 @@
                 <a:latin typeface="Candara" panose="020E0502030303020204" pitchFamily="34" charset="0"/>
                 <a:cs typeface="Arial" pitchFamily="34" charset="0"/>
               </a:rPr>
-              <a:t>Structure </a:t>
-            </a:r>
-            <a:r>
-              <a:rPr lang="en-US" altLang="ko-KR" b="1" dirty="0" smtClean="0">
-                <a:solidFill>
-                  <a:schemeClr val="accent4"/>
-                </a:solidFill>
-                <a:latin typeface="Candara" panose="020E0502030303020204" pitchFamily="34" charset="0"/>
-                <a:cs typeface="Arial" pitchFamily="34" charset="0"/>
-              </a:rPr>
-              <a:t>fonctionnelle</a:t>
-            </a:r>
-            <a:r>
-              <a:rPr lang="en-US" altLang="ko-KR" b="1" dirty="0" smtClean="0">
-                <a:solidFill>
-                  <a:schemeClr val="accent4"/>
-                </a:solidFill>
-                <a:latin typeface="Candara" panose="020E0502030303020204" pitchFamily="34" charset="0"/>
-                <a:cs typeface="Arial" pitchFamily="34" charset="0"/>
-              </a:rPr>
-              <a:t>, </a:t>
+              <a:t>Structure fonctionnelle, </a:t>
             </a:r>
             <a:r>
               <a:rPr lang="fr-FR" b="1" dirty="0" smtClean="0">
@@ -31689,9 +32951,17 @@
                   <a:schemeClr val="accent4"/>
                 </a:solidFill>
               </a:rPr>
-              <a:t>architecture et les dépendances de projet</a:t>
+              <a:t>architecture et les </a:t>
             </a:r>
-            <a:endParaRPr lang="ko-KR" altLang="en-US" b="1" dirty="0">
+            <a:r>
+              <a:rPr lang="fr-FR" sz="1600" b="1" dirty="0" smtClean="0">
+                <a:solidFill>
+                  <a:schemeClr val="accent4"/>
+                </a:solidFill>
+              </a:rPr>
+              <a:t>dépendances de projet</a:t>
+            </a:r>
+            <a:endParaRPr lang="ko-KR" altLang="en-US" sz="1600" b="1" dirty="0">
               <a:solidFill>
                 <a:schemeClr val="accent4"/>
               </a:solidFill>
@@ -31706,7 +32976,7 @@
           <p:cNvPr id="16" name="TextBox 15">
             <a:extLst>
               <a:ext uri="{FF2B5EF4-FFF2-40B4-BE49-F238E27FC236}">
-                <a16:creationId xmlns:a16="http://schemas.microsoft.com/office/drawing/2014/main" id="{F7DC8A90-E6E2-412C-A109-930F530FDFAE}"/>
+                <a16:creationId xmlns:a16="http://schemas.microsoft.com/office/drawing/2014/main" xmlns="" id="{F7DC8A90-E6E2-412C-A109-930F530FDFAE}"/>
               </a:ext>
             </a:extLst>
           </p:cNvPr>
@@ -31779,7 +33049,7 @@
           <p:cNvPr id="19" name="TextBox 5">
             <a:extLst>
               <a:ext uri="{FF2B5EF4-FFF2-40B4-BE49-F238E27FC236}">
-                <a16:creationId xmlns:a16="http://schemas.microsoft.com/office/drawing/2014/main" id="{3244FF3C-3C21-45F4-A24E-520682D6B409}"/>
+                <a16:creationId xmlns:a16="http://schemas.microsoft.com/office/drawing/2014/main" xmlns="" id="{3244FF3C-3C21-45F4-A24E-520682D6B409}"/>
               </a:ext>
             </a:extLst>
           </p:cNvPr>
@@ -31810,17 +33080,7 @@
                 <a:latin typeface="Candara" panose="020E0502030303020204" pitchFamily="34" charset="0"/>
                 <a:cs typeface="Arial" pitchFamily="34" charset="0"/>
               </a:rPr>
-              <a:t>Avantage</a:t>
-            </a:r>
-            <a:r>
-              <a:rPr lang="en-US" altLang="ko-KR" b="1" dirty="0" smtClean="0">
-                <a:solidFill>
-                  <a:schemeClr val="accent2"/>
-                </a:solidFill>
-                <a:latin typeface="Candara" panose="020E0502030303020204" pitchFamily="34" charset="0"/>
-                <a:cs typeface="Arial" pitchFamily="34" charset="0"/>
-              </a:rPr>
-              <a:t> </a:t>
+              <a:t>Avantage </a:t>
             </a:r>
             <a:endParaRPr lang="ko-KR" altLang="en-US" b="1" dirty="0">
               <a:solidFill>
@@ -31837,7 +33097,7 @@
           <p:cNvPr id="20" name="TextBox 6">
             <a:extLst>
               <a:ext uri="{FF2B5EF4-FFF2-40B4-BE49-F238E27FC236}">
-                <a16:creationId xmlns:a16="http://schemas.microsoft.com/office/drawing/2014/main" id="{CD4C4ACE-3F27-4618-8225-64966A7DFEEF}"/>
+                <a16:creationId xmlns:a16="http://schemas.microsoft.com/office/drawing/2014/main" xmlns="" id="{CD4C4ACE-3F27-4618-8225-64966A7DFEEF}"/>
               </a:ext>
             </a:extLst>
           </p:cNvPr>
@@ -31886,7 +33146,7 @@
           <p:cNvPr id="21" name="TextBox 8">
             <a:extLst>
               <a:ext uri="{FF2B5EF4-FFF2-40B4-BE49-F238E27FC236}">
-                <a16:creationId xmlns:a16="http://schemas.microsoft.com/office/drawing/2014/main" id="{AC53B904-CB74-4663-9900-63BB6CC8384D}"/>
+                <a16:creationId xmlns:a16="http://schemas.microsoft.com/office/drawing/2014/main" xmlns="" id="{AC53B904-CB74-4663-9900-63BB6CC8384D}"/>
               </a:ext>
             </a:extLst>
           </p:cNvPr>
@@ -31934,7 +33194,7 @@
           <p:cNvPr id="17" name="TextBox 5">
             <a:extLst>
               <a:ext uri="{FF2B5EF4-FFF2-40B4-BE49-F238E27FC236}">
-                <a16:creationId xmlns:a16="http://schemas.microsoft.com/office/drawing/2014/main" id="{3244FF3C-3C21-45F4-A24E-520682D6B409}"/>
+                <a16:creationId xmlns:a16="http://schemas.microsoft.com/office/drawing/2014/main" xmlns="" id="{3244FF3C-3C21-45F4-A24E-520682D6B409}"/>
               </a:ext>
             </a:extLst>
           </p:cNvPr>
@@ -31982,7 +33242,7 @@
           <p:cNvPr id="18" name="TextBox 6">
             <a:extLst>
               <a:ext uri="{FF2B5EF4-FFF2-40B4-BE49-F238E27FC236}">
-                <a16:creationId xmlns:a16="http://schemas.microsoft.com/office/drawing/2014/main" id="{CD4C4ACE-3F27-4618-8225-64966A7DFEEF}"/>
+                <a16:creationId xmlns:a16="http://schemas.microsoft.com/office/drawing/2014/main" xmlns="" id="{CD4C4ACE-3F27-4618-8225-64966A7DFEEF}"/>
               </a:ext>
             </a:extLst>
           </p:cNvPr>
@@ -33517,7 +34777,7 @@
                                           </p:stCondLst>
                                         </p:cTn>
                                         <p:tgtEl>
-                                          <p:spTgt spid="12"/>
+                                          <p:spTgt spid="16"/>
                                         </p:tgtEl>
                                         <p:attrNameLst>
                                           <p:attrName>style.visibility</p:attrName>
@@ -33535,7 +34795,7 @@
                                           </p:stCondLst>
                                         </p:cTn>
                                         <p:tgtEl>
-                                          <p:spTgt spid="12"/>
+                                          <p:spTgt spid="16"/>
                                         </p:tgtEl>
                                       </p:cBhvr>
                                     </p:animEffect>
@@ -33547,7 +34807,7 @@
                                           </p:stCondLst>
                                         </p:cTn>
                                         <p:tgtEl>
-                                          <p:spTgt spid="12"/>
+                                          <p:spTgt spid="16"/>
                                         </p:tgtEl>
                                         <p:attrNameLst>
                                           <p:attrName>ppt_x</p:attrName>
@@ -33574,7 +34834,7 @@
                                           </p:stCondLst>
                                         </p:cTn>
                                         <p:tgtEl>
-                                          <p:spTgt spid="12"/>
+                                          <p:spTgt spid="16"/>
                                         </p:tgtEl>
                                         <p:attrNameLst>
                                           <p:attrName>ppt_y</p:attrName>
@@ -33601,7 +34861,7 @@
                                           </p:stCondLst>
                                         </p:cTn>
                                         <p:tgtEl>
-                                          <p:spTgt spid="12"/>
+                                          <p:spTgt spid="16"/>
                                         </p:tgtEl>
                                         <p:attrNameLst>
                                           <p:attrName>ppt_y</p:attrName>
@@ -33628,7 +34888,7 @@
                                           </p:stCondLst>
                                         </p:cTn>
                                         <p:tgtEl>
-                                          <p:spTgt spid="12"/>
+                                          <p:spTgt spid="16"/>
                                         </p:tgtEl>
                                         <p:attrNameLst>
                                           <p:attrName>ppt_y</p:attrName>
@@ -33655,7 +34915,7 @@
                                           </p:stCondLst>
                                         </p:cTn>
                                         <p:tgtEl>
-                                          <p:spTgt spid="12"/>
+                                          <p:spTgt spid="16"/>
                                         </p:tgtEl>
                                         <p:attrNameLst>
                                           <p:attrName>ppt_y</p:attrName>
@@ -33682,7 +34942,7 @@
                                           </p:stCondLst>
                                         </p:cTn>
                                         <p:tgtEl>
-                                          <p:spTgt spid="12"/>
+                                          <p:spTgt spid="16"/>
                                         </p:tgtEl>
                                       </p:cBhvr>
                                       <p:to x="100000" y="60000"/>
@@ -33695,7 +34955,7 @@
                                           </p:stCondLst>
                                         </p:cTn>
                                         <p:tgtEl>
-                                          <p:spTgt spid="12"/>
+                                          <p:spTgt spid="16"/>
                                         </p:tgtEl>
                                       </p:cBhvr>
                                       <p:to x="100000" y="100000"/>
@@ -33708,7 +34968,7 @@
                                           </p:stCondLst>
                                         </p:cTn>
                                         <p:tgtEl>
-                                          <p:spTgt spid="12"/>
+                                          <p:spTgt spid="16"/>
                                         </p:tgtEl>
                                       </p:cBhvr>
                                       <p:to x="100000" y="80000"/>
@@ -33721,7 +34981,7 @@
                                           </p:stCondLst>
                                         </p:cTn>
                                         <p:tgtEl>
-                                          <p:spTgt spid="12"/>
+                                          <p:spTgt spid="16"/>
                                         </p:tgtEl>
                                       </p:cBhvr>
                                       <p:to x="100000" y="100000"/>
@@ -33734,7 +34994,7 @@
                                           </p:stCondLst>
                                         </p:cTn>
                                         <p:tgtEl>
-                                          <p:spTgt spid="12"/>
+                                          <p:spTgt spid="16"/>
                                         </p:tgtEl>
                                       </p:cBhvr>
                                       <p:to x="100000" y="90000"/>
@@ -33747,7 +35007,7 @@
                                           </p:stCondLst>
                                         </p:cTn>
                                         <p:tgtEl>
-                                          <p:spTgt spid="12"/>
+                                          <p:spTgt spid="16"/>
                                         </p:tgtEl>
                                       </p:cBhvr>
                                       <p:to x="100000" y="100000"/>
@@ -33760,7 +35020,7 @@
                                           </p:stCondLst>
                                         </p:cTn>
                                         <p:tgtEl>
-                                          <p:spTgt spid="12"/>
+                                          <p:spTgt spid="16"/>
                                         </p:tgtEl>
                                       </p:cBhvr>
                                       <p:to x="100000" y="95000"/>
@@ -33773,7 +35033,7 @@
                                           </p:stCondLst>
                                         </p:cTn>
                                         <p:tgtEl>
-                                          <p:spTgt spid="12"/>
+                                          <p:spTgt spid="16"/>
                                         </p:tgtEl>
                                       </p:cBhvr>
                                       <p:to x="100000" y="100000"/>
@@ -33795,7 +35055,7 @@
                                           </p:stCondLst>
                                         </p:cTn>
                                         <p:tgtEl>
-                                          <p:spTgt spid="13"/>
+                                          <p:spTgt spid="15"/>
                                         </p:tgtEl>
                                         <p:attrNameLst>
                                           <p:attrName>style.visibility</p:attrName>
@@ -33813,7 +35073,7 @@
                                           </p:stCondLst>
                                         </p:cTn>
                                         <p:tgtEl>
-                                          <p:spTgt spid="13"/>
+                                          <p:spTgt spid="15"/>
                                         </p:tgtEl>
                                       </p:cBhvr>
                                     </p:animEffect>
@@ -33825,7 +35085,7 @@
                                           </p:stCondLst>
                                         </p:cTn>
                                         <p:tgtEl>
-                                          <p:spTgt spid="13"/>
+                                          <p:spTgt spid="15"/>
                                         </p:tgtEl>
                                         <p:attrNameLst>
                                           <p:attrName>ppt_x</p:attrName>
@@ -33852,7 +35112,7 @@
                                           </p:stCondLst>
                                         </p:cTn>
                                         <p:tgtEl>
-                                          <p:spTgt spid="13"/>
+                                          <p:spTgt spid="15"/>
                                         </p:tgtEl>
                                         <p:attrNameLst>
                                           <p:attrName>ppt_y</p:attrName>
@@ -33879,7 +35139,7 @@
                                           </p:stCondLst>
                                         </p:cTn>
                                         <p:tgtEl>
-                                          <p:spTgt spid="13"/>
+                                          <p:spTgt spid="15"/>
                                         </p:tgtEl>
                                         <p:attrNameLst>
                                           <p:attrName>ppt_y</p:attrName>
@@ -33906,7 +35166,7 @@
                                           </p:stCondLst>
                                         </p:cTn>
                                         <p:tgtEl>
-                                          <p:spTgt spid="13"/>
+                                          <p:spTgt spid="15"/>
                                         </p:tgtEl>
                                         <p:attrNameLst>
                                           <p:attrName>ppt_y</p:attrName>
@@ -33933,7 +35193,7 @@
                                           </p:stCondLst>
                                         </p:cTn>
                                         <p:tgtEl>
-                                          <p:spTgt spid="13"/>
+                                          <p:spTgt spid="15"/>
                                         </p:tgtEl>
                                         <p:attrNameLst>
                                           <p:attrName>ppt_y</p:attrName>
@@ -33960,7 +35220,7 @@
                                           </p:stCondLst>
                                         </p:cTn>
                                         <p:tgtEl>
-                                          <p:spTgt spid="13"/>
+                                          <p:spTgt spid="15"/>
                                         </p:tgtEl>
                                       </p:cBhvr>
                                       <p:to x="100000" y="60000"/>
@@ -33973,7 +35233,7 @@
                                           </p:stCondLst>
                                         </p:cTn>
                                         <p:tgtEl>
-                                          <p:spTgt spid="13"/>
+                                          <p:spTgt spid="15"/>
                                         </p:tgtEl>
                                       </p:cBhvr>
                                       <p:to x="100000" y="100000"/>
@@ -33986,7 +35246,7 @@
                                           </p:stCondLst>
                                         </p:cTn>
                                         <p:tgtEl>
-                                          <p:spTgt spid="13"/>
+                                          <p:spTgt spid="15"/>
                                         </p:tgtEl>
                                       </p:cBhvr>
                                       <p:to x="100000" y="80000"/>
@@ -33999,7 +35259,7 @@
                                           </p:stCondLst>
                                         </p:cTn>
                                         <p:tgtEl>
-                                          <p:spTgt spid="13"/>
+                                          <p:spTgt spid="15"/>
                                         </p:tgtEl>
                                       </p:cBhvr>
                                       <p:to x="100000" y="100000"/>
@@ -34012,7 +35272,7 @@
                                           </p:stCondLst>
                                         </p:cTn>
                                         <p:tgtEl>
-                                          <p:spTgt spid="13"/>
+                                          <p:spTgt spid="15"/>
                                         </p:tgtEl>
                                       </p:cBhvr>
                                       <p:to x="100000" y="90000"/>
@@ -34025,7 +35285,7 @@
                                           </p:stCondLst>
                                         </p:cTn>
                                         <p:tgtEl>
-                                          <p:spTgt spid="13"/>
+                                          <p:spTgt spid="15"/>
                                         </p:tgtEl>
                                       </p:cBhvr>
                                       <p:to x="100000" y="100000"/>
@@ -34038,7 +35298,7 @@
                                           </p:stCondLst>
                                         </p:cTn>
                                         <p:tgtEl>
-                                          <p:spTgt spid="13"/>
+                                          <p:spTgt spid="15"/>
                                         </p:tgtEl>
                                       </p:cBhvr>
                                       <p:to x="100000" y="95000"/>
@@ -34051,7 +35311,7 @@
                                           </p:stCondLst>
                                         </p:cTn>
                                         <p:tgtEl>
-                                          <p:spTgt spid="13"/>
+                                          <p:spTgt spid="15"/>
                                         </p:tgtEl>
                                       </p:cBhvr>
                                       <p:to x="100000" y="100000"/>
@@ -34091,7 +35351,7 @@
                                           </p:stCondLst>
                                         </p:cTn>
                                         <p:tgtEl>
-                                          <p:spTgt spid="16"/>
+                                          <p:spTgt spid="13"/>
                                         </p:tgtEl>
                                         <p:attrNameLst>
                                           <p:attrName>style.visibility</p:attrName>
@@ -34109,7 +35369,7 @@
                                           </p:stCondLst>
                                         </p:cTn>
                                         <p:tgtEl>
-                                          <p:spTgt spid="16"/>
+                                          <p:spTgt spid="13"/>
                                         </p:tgtEl>
                                       </p:cBhvr>
                                     </p:animEffect>
@@ -34121,7 +35381,7 @@
                                           </p:stCondLst>
                                         </p:cTn>
                                         <p:tgtEl>
-                                          <p:spTgt spid="16"/>
+                                          <p:spTgt spid="13"/>
                                         </p:tgtEl>
                                         <p:attrNameLst>
                                           <p:attrName>ppt_x</p:attrName>
@@ -34148,7 +35408,7 @@
                                           </p:stCondLst>
                                         </p:cTn>
                                         <p:tgtEl>
-                                          <p:spTgt spid="16"/>
+                                          <p:spTgt spid="13"/>
                                         </p:tgtEl>
                                         <p:attrNameLst>
                                           <p:attrName>ppt_y</p:attrName>
@@ -34175,7 +35435,7 @@
                                           </p:stCondLst>
                                         </p:cTn>
                                         <p:tgtEl>
-                                          <p:spTgt spid="16"/>
+                                          <p:spTgt spid="13"/>
                                         </p:tgtEl>
                                         <p:attrNameLst>
                                           <p:attrName>ppt_y</p:attrName>
@@ -34202,7 +35462,7 @@
                                           </p:stCondLst>
                                         </p:cTn>
                                         <p:tgtEl>
-                                          <p:spTgt spid="16"/>
+                                          <p:spTgt spid="13"/>
                                         </p:tgtEl>
                                         <p:attrNameLst>
                                           <p:attrName>ppt_y</p:attrName>
@@ -34229,7 +35489,7 @@
                                           </p:stCondLst>
                                         </p:cTn>
                                         <p:tgtEl>
-                                          <p:spTgt spid="16"/>
+                                          <p:spTgt spid="13"/>
                                         </p:tgtEl>
                                         <p:attrNameLst>
                                           <p:attrName>ppt_y</p:attrName>
@@ -34256,7 +35516,7 @@
                                           </p:stCondLst>
                                         </p:cTn>
                                         <p:tgtEl>
-                                          <p:spTgt spid="16"/>
+                                          <p:spTgt spid="13"/>
                                         </p:tgtEl>
                                       </p:cBhvr>
                                       <p:to x="100000" y="60000"/>
@@ -34269,7 +35529,7 @@
                                           </p:stCondLst>
                                         </p:cTn>
                                         <p:tgtEl>
-                                          <p:spTgt spid="16"/>
+                                          <p:spTgt spid="13"/>
                                         </p:tgtEl>
                                       </p:cBhvr>
                                       <p:to x="100000" y="100000"/>
@@ -34282,7 +35542,7 @@
                                           </p:stCondLst>
                                         </p:cTn>
                                         <p:tgtEl>
-                                          <p:spTgt spid="16"/>
+                                          <p:spTgt spid="13"/>
                                         </p:tgtEl>
                                       </p:cBhvr>
                                       <p:to x="100000" y="80000"/>
@@ -34295,7 +35555,7 @@
                                           </p:stCondLst>
                                         </p:cTn>
                                         <p:tgtEl>
-                                          <p:spTgt spid="16"/>
+                                          <p:spTgt spid="13"/>
                                         </p:tgtEl>
                                       </p:cBhvr>
                                       <p:to x="100000" y="100000"/>
@@ -34308,7 +35568,7 @@
                                           </p:stCondLst>
                                         </p:cTn>
                                         <p:tgtEl>
-                                          <p:spTgt spid="16"/>
+                                          <p:spTgt spid="13"/>
                                         </p:tgtEl>
                                       </p:cBhvr>
                                       <p:to x="100000" y="90000"/>
@@ -34321,7 +35581,7 @@
                                           </p:stCondLst>
                                         </p:cTn>
                                         <p:tgtEl>
-                                          <p:spTgt spid="16"/>
+                                          <p:spTgt spid="13"/>
                                         </p:tgtEl>
                                       </p:cBhvr>
                                       <p:to x="100000" y="100000"/>
@@ -34334,7 +35594,7 @@
                                           </p:stCondLst>
                                         </p:cTn>
                                         <p:tgtEl>
-                                          <p:spTgt spid="16"/>
+                                          <p:spTgt spid="13"/>
                                         </p:tgtEl>
                                       </p:cBhvr>
                                       <p:to x="100000" y="95000"/>
@@ -34347,7 +35607,7 @@
                                           </p:stCondLst>
                                         </p:cTn>
                                         <p:tgtEl>
-                                          <p:spTgt spid="16"/>
+                                          <p:spTgt spid="13"/>
                                         </p:tgtEl>
                                       </p:cBhvr>
                                       <p:to x="100000" y="100000"/>
@@ -34369,7 +35629,7 @@
                                           </p:stCondLst>
                                         </p:cTn>
                                         <p:tgtEl>
-                                          <p:spTgt spid="15"/>
+                                          <p:spTgt spid="12"/>
                                         </p:tgtEl>
                                         <p:attrNameLst>
                                           <p:attrName>style.visibility</p:attrName>
@@ -34387,7 +35647,7 @@
                                           </p:stCondLst>
                                         </p:cTn>
                                         <p:tgtEl>
-                                          <p:spTgt spid="15"/>
+                                          <p:spTgt spid="12"/>
                                         </p:tgtEl>
                                       </p:cBhvr>
                                     </p:animEffect>
@@ -34399,7 +35659,7 @@
                                           </p:stCondLst>
                                         </p:cTn>
                                         <p:tgtEl>
-                                          <p:spTgt spid="15"/>
+                                          <p:spTgt spid="12"/>
                                         </p:tgtEl>
                                         <p:attrNameLst>
                                           <p:attrName>ppt_x</p:attrName>
@@ -34426,7 +35686,7 @@
                                           </p:stCondLst>
                                         </p:cTn>
                                         <p:tgtEl>
-                                          <p:spTgt spid="15"/>
+                                          <p:spTgt spid="12"/>
                                         </p:tgtEl>
                                         <p:attrNameLst>
                                           <p:attrName>ppt_y</p:attrName>
@@ -34453,7 +35713,7 @@
                                           </p:stCondLst>
                                         </p:cTn>
                                         <p:tgtEl>
-                                          <p:spTgt spid="15"/>
+                                          <p:spTgt spid="12"/>
                                         </p:tgtEl>
                                         <p:attrNameLst>
                                           <p:attrName>ppt_y</p:attrName>
@@ -34480,7 +35740,7 @@
                                           </p:stCondLst>
                                         </p:cTn>
                                         <p:tgtEl>
-                                          <p:spTgt spid="15"/>
+                                          <p:spTgt spid="12"/>
                                         </p:tgtEl>
                                         <p:attrNameLst>
                                           <p:attrName>ppt_y</p:attrName>
@@ -34507,7 +35767,7 @@
                                           </p:stCondLst>
                                         </p:cTn>
                                         <p:tgtEl>
-                                          <p:spTgt spid="15"/>
+                                          <p:spTgt spid="12"/>
                                         </p:tgtEl>
                                         <p:attrNameLst>
                                           <p:attrName>ppt_y</p:attrName>
@@ -34534,7 +35794,7 @@
                                           </p:stCondLst>
                                         </p:cTn>
                                         <p:tgtEl>
-                                          <p:spTgt spid="15"/>
+                                          <p:spTgt spid="12"/>
                                         </p:tgtEl>
                                       </p:cBhvr>
                                       <p:to x="100000" y="60000"/>
@@ -34547,7 +35807,7 @@
                                           </p:stCondLst>
                                         </p:cTn>
                                         <p:tgtEl>
-                                          <p:spTgt spid="15"/>
+                                          <p:spTgt spid="12"/>
                                         </p:tgtEl>
                                       </p:cBhvr>
                                       <p:to x="100000" y="100000"/>
@@ -34560,7 +35820,7 @@
                                           </p:stCondLst>
                                         </p:cTn>
                                         <p:tgtEl>
-                                          <p:spTgt spid="15"/>
+                                          <p:spTgt spid="12"/>
                                         </p:tgtEl>
                                       </p:cBhvr>
                                       <p:to x="100000" y="80000"/>
@@ -34573,7 +35833,7 @@
                                           </p:stCondLst>
                                         </p:cTn>
                                         <p:tgtEl>
-                                          <p:spTgt spid="15"/>
+                                          <p:spTgt spid="12"/>
                                         </p:tgtEl>
                                       </p:cBhvr>
                                       <p:to x="100000" y="100000"/>
@@ -34586,7 +35846,7 @@
                                           </p:stCondLst>
                                         </p:cTn>
                                         <p:tgtEl>
-                                          <p:spTgt spid="15"/>
+                                          <p:spTgt spid="12"/>
                                         </p:tgtEl>
                                       </p:cBhvr>
                                       <p:to x="100000" y="90000"/>
@@ -34599,7 +35859,7 @@
                                           </p:stCondLst>
                                         </p:cTn>
                                         <p:tgtEl>
-                                          <p:spTgt spid="15"/>
+                                          <p:spTgt spid="12"/>
                                         </p:tgtEl>
                                       </p:cBhvr>
                                       <p:to x="100000" y="100000"/>
@@ -34612,7 +35872,7 @@
                                           </p:stCondLst>
                                         </p:cTn>
                                         <p:tgtEl>
-                                          <p:spTgt spid="15"/>
+                                          <p:spTgt spid="12"/>
                                         </p:tgtEl>
                                       </p:cBhvr>
                                       <p:to x="100000" y="95000"/>
@@ -34625,7 +35885,7 @@
                                           </p:stCondLst>
                                         </p:cTn>
                                         <p:tgtEl>
-                                          <p:spTgt spid="15"/>
+                                          <p:spTgt spid="12"/>
                                         </p:tgtEl>
                                       </p:cBhvr>
                                       <p:to x="100000" y="100000"/>
@@ -35594,7 +36854,7 @@
           <p:cNvPr id="3" name="TextBox 3">
             <a:extLst>
               <a:ext uri="{FF2B5EF4-FFF2-40B4-BE49-F238E27FC236}">
-                <a16:creationId xmlns:a16="http://schemas.microsoft.com/office/drawing/2014/main" id="{15A4BDA0-C270-4764-9C18-A593BCE2C965}"/>
+                <a16:creationId xmlns:a16="http://schemas.microsoft.com/office/drawing/2014/main" xmlns="" id="{15A4BDA0-C270-4764-9C18-A593BCE2C965}"/>
               </a:ext>
             </a:extLst>
           </p:cNvPr>
@@ -35692,16 +36952,7 @@
                 </a:solidFill>
                 <a:latin typeface="IBM Plex Sans"/>
               </a:rPr>
-              <a:t>Spring</a:t>
-            </a:r>
-            <a:r>
-              <a:rPr lang="fr-FR" sz="2800" dirty="0" smtClean="0">
-                <a:solidFill>
-                  <a:srgbClr val="161616"/>
-                </a:solidFill>
-                <a:latin typeface="IBM Plex Sans"/>
-              </a:rPr>
-              <a:t> </a:t>
+              <a:t>Spring </a:t>
             </a:r>
             <a:r>
               <a:rPr lang="fr-FR" sz="2800" dirty="0">
@@ -35746,25 +36997,7 @@
                 </a:solidFill>
                 <a:latin typeface="IBM Plex Sans"/>
               </a:rPr>
-              <a:t>avec </a:t>
-            </a:r>
-            <a:r>
-              <a:rPr lang="fr-FR" sz="2800" dirty="0">
-                <a:solidFill>
-                  <a:srgbClr val="161616"/>
-                </a:solidFill>
-                <a:latin typeface="IBM Plex Sans"/>
-              </a:rPr>
-              <a:t>Spring</a:t>
-            </a:r>
-            <a:r>
-              <a:rPr lang="fr-FR" sz="2800" dirty="0">
-                <a:solidFill>
-                  <a:srgbClr val="161616"/>
-                </a:solidFill>
-                <a:latin typeface="IBM Plex Sans"/>
-              </a:rPr>
-              <a:t> </a:t>
+              <a:t>avec Spring </a:t>
             </a:r>
             <a:r>
               <a:rPr lang="fr-FR" sz="2800" dirty="0" smtClean="0">
@@ -35809,9 +37042,88 @@
   <p:timing>
     <p:tnLst>
       <p:par>
-        <p:cTn id="1" dur="indefinite" restart="never" nodeType="tmRoot"/>
+        <p:cTn id="1" dur="indefinite" restart="never" nodeType="tmRoot">
+          <p:childTnLst>
+            <p:seq concurrent="1" nextAc="seek">
+              <p:cTn id="2" dur="indefinite" nodeType="mainSeq">
+                <p:childTnLst>
+                  <p:par>
+                    <p:cTn id="3" fill="hold">
+                      <p:stCondLst>
+                        <p:cond delay="indefinite"/>
+                      </p:stCondLst>
+                      <p:childTnLst>
+                        <p:par>
+                          <p:cTn id="4" fill="hold">
+                            <p:stCondLst>
+                              <p:cond delay="0"/>
+                            </p:stCondLst>
+                            <p:childTnLst>
+                              <p:par>
+                                <p:cTn id="5" presetID="6" presetClass="entr" presetSubtype="16" fill="hold" grpId="0" nodeType="clickEffect">
+                                  <p:stCondLst>
+                                    <p:cond delay="0"/>
+                                  </p:stCondLst>
+                                  <p:childTnLst>
+                                    <p:set>
+                                      <p:cBhvr>
+                                        <p:cTn id="6" dur="1" fill="hold">
+                                          <p:stCondLst>
+                                            <p:cond delay="0"/>
+                                          </p:stCondLst>
+                                        </p:cTn>
+                                        <p:tgtEl>
+                                          <p:spTgt spid="6"/>
+                                        </p:tgtEl>
+                                        <p:attrNameLst>
+                                          <p:attrName>style.visibility</p:attrName>
+                                        </p:attrNameLst>
+                                      </p:cBhvr>
+                                      <p:to>
+                                        <p:strVal val="visible"/>
+                                      </p:to>
+                                    </p:set>
+                                    <p:animEffect transition="in" filter="circle(in)">
+                                      <p:cBhvr>
+                                        <p:cTn id="7" dur="2000"/>
+                                        <p:tgtEl>
+                                          <p:spTgt spid="6"/>
+                                        </p:tgtEl>
+                                      </p:cBhvr>
+                                    </p:animEffect>
+                                  </p:childTnLst>
+                                </p:cTn>
+                              </p:par>
+                            </p:childTnLst>
+                          </p:cTn>
+                        </p:par>
+                      </p:childTnLst>
+                    </p:cTn>
+                  </p:par>
+                </p:childTnLst>
+              </p:cTn>
+              <p:prevCondLst>
+                <p:cond evt="onPrev" delay="0">
+                  <p:tgtEl>
+                    <p:sldTgt/>
+                  </p:tgtEl>
+                </p:cond>
+              </p:prevCondLst>
+              <p:nextCondLst>
+                <p:cond evt="onNext" delay="0">
+                  <p:tgtEl>
+                    <p:sldTgt/>
+                  </p:tgtEl>
+                </p:cond>
+              </p:nextCondLst>
+            </p:seq>
+          </p:childTnLst>
+        </p:cTn>
       </p:par>
     </p:tnLst>
+    <p:bldLst>
+      <p:bldP spid="6" grpId="0"/>
+    </p:bldLst>
   </p:timing>
 </p:sld>
 </file>
@@ -35892,7 +37204,7 @@
           <p:cNvPr id="5" name="TextBox 7">
             <a:extLst>
               <a:ext uri="{FF2B5EF4-FFF2-40B4-BE49-F238E27FC236}">
-                <a16:creationId xmlns:a16="http://schemas.microsoft.com/office/drawing/2014/main" id="{5CF5BDA4-10C7-46A6-AC30-523A3FC438AC}"/>
+                <a16:creationId xmlns:a16="http://schemas.microsoft.com/office/drawing/2014/main" xmlns="" id="{5CF5BDA4-10C7-46A6-AC30-523A3FC438AC}"/>
               </a:ext>
             </a:extLst>
           </p:cNvPr>
@@ -35901,8 +37213,8 @@
         </p:nvSpPr>
         <p:spPr>
           <a:xfrm>
-            <a:off x="4693186" y="398652"/>
-            <a:ext cx="7085865" cy="830997"/>
+            <a:off x="7061435" y="328187"/>
+            <a:ext cx="3437262" cy="830997"/>
           </a:xfrm>
           <a:prstGeom prst="rect">
             <a:avLst/>
@@ -35935,56 +37247,6 @@
               </a:rPr>
               <a:t> </a:t>
             </a:r>
-            <a:r>
-              <a:rPr lang="en-US" altLang="ko-KR" sz="4400" dirty="0" smtClean="0">
-                <a:solidFill>
-                  <a:schemeClr val="accent1"/>
-                </a:solidFill>
-                <a:latin typeface="Candara" panose="020E0502030303020204" pitchFamily="34" charset="0"/>
-                <a:cs typeface="Arial" pitchFamily="34" charset="0"/>
-              </a:rPr>
-              <a:t>de</a:t>
-            </a:r>
-            <a:r>
-              <a:rPr lang="en-US" altLang="ko-KR" sz="4800" dirty="0" smtClean="0">
-                <a:solidFill>
-                  <a:schemeClr val="accent1"/>
-                </a:solidFill>
-                <a:latin typeface="Candara" panose="020E0502030303020204" pitchFamily="34" charset="0"/>
-                <a:cs typeface="Arial" pitchFamily="34" charset="0"/>
-              </a:rPr>
-              <a:t> spr</a:t>
-            </a:r>
-            <a:r>
-              <a:rPr lang="en-US" altLang="ko-KR" sz="4400" dirty="0" smtClean="0">
-                <a:solidFill>
-                  <a:schemeClr val="accent1"/>
-                </a:solidFill>
-                <a:latin typeface="Candara" panose="020E0502030303020204" pitchFamily="34" charset="0"/>
-                <a:cs typeface="Arial" pitchFamily="34" charset="0"/>
-              </a:rPr>
-              <a:t>i</a:t>
-            </a:r>
-            <a:r>
-              <a:rPr lang="en-US" altLang="ko-KR" sz="4800" dirty="0" smtClean="0">
-                <a:solidFill>
-                  <a:schemeClr val="accent1"/>
-                </a:solidFill>
-                <a:latin typeface="Candara" panose="020E0502030303020204" pitchFamily="34" charset="0"/>
-                <a:cs typeface="Arial" pitchFamily="34" charset="0"/>
-              </a:rPr>
-              <a:t>ng </a:t>
-            </a:r>
-            <a:r>
-              <a:rPr lang="en-US" altLang="ko-KR" sz="4400" dirty="0" smtClean="0">
-                <a:solidFill>
-                  <a:schemeClr val="accent1"/>
-                </a:solidFill>
-                <a:latin typeface="Candara" panose="020E0502030303020204" pitchFamily="34" charset="0"/>
-                <a:cs typeface="Arial" pitchFamily="34" charset="0"/>
-              </a:rPr>
-              <a:t>boot</a:t>
-            </a:r>
             <a:endParaRPr lang="ko-KR" altLang="en-US" sz="4800" dirty="0">
               <a:solidFill>
                 <a:schemeClr val="accent1"/>
@@ -36000,7 +37262,7 @@
           <p:cNvPr id="6" name="Rectangle 5">
             <a:extLst>
               <a:ext uri="{FF2B5EF4-FFF2-40B4-BE49-F238E27FC236}">
-                <a16:creationId xmlns:a16="http://schemas.microsoft.com/office/drawing/2014/main" id="{6D0FDF8F-D25E-4CB0-8E60-C13C20A472F5}"/>
+                <a16:creationId xmlns:a16="http://schemas.microsoft.com/office/drawing/2014/main" xmlns="" id="{6D0FDF8F-D25E-4CB0-8E60-C13C20A472F5}"/>
               </a:ext>
             </a:extLst>
           </p:cNvPr>
@@ -36062,7 +37324,7 @@
           <p:cNvPr id="7" name="Pentagon 14">
             <a:extLst>
               <a:ext uri="{FF2B5EF4-FFF2-40B4-BE49-F238E27FC236}">
-                <a16:creationId xmlns:a16="http://schemas.microsoft.com/office/drawing/2014/main" id="{8D0EAD2F-CF67-4591-BB34-B59CCA0D3581}"/>
+                <a16:creationId xmlns:a16="http://schemas.microsoft.com/office/drawing/2014/main" xmlns="" id="{8D0EAD2F-CF67-4591-BB34-B59CCA0D3581}"/>
               </a:ext>
             </a:extLst>
           </p:cNvPr>
@@ -36118,7 +37380,7 @@
           <p:cNvPr id="8" name="Pentagon 14">
             <a:extLst>
               <a:ext uri="{FF2B5EF4-FFF2-40B4-BE49-F238E27FC236}">
-                <a16:creationId xmlns:a16="http://schemas.microsoft.com/office/drawing/2014/main" id="{8D0EAD2F-CF67-4591-BB34-B59CCA0D3581}"/>
+                <a16:creationId xmlns:a16="http://schemas.microsoft.com/office/drawing/2014/main" xmlns="" id="{8D0EAD2F-CF67-4591-BB34-B59CCA0D3581}"/>
               </a:ext>
             </a:extLst>
           </p:cNvPr>
@@ -36174,7 +37436,7 @@
           <p:cNvPr id="9" name="TextBox 32">
             <a:extLst>
               <a:ext uri="{FF2B5EF4-FFF2-40B4-BE49-F238E27FC236}">
-                <a16:creationId xmlns:a16="http://schemas.microsoft.com/office/drawing/2014/main" id="{3D68DC4F-6C57-4033-AD85-E705874ADB27}"/>
+                <a16:creationId xmlns:a16="http://schemas.microsoft.com/office/drawing/2014/main" xmlns="" id="{3D68DC4F-6C57-4033-AD85-E705874ADB27}"/>
               </a:ext>
             </a:extLst>
           </p:cNvPr>
@@ -36229,7 +37491,7 @@
           <p:cNvPr id="10" name="TextBox 32">
             <a:extLst>
               <a:ext uri="{FF2B5EF4-FFF2-40B4-BE49-F238E27FC236}">
-                <a16:creationId xmlns:a16="http://schemas.microsoft.com/office/drawing/2014/main" id="{3D68DC4F-6C57-4033-AD85-E705874ADB27}"/>
+                <a16:creationId xmlns:a16="http://schemas.microsoft.com/office/drawing/2014/main" xmlns="" id="{3D68DC4F-6C57-4033-AD85-E705874ADB27}"/>
               </a:ext>
             </a:extLst>
           </p:cNvPr>
@@ -36270,7 +37532,7 @@
           <p:cNvPr id="11" name="TextBox 6">
             <a:extLst>
               <a:ext uri="{FF2B5EF4-FFF2-40B4-BE49-F238E27FC236}">
-                <a16:creationId xmlns:a16="http://schemas.microsoft.com/office/drawing/2014/main" id="{CD4C4ACE-3F27-4618-8225-64966A7DFEEF}"/>
+                <a16:creationId xmlns:a16="http://schemas.microsoft.com/office/drawing/2014/main" xmlns="" id="{CD4C4ACE-3F27-4618-8225-64966A7DFEEF}"/>
               </a:ext>
             </a:extLst>
           </p:cNvPr>
@@ -36319,7 +37581,7 @@
           <p:cNvPr id="12" name="TextBox 6">
             <a:extLst>
               <a:ext uri="{FF2B5EF4-FFF2-40B4-BE49-F238E27FC236}">
-                <a16:creationId xmlns:a16="http://schemas.microsoft.com/office/drawing/2014/main" id="{CD4C4ACE-3F27-4618-8225-64966A7DFEEF}"/>
+                <a16:creationId xmlns:a16="http://schemas.microsoft.com/office/drawing/2014/main" xmlns="" id="{CD4C4ACE-3F27-4618-8225-64966A7DFEEF}"/>
               </a:ext>
             </a:extLst>
           </p:cNvPr>
@@ -36368,7 +37630,7 @@
           <p:cNvPr id="13" name="Pentagon 14">
             <a:extLst>
               <a:ext uri="{FF2B5EF4-FFF2-40B4-BE49-F238E27FC236}">
-                <a16:creationId xmlns:a16="http://schemas.microsoft.com/office/drawing/2014/main" id="{8D0EAD2F-CF67-4591-BB34-B59CCA0D3581}"/>
+                <a16:creationId xmlns:a16="http://schemas.microsoft.com/office/drawing/2014/main" xmlns="" id="{8D0EAD2F-CF67-4591-BB34-B59CCA0D3581}"/>
               </a:ext>
             </a:extLst>
           </p:cNvPr>
@@ -36448,7 +37710,7 @@
           <p:cNvPr id="15" name="TextBox 6">
             <a:extLst>
               <a:ext uri="{FF2B5EF4-FFF2-40B4-BE49-F238E27FC236}">
-                <a16:creationId xmlns:a16="http://schemas.microsoft.com/office/drawing/2014/main" id="{CD4C4ACE-3F27-4618-8225-64966A7DFEEF}"/>
+                <a16:creationId xmlns:a16="http://schemas.microsoft.com/office/drawing/2014/main" xmlns="" id="{CD4C4ACE-3F27-4618-8225-64966A7DFEEF}"/>
               </a:ext>
             </a:extLst>
           </p:cNvPr>
@@ -37359,7 +38621,7 @@
           <p:cNvPr id="2" name="Text Placeholder 1">
             <a:extLst>
               <a:ext uri="{FF2B5EF4-FFF2-40B4-BE49-F238E27FC236}">
-                <a16:creationId xmlns:a16="http://schemas.microsoft.com/office/drawing/2014/main" id="{D735F7F3-C1B5-4B60-A00A-4EB618DDFB5A}"/>
+                <a16:creationId xmlns:a16="http://schemas.microsoft.com/office/drawing/2014/main" xmlns="" id="{D735F7F3-C1B5-4B60-A00A-4EB618DDFB5A}"/>
               </a:ext>
             </a:extLst>
           </p:cNvPr>
@@ -37401,7 +38663,7 @@
           <p:cNvPr id="8" name="TextBox 7">
             <a:extLst>
               <a:ext uri="{FF2B5EF4-FFF2-40B4-BE49-F238E27FC236}">
-                <a16:creationId xmlns:a16="http://schemas.microsoft.com/office/drawing/2014/main" id="{A43997AA-366C-4002-B0FD-967BCBDAA30B}"/>
+                <a16:creationId xmlns:a16="http://schemas.microsoft.com/office/drawing/2014/main" xmlns="" id="{A43997AA-366C-4002-B0FD-967BCBDAA30B}"/>
               </a:ext>
             </a:extLst>
           </p:cNvPr>
@@ -37451,7 +38713,7 @@
           <p:cNvPr id="18" name="Group 17">
             <a:extLst>
               <a:ext uri="{FF2B5EF4-FFF2-40B4-BE49-F238E27FC236}">
-                <a16:creationId xmlns:a16="http://schemas.microsoft.com/office/drawing/2014/main" id="{AF125DDF-54C0-44F1-9312-CC567147E6D6}"/>
+                <a16:creationId xmlns:a16="http://schemas.microsoft.com/office/drawing/2014/main" xmlns="" id="{AF125DDF-54C0-44F1-9312-CC567147E6D6}"/>
               </a:ext>
             </a:extLst>
           </p:cNvPr>
@@ -37477,7 +38739,7 @@
             <p:cNvPr id="19" name="Oval 18">
               <a:extLst>
                 <a:ext uri="{FF2B5EF4-FFF2-40B4-BE49-F238E27FC236}">
-                  <a16:creationId xmlns:a16="http://schemas.microsoft.com/office/drawing/2014/main" id="{D4F344A5-D92C-4603-A473-E966BA62A68D}"/>
+                  <a16:creationId xmlns:a16="http://schemas.microsoft.com/office/drawing/2014/main" xmlns="" id="{D4F344A5-D92C-4603-A473-E966BA62A68D}"/>
                 </a:ext>
               </a:extLst>
             </p:cNvPr>
@@ -37547,7 +38809,7 @@
             <p:cNvPr id="20" name="Oval 19">
               <a:extLst>
                 <a:ext uri="{FF2B5EF4-FFF2-40B4-BE49-F238E27FC236}">
-                  <a16:creationId xmlns:a16="http://schemas.microsoft.com/office/drawing/2014/main" id="{C3D9F7C8-DFDE-4FE7-9999-7B888487F58A}"/>
+                  <a16:creationId xmlns:a16="http://schemas.microsoft.com/office/drawing/2014/main" xmlns="" id="{C3D9F7C8-DFDE-4FE7-9999-7B888487F58A}"/>
                 </a:ext>
               </a:extLst>
             </p:cNvPr>
@@ -37617,7 +38879,7 @@
             <p:cNvPr id="21" name="Oval 20">
               <a:extLst>
                 <a:ext uri="{FF2B5EF4-FFF2-40B4-BE49-F238E27FC236}">
-                  <a16:creationId xmlns:a16="http://schemas.microsoft.com/office/drawing/2014/main" id="{4D964D23-0A44-4C3A-8202-130EAAE36554}"/>
+                  <a16:creationId xmlns:a16="http://schemas.microsoft.com/office/drawing/2014/main" xmlns="" id="{4D964D23-0A44-4C3A-8202-130EAAE36554}"/>
                 </a:ext>
               </a:extLst>
             </p:cNvPr>
@@ -37688,7 +38950,7 @@
           <p:cNvPr id="22" name="Rectangle 21">
             <a:extLst>
               <a:ext uri="{FF2B5EF4-FFF2-40B4-BE49-F238E27FC236}">
-                <a16:creationId xmlns:a16="http://schemas.microsoft.com/office/drawing/2014/main" id="{9F42F8BA-36EB-4CDA-9C34-2FBFA3D0D547}"/>
+                <a16:creationId xmlns:a16="http://schemas.microsoft.com/office/drawing/2014/main" xmlns="" id="{9F42F8BA-36EB-4CDA-9C34-2FBFA3D0D547}"/>
               </a:ext>
             </a:extLst>
           </p:cNvPr>
@@ -37742,7 +39004,7 @@
           <p:cNvPr id="23" name="Rectangle 22">
             <a:extLst>
               <a:ext uri="{FF2B5EF4-FFF2-40B4-BE49-F238E27FC236}">
-                <a16:creationId xmlns:a16="http://schemas.microsoft.com/office/drawing/2014/main" id="{F0270141-EAEF-4DB8-BE02-068A9E67E9FC}"/>
+                <a16:creationId xmlns:a16="http://schemas.microsoft.com/office/drawing/2014/main" xmlns="" id="{F0270141-EAEF-4DB8-BE02-068A9E67E9FC}"/>
               </a:ext>
             </a:extLst>
           </p:cNvPr>
@@ -37796,7 +39058,7 @@
           <p:cNvPr id="24" name="Rectangle 23">
             <a:extLst>
               <a:ext uri="{FF2B5EF4-FFF2-40B4-BE49-F238E27FC236}">
-                <a16:creationId xmlns:a16="http://schemas.microsoft.com/office/drawing/2014/main" id="{B8E337CC-A763-4D05-9509-C4A9D2828580}"/>
+                <a16:creationId xmlns:a16="http://schemas.microsoft.com/office/drawing/2014/main" xmlns="" id="{B8E337CC-A763-4D05-9509-C4A9D2828580}"/>
               </a:ext>
             </a:extLst>
           </p:cNvPr>
@@ -37850,7 +39112,7 @@
           <p:cNvPr id="25" name="Parallelogram 24">
             <a:extLst>
               <a:ext uri="{FF2B5EF4-FFF2-40B4-BE49-F238E27FC236}">
-                <a16:creationId xmlns:a16="http://schemas.microsoft.com/office/drawing/2014/main" id="{3BE05377-4603-403A-A13B-77D1DF41A42C}"/>
+                <a16:creationId xmlns:a16="http://schemas.microsoft.com/office/drawing/2014/main" xmlns="" id="{3BE05377-4603-403A-A13B-77D1DF41A42C}"/>
               </a:ext>
             </a:extLst>
           </p:cNvPr>
@@ -37906,7 +39168,7 @@
           <p:cNvPr id="26" name="Rectangle 25">
             <a:extLst>
               <a:ext uri="{FF2B5EF4-FFF2-40B4-BE49-F238E27FC236}">
-                <a16:creationId xmlns:a16="http://schemas.microsoft.com/office/drawing/2014/main" id="{1B20DF86-2CE8-449A-9346-3AA4C54078C2}"/>
+                <a16:creationId xmlns:a16="http://schemas.microsoft.com/office/drawing/2014/main" xmlns="" id="{1B20DF86-2CE8-449A-9346-3AA4C54078C2}"/>
               </a:ext>
             </a:extLst>
           </p:cNvPr>
@@ -37960,7 +39222,7 @@
           <p:cNvPr id="27" name="Rectangle 26">
             <a:extLst>
               <a:ext uri="{FF2B5EF4-FFF2-40B4-BE49-F238E27FC236}">
-                <a16:creationId xmlns:a16="http://schemas.microsoft.com/office/drawing/2014/main" id="{9AD4AE32-2565-486C-BF53-0B038014A932}"/>
+                <a16:creationId xmlns:a16="http://schemas.microsoft.com/office/drawing/2014/main" xmlns="" id="{9AD4AE32-2565-486C-BF53-0B038014A932}"/>
               </a:ext>
             </a:extLst>
           </p:cNvPr>
@@ -38017,7 +39279,7 @@
           <p:cNvPr id="33" name="Rectangle 32">
             <a:extLst>
               <a:ext uri="{FF2B5EF4-FFF2-40B4-BE49-F238E27FC236}">
-                <a16:creationId xmlns:a16="http://schemas.microsoft.com/office/drawing/2014/main" id="{E84459F8-5881-4DEB-8A81-B89DA92F1CB7}"/>
+                <a16:creationId xmlns:a16="http://schemas.microsoft.com/office/drawing/2014/main" xmlns="" id="{E84459F8-5881-4DEB-8A81-B89DA92F1CB7}"/>
               </a:ext>
             </a:extLst>
           </p:cNvPr>
@@ -38071,7 +39333,7 @@
           <p:cNvPr id="34" name="Rectangle 33">
             <a:extLst>
               <a:ext uri="{FF2B5EF4-FFF2-40B4-BE49-F238E27FC236}">
-                <a16:creationId xmlns:a16="http://schemas.microsoft.com/office/drawing/2014/main" id="{249C4E87-AE40-4F8D-B76D-0F3FE3C5E753}"/>
+                <a16:creationId xmlns:a16="http://schemas.microsoft.com/office/drawing/2014/main" xmlns="" id="{249C4E87-AE40-4F8D-B76D-0F3FE3C5E753}"/>
               </a:ext>
             </a:extLst>
           </p:cNvPr>
@@ -38125,7 +39387,7 @@
           <p:cNvPr id="35" name="Rectangle 34">
             <a:extLst>
               <a:ext uri="{FF2B5EF4-FFF2-40B4-BE49-F238E27FC236}">
-                <a16:creationId xmlns:a16="http://schemas.microsoft.com/office/drawing/2014/main" id="{DCEBC72B-82D4-4B5A-9E29-9A6C7DF9679D}"/>
+                <a16:creationId xmlns:a16="http://schemas.microsoft.com/office/drawing/2014/main" xmlns="" id="{DCEBC72B-82D4-4B5A-9E29-9A6C7DF9679D}"/>
               </a:ext>
             </a:extLst>
           </p:cNvPr>
@@ -38181,7 +39443,7 @@
           <p:cNvPr id="36" name="Rectangle 35">
             <a:extLst>
               <a:ext uri="{FF2B5EF4-FFF2-40B4-BE49-F238E27FC236}">
-                <a16:creationId xmlns:a16="http://schemas.microsoft.com/office/drawing/2014/main" id="{8F5405A9-7AFD-4CD6-895B-4CC9E600198B}"/>
+                <a16:creationId xmlns:a16="http://schemas.microsoft.com/office/drawing/2014/main" xmlns="" id="{8F5405A9-7AFD-4CD6-895B-4CC9E600198B}"/>
               </a:ext>
             </a:extLst>
           </p:cNvPr>
@@ -38235,7 +39497,7 @@
           <p:cNvPr id="37" name="Rectangle 36">
             <a:extLst>
               <a:ext uri="{FF2B5EF4-FFF2-40B4-BE49-F238E27FC236}">
-                <a16:creationId xmlns:a16="http://schemas.microsoft.com/office/drawing/2014/main" id="{E68A8935-BBBB-4065-80B9-2A9DD8DE3D40}"/>
+                <a16:creationId xmlns:a16="http://schemas.microsoft.com/office/drawing/2014/main" xmlns="" id="{E68A8935-BBBB-4065-80B9-2A9DD8DE3D40}"/>
               </a:ext>
             </a:extLst>
           </p:cNvPr>
@@ -38289,7 +39551,7 @@
           <p:cNvPr id="38" name="Group 37">
             <a:extLst>
               <a:ext uri="{FF2B5EF4-FFF2-40B4-BE49-F238E27FC236}">
-                <a16:creationId xmlns:a16="http://schemas.microsoft.com/office/drawing/2014/main" id="{233B169F-B6F7-48B5-B5C3-3FAAAF1B142C}"/>
+                <a16:creationId xmlns:a16="http://schemas.microsoft.com/office/drawing/2014/main" xmlns="" id="{233B169F-B6F7-48B5-B5C3-3FAAAF1B142C}"/>
               </a:ext>
             </a:extLst>
           </p:cNvPr>
@@ -38309,7 +39571,7 @@
             <p:cNvPr id="39" name="Rectangle 34">
               <a:extLst>
                 <a:ext uri="{FF2B5EF4-FFF2-40B4-BE49-F238E27FC236}">
-                  <a16:creationId xmlns:a16="http://schemas.microsoft.com/office/drawing/2014/main" id="{61085DFF-D2A6-4757-BC9C-B6911BE3148F}"/>
+                  <a16:creationId xmlns:a16="http://schemas.microsoft.com/office/drawing/2014/main" xmlns="" id="{61085DFF-D2A6-4757-BC9C-B6911BE3148F}"/>
                 </a:ext>
               </a:extLst>
             </p:cNvPr>
@@ -38386,7 +39648,7 @@
             <p:cNvPr id="40" name="Group 39">
               <a:extLst>
                 <a:ext uri="{FF2B5EF4-FFF2-40B4-BE49-F238E27FC236}">
-                  <a16:creationId xmlns:a16="http://schemas.microsoft.com/office/drawing/2014/main" id="{3C5EDA7E-EAC2-42DC-BA31-82F98D89F64F}"/>
+                  <a16:creationId xmlns:a16="http://schemas.microsoft.com/office/drawing/2014/main" xmlns="" id="{3C5EDA7E-EAC2-42DC-BA31-82F98D89F64F}"/>
                 </a:ext>
               </a:extLst>
             </p:cNvPr>
@@ -38406,7 +39668,7 @@
               <p:cNvPr id="41" name="Parallelogram 40">
                 <a:extLst>
                   <a:ext uri="{FF2B5EF4-FFF2-40B4-BE49-F238E27FC236}">
-                    <a16:creationId xmlns:a16="http://schemas.microsoft.com/office/drawing/2014/main" id="{3DD0C1A1-1C2E-4ABE-8BA7-25BE1B74C75A}"/>
+                    <a16:creationId xmlns:a16="http://schemas.microsoft.com/office/drawing/2014/main" xmlns="" id="{3DD0C1A1-1C2E-4ABE-8BA7-25BE1B74C75A}"/>
                   </a:ext>
                 </a:extLst>
               </p:cNvPr>
@@ -38462,7 +39724,7 @@
               <p:cNvPr id="42" name="Parallelogram 41">
                 <a:extLst>
                   <a:ext uri="{FF2B5EF4-FFF2-40B4-BE49-F238E27FC236}">
-                    <a16:creationId xmlns:a16="http://schemas.microsoft.com/office/drawing/2014/main" id="{FAA098A8-6698-44B6-8D31-46D25DF7D96F}"/>
+                    <a16:creationId xmlns:a16="http://schemas.microsoft.com/office/drawing/2014/main" xmlns="" id="{FAA098A8-6698-44B6-8D31-46D25DF7D96F}"/>
                   </a:ext>
                 </a:extLst>
               </p:cNvPr>
@@ -38518,7 +39780,7 @@
               <p:cNvPr id="43" name="Group 42">
                 <a:extLst>
                   <a:ext uri="{FF2B5EF4-FFF2-40B4-BE49-F238E27FC236}">
-                    <a16:creationId xmlns:a16="http://schemas.microsoft.com/office/drawing/2014/main" id="{AFF4B2DD-ACCF-4187-A0B1-2C8698891D41}"/>
+                    <a16:creationId xmlns:a16="http://schemas.microsoft.com/office/drawing/2014/main" xmlns="" id="{AFF4B2DD-ACCF-4187-A0B1-2C8698891D41}"/>
                   </a:ext>
                 </a:extLst>
               </p:cNvPr>
@@ -38538,7 +39800,7 @@
                 <p:cNvPr id="45" name="Trapezoid 33">
                   <a:extLst>
                     <a:ext uri="{FF2B5EF4-FFF2-40B4-BE49-F238E27FC236}">
-                      <a16:creationId xmlns:a16="http://schemas.microsoft.com/office/drawing/2014/main" id="{8F03E05A-CFBC-4422-8C99-19A95C4DDBD0}"/>
+                      <a16:creationId xmlns:a16="http://schemas.microsoft.com/office/drawing/2014/main" xmlns="" id="{8F03E05A-CFBC-4422-8C99-19A95C4DDBD0}"/>
                     </a:ext>
                   </a:extLst>
                 </p:cNvPr>
@@ -38615,7 +39877,7 @@
                 <p:cNvPr id="46" name="Chord 45">
                   <a:extLst>
                     <a:ext uri="{FF2B5EF4-FFF2-40B4-BE49-F238E27FC236}">
-                      <a16:creationId xmlns:a16="http://schemas.microsoft.com/office/drawing/2014/main" id="{4211E5DD-CA5C-4F4B-9DE5-AD3F17D00AC0}"/>
+                      <a16:creationId xmlns:a16="http://schemas.microsoft.com/office/drawing/2014/main" xmlns="" id="{4211E5DD-CA5C-4F4B-9DE5-AD3F17D00AC0}"/>
                     </a:ext>
                   </a:extLst>
                 </p:cNvPr>
@@ -38672,7 +39934,7 @@
                 <p:cNvPr id="47" name="Trapezoid 37">
                   <a:extLst>
                     <a:ext uri="{FF2B5EF4-FFF2-40B4-BE49-F238E27FC236}">
-                      <a16:creationId xmlns:a16="http://schemas.microsoft.com/office/drawing/2014/main" id="{78B7AA01-3133-49A1-9E4E-2400AFB045CD}"/>
+                      <a16:creationId xmlns:a16="http://schemas.microsoft.com/office/drawing/2014/main" xmlns="" id="{78B7AA01-3133-49A1-9E4E-2400AFB045CD}"/>
                     </a:ext>
                   </a:extLst>
                 </p:cNvPr>
@@ -38750,7 +40012,7 @@
               <p:cNvPr id="44" name="Parallelogram 43">
                 <a:extLst>
                   <a:ext uri="{FF2B5EF4-FFF2-40B4-BE49-F238E27FC236}">
-                    <a16:creationId xmlns:a16="http://schemas.microsoft.com/office/drawing/2014/main" id="{939CEFD3-3525-43BA-AE9D-63D482D72FEB}"/>
+                    <a16:creationId xmlns:a16="http://schemas.microsoft.com/office/drawing/2014/main" xmlns="" id="{939CEFD3-3525-43BA-AE9D-63D482D72FEB}"/>
                   </a:ext>
                 </a:extLst>
               </p:cNvPr>
@@ -38808,7 +40070,7 @@
           <p:cNvPr id="48" name="Freeform 47">
             <a:extLst>
               <a:ext uri="{FF2B5EF4-FFF2-40B4-BE49-F238E27FC236}">
-                <a16:creationId xmlns:a16="http://schemas.microsoft.com/office/drawing/2014/main" id="{643D6B73-DCC6-4A78-BDBC-0C65DE1E5B09}"/>
+                <a16:creationId xmlns:a16="http://schemas.microsoft.com/office/drawing/2014/main" xmlns="" id="{643D6B73-DCC6-4A78-BDBC-0C65DE1E5B09}"/>
               </a:ext>
             </a:extLst>
           </p:cNvPr>
@@ -39048,7 +40310,7 @@
           <p:cNvPr id="49" name="Freeform 48">
             <a:extLst>
               <a:ext uri="{FF2B5EF4-FFF2-40B4-BE49-F238E27FC236}">
-                <a16:creationId xmlns:a16="http://schemas.microsoft.com/office/drawing/2014/main" id="{57802457-5DD1-4216-8401-316524397E6E}"/>
+                <a16:creationId xmlns:a16="http://schemas.microsoft.com/office/drawing/2014/main" xmlns="" id="{57802457-5DD1-4216-8401-316524397E6E}"/>
               </a:ext>
             </a:extLst>
           </p:cNvPr>
@@ -39257,7 +40519,7 @@
           <p:cNvPr id="50" name="Freeform 49">
             <a:extLst>
               <a:ext uri="{FF2B5EF4-FFF2-40B4-BE49-F238E27FC236}">
-                <a16:creationId xmlns:a16="http://schemas.microsoft.com/office/drawing/2014/main" id="{FC68CD52-4B81-4454-BCA7-8BFFCA054C31}"/>
+                <a16:creationId xmlns:a16="http://schemas.microsoft.com/office/drawing/2014/main" xmlns="" id="{FC68CD52-4B81-4454-BCA7-8BFFCA054C31}"/>
               </a:ext>
             </a:extLst>
           </p:cNvPr>
@@ -39520,7 +40782,7 @@
           <p:cNvPr id="51" name="Freeform 50">
             <a:extLst>
               <a:ext uri="{FF2B5EF4-FFF2-40B4-BE49-F238E27FC236}">
-                <a16:creationId xmlns:a16="http://schemas.microsoft.com/office/drawing/2014/main" id="{AD71E514-6F35-43AD-8232-E968ACC620EA}"/>
+                <a16:creationId xmlns:a16="http://schemas.microsoft.com/office/drawing/2014/main" xmlns="" id="{AD71E514-6F35-43AD-8232-E968ACC620EA}"/>
               </a:ext>
             </a:extLst>
           </p:cNvPr>
@@ -39827,7 +41089,7 @@
           <p:cNvPr id="52" name="Freeform 51">
             <a:extLst>
               <a:ext uri="{FF2B5EF4-FFF2-40B4-BE49-F238E27FC236}">
-                <a16:creationId xmlns:a16="http://schemas.microsoft.com/office/drawing/2014/main" id="{2CAE076D-7406-4897-B4DC-790DECC79ACC}"/>
+                <a16:creationId xmlns:a16="http://schemas.microsoft.com/office/drawing/2014/main" xmlns="" id="{2CAE076D-7406-4897-B4DC-790DECC79ACC}"/>
               </a:ext>
             </a:extLst>
           </p:cNvPr>
@@ -40083,16 +41345,7 @@
                 </a:solidFill>
                 <a:latin typeface="Roboto"/>
               </a:rPr>
-              <a:t>Maven</a:t>
-            </a:r>
-            <a:r>
-              <a:rPr lang="fr-FR" sz="2800" b="1" cap="all" dirty="0" smtClean="0">
-                <a:solidFill>
-                  <a:srgbClr val="5DAA25"/>
-                </a:solidFill>
-                <a:latin typeface="Roboto"/>
-              </a:rPr>
-              <a:t>        </a:t>
+              <a:t>Maven        </a:t>
             </a:r>
             <a:r>
               <a:rPr lang="fr-FR" sz="1400" b="1" cap="all" dirty="0" smtClean="0">
@@ -41255,7 +42508,7 @@
                             </p:stCondLst>
                             <p:childTnLst>
                               <p:par>
-                                <p:cTn id="70" presetID="6" presetClass="entr" presetSubtype="16" fill="hold" grpId="0" nodeType="clickEffect">
+                                <p:cTn id="70" presetID="6" presetClass="entr" presetSubtype="16" fill="hold" nodeType="clickEffect">
                                   <p:stCondLst>
                                     <p:cond delay="0"/>
                                   </p:stCondLst>
@@ -41268,7 +42521,7 @@
                                           </p:stCondLst>
                                         </p:cTn>
                                         <p:tgtEl>
-                                          <p:spTgt spid="54"/>
+                                          <p:spTgt spid="5"/>
                                         </p:tgtEl>
                                         <p:attrNameLst>
                                           <p:attrName>style.visibility</p:attrName>
@@ -41282,7 +42535,7 @@
                                       <p:cBhvr>
                                         <p:cTn id="72" dur="2000"/>
                                         <p:tgtEl>
-                                          <p:spTgt spid="54"/>
+                                          <p:spTgt spid="5"/>
                                         </p:tgtEl>
                                       </p:cBhvr>
                                     </p:animEffect>
@@ -41290,7 +42543,7 @@
                                 </p:cTn>
                               </p:par>
                               <p:par>
-                                <p:cTn id="73" presetID="6" presetClass="entr" presetSubtype="16" fill="hold" nodeType="withEffect">
+                                <p:cTn id="73" presetID="6" presetClass="entr" presetSubtype="16" fill="hold" grpId="0" nodeType="withEffect">
                                   <p:stCondLst>
                                     <p:cond delay="0"/>
                                   </p:stCondLst>
@@ -41303,7 +42556,7 @@
                                           </p:stCondLst>
                                         </p:cTn>
                                         <p:tgtEl>
-                                          <p:spTgt spid="5"/>
+                                          <p:spTgt spid="54"/>
                                         </p:tgtEl>
                                         <p:attrNameLst>
                                           <p:attrName>style.visibility</p:attrName>
@@ -41317,7 +42570,42 @@
                                       <p:cBhvr>
                                         <p:cTn id="75" dur="2000"/>
                                         <p:tgtEl>
-                                          <p:spTgt spid="5"/>
+                                          <p:spTgt spid="54"/>
+                                        </p:tgtEl>
+                                      </p:cBhvr>
+                                    </p:animEffect>
+                                  </p:childTnLst>
+                                </p:cTn>
+                              </p:par>
+                              <p:par>
+                                <p:cTn id="76" presetID="6" presetClass="entr" presetSubtype="16" fill="hold" grpId="0" nodeType="withEffect">
+                                  <p:stCondLst>
+                                    <p:cond delay="0"/>
+                                  </p:stCondLst>
+                                  <p:childTnLst>
+                                    <p:set>
+                                      <p:cBhvr>
+                                        <p:cTn id="77" dur="1" fill="hold">
+                                          <p:stCondLst>
+                                            <p:cond delay="0"/>
+                                          </p:stCondLst>
+                                        </p:cTn>
+                                        <p:tgtEl>
+                                          <p:spTgt spid="55"/>
+                                        </p:tgtEl>
+                                        <p:attrNameLst>
+                                          <p:attrName>style.visibility</p:attrName>
+                                        </p:attrNameLst>
+                                      </p:cBhvr>
+                                      <p:to>
+                                        <p:strVal val="visible"/>
+                                      </p:to>
+                                    </p:set>
+                                    <p:animEffect transition="in" filter="circle(in)">
+                                      <p:cBhvr>
+                                        <p:cTn id="78" dur="2000"/>
+                                        <p:tgtEl>
+                                          <p:spTgt spid="55"/>
                                         </p:tgtEl>
                                       </p:cBhvr>
                                     </p:animEffect>
@@ -41331,54 +42619,19 @@
                     </p:cTn>
                   </p:par>
                   <p:par>
-                    <p:cTn id="76" fill="hold">
+                    <p:cTn id="79" fill="hold">
                       <p:stCondLst>
                         <p:cond delay="indefinite"/>
                       </p:stCondLst>
                       <p:childTnLst>
                         <p:par>
-                          <p:cTn id="77" fill="hold">
+                          <p:cTn id="80" fill="hold">
                             <p:stCondLst>
                               <p:cond delay="0"/>
                             </p:stCondLst>
                             <p:childTnLst>
                               <p:par>
-                                <p:cTn id="78" presetID="6" presetClass="entr" presetSubtype="16" fill="hold" nodeType="clickEffect">
-                                  <p:stCondLst>
-                                    <p:cond delay="0"/>
-                                  </p:stCondLst>
-                                  <p:childTnLst>
-                                    <p:set>
-                                      <p:cBhvr>
-                                        <p:cTn id="79" dur="1" fill="hold">
-                                          <p:stCondLst>
-                                            <p:cond delay="0"/>
-                                          </p:stCondLst>
-                                        </p:cTn>
-                                        <p:tgtEl>
-                                          <p:spTgt spid="4"/>
-                                        </p:tgtEl>
-                                        <p:attrNameLst>
-                                          <p:attrName>style.visibility</p:attrName>
-                                        </p:attrNameLst>
-                                      </p:cBhvr>
-                                      <p:to>
-                                        <p:strVal val="visible"/>
-                                      </p:to>
-                                    </p:set>
-                                    <p:animEffect transition="in" filter="circle(in)">
-                                      <p:cBhvr>
-                                        <p:cTn id="80" dur="2000"/>
-                                        <p:tgtEl>
-                                          <p:spTgt spid="4"/>
-                                        </p:tgtEl>
-                                      </p:cBhvr>
-                                    </p:animEffect>
-                                  </p:childTnLst>
-                                </p:cTn>
-                              </p:par>
-                              <p:par>
-                                <p:cTn id="81" presetID="6" presetClass="entr" presetSubtype="16" fill="hold" grpId="0" nodeType="withEffect">
+                                <p:cTn id="81" presetID="6" presetClass="entr" presetSubtype="16" fill="hold" nodeType="clickEffect">
                                   <p:stCondLst>
                                     <p:cond delay="0"/>
                                   </p:stCondLst>
@@ -41391,7 +42644,7 @@
                                           </p:stCondLst>
                                         </p:cTn>
                                         <p:tgtEl>
-                                          <p:spTgt spid="57"/>
+                                          <p:spTgt spid="4"/>
                                         </p:tgtEl>
                                         <p:attrNameLst>
                                           <p:attrName>style.visibility</p:attrName>
@@ -41405,7 +42658,7 @@
                                       <p:cBhvr>
                                         <p:cTn id="83" dur="2000"/>
                                         <p:tgtEl>
-                                          <p:spTgt spid="57"/>
+                                          <p:spTgt spid="4"/>
                                         </p:tgtEl>
                                       </p:cBhvr>
                                     </p:animEffect>
@@ -41426,7 +42679,7 @@
                                           </p:stCondLst>
                                         </p:cTn>
                                         <p:tgtEl>
-                                          <p:spTgt spid="60"/>
+                                          <p:spTgt spid="57"/>
                                         </p:tgtEl>
                                         <p:attrNameLst>
                                           <p:attrName>style.visibility</p:attrName>
@@ -41440,46 +42693,28 @@
                                       <p:cBhvr>
                                         <p:cTn id="86" dur="2000"/>
                                         <p:tgtEl>
-                                          <p:spTgt spid="60"/>
+                                          <p:spTgt spid="57"/>
                                         </p:tgtEl>
                                       </p:cBhvr>
                                     </p:animEffect>
                                   </p:childTnLst>
                                 </p:cTn>
                               </p:par>
-                            </p:childTnLst>
-                          </p:cTn>
-                        </p:par>
-                      </p:childTnLst>
-                    </p:cTn>
-                  </p:par>
-                  <p:par>
-                    <p:cTn id="87" fill="hold">
-                      <p:stCondLst>
-                        <p:cond delay="indefinite"/>
-                      </p:stCondLst>
-                      <p:childTnLst>
-                        <p:par>
-                          <p:cTn id="88" fill="hold">
-                            <p:stCondLst>
-                              <p:cond delay="0"/>
-                            </p:stCondLst>
-                            <p:childTnLst>
                               <p:par>
-                                <p:cTn id="89" presetID="6" presetClass="entr" presetSubtype="16" fill="hold" grpId="0" nodeType="clickEffect">
+                                <p:cTn id="87" presetID="6" presetClass="entr" presetSubtype="16" fill="hold" grpId="0" nodeType="withEffect">
                                   <p:stCondLst>
                                     <p:cond delay="0"/>
                                   </p:stCondLst>
                                   <p:childTnLst>
                                     <p:set>
                                       <p:cBhvr>
-                                        <p:cTn id="90" dur="1" fill="hold">
+                                        <p:cTn id="88" dur="1" fill="hold">
                                           <p:stCondLst>
                                             <p:cond delay="0"/>
                                           </p:stCondLst>
                                         </p:cTn>
                                         <p:tgtEl>
-                                          <p:spTgt spid="55"/>
+                                          <p:spTgt spid="60"/>
                                         </p:tgtEl>
                                         <p:attrNameLst>
                                           <p:attrName>style.visibility</p:attrName>
@@ -41491,9 +42726,9 @@
                                     </p:set>
                                     <p:animEffect transition="in" filter="circle(in)">
                                       <p:cBhvr>
-                                        <p:cTn id="91" dur="2000"/>
-                                        <p:tgtEl>
-                                          <p:spTgt spid="55"/>
+                                        <p:cTn id="89" dur="2000"/>
+                                        <p:tgtEl>
+                                          <p:spTgt spid="60"/>
                                         </p:tgtEl>
                                       </p:cBhvr>
                                     </p:animEffect>
@@ -41654,7 +42889,7 @@
           <p:nvPr/>
         </p:nvPicPr>
         <p:blipFill>
-          <a:blip r:embed="rId2">
+          <a:blip r:embed="rId3">
             <a:extLst>
               <a:ext uri="{28A0092B-C50C-407E-A947-70E740481C1C}">
                 <a14:useLocalDpi xmlns:a14="http://schemas.microsoft.com/office/drawing/2010/main" val="0"/>
@@ -41684,7 +42919,7 @@
           <p:nvPr/>
         </p:nvPicPr>
         <p:blipFill>
-          <a:blip r:embed="rId3">
+          <a:blip r:embed="rId4">
             <a:extLst>
               <a:ext uri="{28A0092B-C50C-407E-A947-70E740481C1C}">
                 <a14:useLocalDpi xmlns:a14="http://schemas.microsoft.com/office/drawing/2010/main" val="0"/>
@@ -41904,6 +43139,66 @@
           </a:p>
         </p:txBody>
       </p:sp>
+      <p:pic>
+        <p:nvPicPr>
+          <p:cNvPr id="5" name="Image 4"/>
+          <p:cNvPicPr>
+            <a:picLocks noChangeAspect="1"/>
+          </p:cNvPicPr>
+          <p:nvPr/>
+        </p:nvPicPr>
+        <p:blipFill>
+          <a:blip r:embed="rId5">
+            <a:extLst>
+              <a:ext uri="{28A0092B-C50C-407E-A947-70E740481C1C}">
+                <a14:useLocalDpi xmlns:a14="http://schemas.microsoft.com/office/drawing/2010/main" val="0"/>
+              </a:ext>
+            </a:extLst>
+          </a:blip>
+          <a:stretch>
+            <a:fillRect/>
+          </a:stretch>
+        </p:blipFill>
+        <p:spPr>
+          <a:xfrm>
+            <a:off x="3614391" y="1942892"/>
+            <a:ext cx="4963218" cy="2972215"/>
+          </a:xfrm>
+          <a:prstGeom prst="rect">
+            <a:avLst/>
+          </a:prstGeom>
+        </p:spPr>
+      </p:pic>
+      <p:pic>
+        <p:nvPicPr>
+          <p:cNvPr id="8" name="Image 7"/>
+          <p:cNvPicPr>
+            <a:picLocks noChangeAspect="1"/>
+          </p:cNvPicPr>
+          <p:nvPr/>
+        </p:nvPicPr>
+        <p:blipFill>
+          <a:blip r:embed="rId6">
+            <a:extLst>
+              <a:ext uri="{28A0092B-C50C-407E-A947-70E740481C1C}">
+                <a14:useLocalDpi xmlns:a14="http://schemas.microsoft.com/office/drawing/2010/main" val="0"/>
+              </a:ext>
+            </a:extLst>
+          </a:blip>
+          <a:stretch>
+            <a:fillRect/>
+          </a:stretch>
+        </p:blipFill>
+        <p:spPr>
+          <a:xfrm>
+            <a:off x="1347125" y="475838"/>
+            <a:ext cx="9497750" cy="5906324"/>
+          </a:xfrm>
+          <a:prstGeom prst="rect">
+            <a:avLst/>
+          </a:prstGeom>
+        </p:spPr>
+      </p:pic>
     </p:spTree>
     <p:extLst>
       <p:ext uri="{BB962C8B-B14F-4D97-AF65-F5344CB8AC3E}">
@@ -42294,35 +43589,35 @@
                 <a:gridCol w="1219598">
                   <a:extLst>
                     <a:ext uri="{9D8B030D-6E8A-4147-A177-3AD203B41FA5}">
-                      <a16:colId xmlns:a16="http://schemas.microsoft.com/office/drawing/2014/main" val="20000"/>
+                      <a16:colId xmlns:a16="http://schemas.microsoft.com/office/drawing/2014/main" xmlns="" val="20000"/>
                     </a:ext>
                   </a:extLst>
                 </a:gridCol>
                 <a:gridCol w="1764235">
                   <a:extLst>
                     <a:ext uri="{9D8B030D-6E8A-4147-A177-3AD203B41FA5}">
-                      <a16:colId xmlns:a16="http://schemas.microsoft.com/office/drawing/2014/main" val="20001"/>
+                      <a16:colId xmlns:a16="http://schemas.microsoft.com/office/drawing/2014/main" xmlns="" val="20001"/>
                     </a:ext>
                   </a:extLst>
                 </a:gridCol>
                 <a:gridCol w="2370221">
                   <a:extLst>
                     <a:ext uri="{9D8B030D-6E8A-4147-A177-3AD203B41FA5}">
-                      <a16:colId xmlns:a16="http://schemas.microsoft.com/office/drawing/2014/main" val="20002"/>
+                      <a16:colId xmlns:a16="http://schemas.microsoft.com/office/drawing/2014/main" xmlns="" val="20002"/>
                     </a:ext>
                   </a:extLst>
                 </a:gridCol>
                 <a:gridCol w="1997242">
                   <a:extLst>
                     <a:ext uri="{9D8B030D-6E8A-4147-A177-3AD203B41FA5}">
-                      <a16:colId xmlns:a16="http://schemas.microsoft.com/office/drawing/2014/main" val="20003"/>
+                      <a16:colId xmlns:a16="http://schemas.microsoft.com/office/drawing/2014/main" xmlns="" val="20003"/>
                     </a:ext>
                   </a:extLst>
                 </a:gridCol>
                 <a:gridCol w="3328737">
                   <a:extLst>
                     <a:ext uri="{9D8B030D-6E8A-4147-A177-3AD203B41FA5}">
-                      <a16:colId xmlns:a16="http://schemas.microsoft.com/office/drawing/2014/main" val="20004"/>
+                      <a16:colId xmlns:a16="http://schemas.microsoft.com/office/drawing/2014/main" xmlns="" val="20004"/>
                     </a:ext>
                   </a:extLst>
                 </a:gridCol>
@@ -42396,7 +43691,7 @@
                 </a:tc>
                 <a:extLst>
                   <a:ext uri="{0D108BD9-81ED-4DB2-BD59-A6C34878D82A}">
-                    <a16:rowId xmlns:a16="http://schemas.microsoft.com/office/drawing/2014/main" val="10000"/>
+                    <a16:rowId xmlns:a16="http://schemas.microsoft.com/office/drawing/2014/main" xmlns="" val="10000"/>
                   </a:ext>
                 </a:extLst>
               </a:tr>
@@ -42477,7 +43772,7 @@
                 </a:tc>
                 <a:extLst>
                   <a:ext uri="{0D108BD9-81ED-4DB2-BD59-A6C34878D82A}">
-                    <a16:rowId xmlns:a16="http://schemas.microsoft.com/office/drawing/2014/main" val="10001"/>
+                    <a16:rowId xmlns:a16="http://schemas.microsoft.com/office/drawing/2014/main" xmlns="" val="10001"/>
                   </a:ext>
                 </a:extLst>
               </a:tr>
@@ -42649,7 +43944,7 @@
                 </a:tc>
                 <a:extLst>
                   <a:ext uri="{0D108BD9-81ED-4DB2-BD59-A6C34878D82A}">
-                    <a16:rowId xmlns:a16="http://schemas.microsoft.com/office/drawing/2014/main" val="10002"/>
+                    <a16:rowId xmlns:a16="http://schemas.microsoft.com/office/drawing/2014/main" xmlns="" val="10002"/>
                   </a:ext>
                 </a:extLst>
               </a:tr>
@@ -42969,7 +44264,7 @@
                 </a:tc>
                 <a:extLst>
                   <a:ext uri="{0D108BD9-81ED-4DB2-BD59-A6C34878D82A}">
-                    <a16:rowId xmlns:a16="http://schemas.microsoft.com/office/drawing/2014/main" val="10003"/>
+                    <a16:rowId xmlns:a16="http://schemas.microsoft.com/office/drawing/2014/main" xmlns="" val="10003"/>
                   </a:ext>
                 </a:extLst>
               </a:tr>
@@ -42990,7 +44285,129 @@
   <p:timing>
     <p:tnLst>
       <p:par>
-        <p:cTn id="1" dur="indefinite" restart="never" nodeType="tmRoot"/>
+        <p:cTn id="1" dur="indefinite" restart="never" nodeType="tmRoot">
+          <p:childTnLst>
+            <p:seq concurrent="1" nextAc="seek">
+              <p:cTn id="2" dur="indefinite" nodeType="mainSeq">
+                <p:childTnLst>
+                  <p:par>
+                    <p:cTn id="3" fill="hold">
+                      <p:stCondLst>
+                        <p:cond delay="indefinite"/>
+                      </p:stCondLst>
+                      <p:childTnLst>
+                        <p:par>
+                          <p:cTn id="4" fill="hold">
+                            <p:stCondLst>
+                              <p:cond delay="0"/>
+                            </p:stCondLst>
+                            <p:childTnLst>
+                              <p:par>
+                                <p:cTn id="5" presetID="53" presetClass="entr" presetSubtype="16" fill="hold" nodeType="clickEffect">
+                                  <p:stCondLst>
+                                    <p:cond delay="0"/>
+                                  </p:stCondLst>
+                                  <p:childTnLst>
+                                    <p:set>
+                                      <p:cBhvr>
+                                        <p:cTn id="6" dur="1" fill="hold">
+                                          <p:stCondLst>
+                                            <p:cond delay="0"/>
+                                          </p:stCondLst>
+                                        </p:cTn>
+                                        <p:tgtEl>
+                                          <p:spTgt spid="19"/>
+                                        </p:tgtEl>
+                                        <p:attrNameLst>
+                                          <p:attrName>style.visibility</p:attrName>
+                                        </p:attrNameLst>
+                                      </p:cBhvr>
+                                      <p:to>
+                                        <p:strVal val="visible"/>
+                                      </p:to>
+                                    </p:set>
+                                    <p:anim calcmode="lin" valueType="num">
+                                      <p:cBhvr>
+                                        <p:cTn id="7" dur="500" fill="hold"/>
+                                        <p:tgtEl>
+                                          <p:spTgt spid="19"/>
+                                        </p:tgtEl>
+                                        <p:attrNameLst>
+                                          <p:attrName>ppt_w</p:attrName>
+                                        </p:attrNameLst>
+                                      </p:cBhvr>
+                                      <p:tavLst>
+                                        <p:tav tm="0">
+                                          <p:val>
+                                            <p:fltVal val="0"/>
+                                          </p:val>
+                                        </p:tav>
+                                        <p:tav tm="100000">
+                                          <p:val>
+                                            <p:strVal val="#ppt_w"/>
+                                          </p:val>
+                                        </p:tav>
+                                      </p:tavLst>
+                                    </p:anim>
+                                    <p:anim calcmode="lin" valueType="num">
+                                      <p:cBhvr>
+                                        <p:cTn id="8" dur="500" fill="hold"/>
+                                        <p:tgtEl>
+                                          <p:spTgt spid="19"/>
+                                        </p:tgtEl>
+                                        <p:attrNameLst>
+                                          <p:attrName>ppt_h</p:attrName>
+                                        </p:attrNameLst>
+                                      </p:cBhvr>
+                                      <p:tavLst>
+                                        <p:tav tm="0">
+                                          <p:val>
+                                            <p:fltVal val="0"/>
+                                          </p:val>
+                                        </p:tav>
+                                        <p:tav tm="100000">
+                                          <p:val>
+                                            <p:strVal val="#ppt_h"/>
+                                          </p:val>
+                                        </p:tav>
+                                      </p:tavLst>
+                                    </p:anim>
+                                    <p:animEffect transition="in" filter="fade">
+                                      <p:cBhvr>
+                                        <p:cTn id="9" dur="500"/>
+                                        <p:tgtEl>
+                                          <p:spTgt spid="19"/>
+                                        </p:tgtEl>
+                                      </p:cBhvr>
+                                    </p:animEffect>
+                                  </p:childTnLst>
+                                </p:cTn>
+                              </p:par>
+                            </p:childTnLst>
+                          </p:cTn>
+                        </p:par>
+                      </p:childTnLst>
+                    </p:cTn>
+                  </p:par>
+                </p:childTnLst>
+              </p:cTn>
+              <p:prevCondLst>
+                <p:cond evt="onPrev" delay="0">
+                  <p:tgtEl>
+                    <p:sldTgt/>
+                  </p:tgtEl>
+                </p:cond>
+              </p:prevCondLst>
+              <p:nextCondLst>
+                <p:cond evt="onNext" delay="0">
+                  <p:tgtEl>
+                    <p:sldTgt/>
+                  </p:tgtEl>
+                </p:cond>
+              </p:nextCondLst>
+            </p:seq>
+          </p:childTnLst>
+        </p:cTn>
       </p:par>
     </p:tnLst>
   </p:timing>
@@ -43043,7 +44460,7 @@
           <p:cNvPr id="3" name="TextBox 3">
             <a:extLst>
               <a:ext uri="{FF2B5EF4-FFF2-40B4-BE49-F238E27FC236}">
-                <a16:creationId xmlns:a16="http://schemas.microsoft.com/office/drawing/2014/main" id="{15A4BDA0-C270-4764-9C18-A593BCE2C965}"/>
+                <a16:creationId xmlns:a16="http://schemas.microsoft.com/office/drawing/2014/main" xmlns="" id="{15A4BDA0-C270-4764-9C18-A593BCE2C965}"/>
               </a:ext>
             </a:extLst>
           </p:cNvPr>
@@ -43077,33 +44494,7 @@
                 <a:latin typeface="Candara" panose="020E0502030303020204" pitchFamily="34" charset="0"/>
                 <a:cs typeface="Arial" pitchFamily="34" charset="0"/>
               </a:rPr>
-              <a:t>3. </a:t>
-            </a:r>
-            <a:r>
-              <a:rPr lang="en-US" altLang="ko-KR" sz="3600" b="1" dirty="0" smtClean="0">
-                <a:solidFill>
-                  <a:schemeClr val="tx1">
-                    <a:lumMod val="85000"/>
-                    <a:lumOff val="15000"/>
-                  </a:schemeClr>
-                </a:solidFill>
-                <a:latin typeface="Candara" panose="020E0502030303020204" pitchFamily="34" charset="0"/>
-                <a:cs typeface="Arial" pitchFamily="34" charset="0"/>
-              </a:rPr>
-              <a:t>Les dependences de </a:t>
-            </a:r>
-            <a:r>
-              <a:rPr lang="en-US" altLang="ko-KR" sz="3600" b="1" dirty="0" smtClean="0">
-                <a:solidFill>
-                  <a:schemeClr val="tx1">
-                    <a:lumMod val="85000"/>
-                    <a:lumOff val="15000"/>
-                  </a:schemeClr>
-                </a:solidFill>
-                <a:latin typeface="Candara" panose="020E0502030303020204" pitchFamily="34" charset="0"/>
-                <a:cs typeface="Arial" pitchFamily="34" charset="0"/>
-              </a:rPr>
-              <a:t>projet</a:t>
+              <a:t>3. Les dependences de projet</a:t>
             </a:r>
             <a:endParaRPr lang="ko-KR" altLang="en-US" sz="3600" b="1" dirty="0">
               <a:solidFill>
@@ -43169,11 +44560,7 @@
             </a:r>
             <a:r>
               <a:rPr lang="fr-FR" b="1" dirty="0"/>
-              <a:t>Spring</a:t>
-            </a:r>
-            <a:r>
-              <a:rPr lang="fr-FR" b="1" dirty="0"/>
-              <a:t> Boot Starter Data JPA</a:t>
+              <a:t>Spring Boot Starter Data JPA</a:t>
             </a:r>
             <a:endParaRPr lang="fr-FR" dirty="0"/>
           </a:p>
@@ -43206,15 +44593,7 @@
             </a:r>
             <a:r>
               <a:rPr lang="fr-FR" b="1" dirty="0"/>
-              <a:t>Spring</a:t>
-            </a:r>
-            <a:r>
-              <a:rPr lang="fr-FR" b="1" dirty="0"/>
-              <a:t> Boot Starter </a:t>
-            </a:r>
-            <a:r>
-              <a:rPr lang="fr-FR" b="1" dirty="0"/>
-              <a:t>Thymeleaf</a:t>
+              <a:t>Spring Boot Starter Thymeleaf</a:t>
             </a:r>
             <a:endParaRPr lang="fr-FR" dirty="0"/>
           </a:p>
@@ -43335,11 +44714,7 @@
             </a:r>
             <a:r>
               <a:rPr lang="fr-FR" b="1" dirty="0"/>
-              <a:t>Spring</a:t>
-            </a:r>
-            <a:r>
-              <a:rPr lang="fr-FR" b="1" dirty="0"/>
-              <a:t> Boot Starter Validation</a:t>
+              <a:t>Spring Boot Starter Validation</a:t>
             </a:r>
             <a:endParaRPr lang="fr-FR" dirty="0"/>
           </a:p>
@@ -43372,15 +44747,7 @@
             </a:r>
             <a:r>
               <a:rPr lang="fr-FR" b="1" dirty="0"/>
-              <a:t>Spring</a:t>
-            </a:r>
-            <a:r>
-              <a:rPr lang="fr-FR" b="1" dirty="0"/>
-              <a:t> Boot Starter </a:t>
-            </a:r>
-            <a:r>
-              <a:rPr lang="fr-FR" b="1" dirty="0"/>
-              <a:t>Actuator</a:t>
+              <a:t>Spring Boot Starter Actuator</a:t>
             </a:r>
             <a:endParaRPr lang="fr-FR" dirty="0"/>
           </a:p>
@@ -43413,11 +44780,7 @@
             </a:r>
             <a:r>
               <a:rPr lang="fr-FR" b="1" dirty="0"/>
-              <a:t>Spring</a:t>
-            </a:r>
-            <a:r>
-              <a:rPr lang="fr-FR" b="1" dirty="0"/>
-              <a:t> Boot Starter Web</a:t>
+              <a:t>Spring Boot Starter Web</a:t>
             </a:r>
             <a:endParaRPr lang="fr-FR" dirty="0"/>
           </a:p>
@@ -43450,11 +44813,7 @@
             </a:r>
             <a:r>
               <a:rPr lang="fr-FR" b="1" dirty="0"/>
-              <a:t>Spring</a:t>
-            </a:r>
-            <a:r>
-              <a:rPr lang="fr-FR" b="1" dirty="0"/>
-              <a:t> Boot Starter Mail</a:t>
+              <a:t>Spring Boot Starter Mail</a:t>
             </a:r>
             <a:endParaRPr lang="fr-FR" dirty="0"/>
           </a:p>
@@ -43487,15 +44846,7 @@
             </a:r>
             <a:r>
               <a:rPr lang="fr-FR" b="1" dirty="0"/>
-              <a:t>Spring</a:t>
-            </a:r>
-            <a:r>
-              <a:rPr lang="fr-FR" b="1" dirty="0"/>
-              <a:t> Boot Starter Data </a:t>
-            </a:r>
-            <a:r>
-              <a:rPr lang="fr-FR" b="1" dirty="0"/>
-              <a:t>MongoDB</a:t>
+              <a:t>Spring Boot Starter Data MongoDB</a:t>
             </a:r>
             <a:endParaRPr lang="fr-FR" dirty="0"/>
           </a:p>
@@ -43561,15 +44912,7 @@
             </a:r>
             <a:r>
               <a:rPr lang="fr-FR" b="1" dirty="0"/>
-              <a:t>H2 </a:t>
-            </a:r>
-            <a:r>
-              <a:rPr lang="fr-FR" b="1" dirty="0"/>
-              <a:t>Database</a:t>
-            </a:r>
-            <a:r>
-              <a:rPr lang="fr-FR" b="1" dirty="0"/>
-              <a:t> (pour les tests)</a:t>
+              <a:t>H2 Database (pour les tests)</a:t>
             </a:r>
             <a:endParaRPr lang="fr-FR" dirty="0"/>
           </a:p>
@@ -43607,33 +44950,7 @@
                 <a:latin typeface="Candara" panose="020E0502030303020204" pitchFamily="34" charset="0"/>
                 <a:cs typeface="Arial" pitchFamily="34" charset="0"/>
               </a:rPr>
-              <a:t>A. Pour </a:t>
-            </a:r>
-            <a:r>
-              <a:rPr lang="en-US" altLang="ko-KR" sz="2800" dirty="0" smtClean="0">
-                <a:solidFill>
-                  <a:schemeClr val="tx1">
-                    <a:lumMod val="85000"/>
-                    <a:lumOff val="15000"/>
-                  </a:schemeClr>
-                </a:solidFill>
-                <a:latin typeface="Candara" panose="020E0502030303020204" pitchFamily="34" charset="0"/>
-                <a:cs typeface="Arial" pitchFamily="34" charset="0"/>
-              </a:rPr>
-              <a:t>une</a:t>
-            </a:r>
-            <a:r>
-              <a:rPr lang="en-US" altLang="ko-KR" sz="2800" dirty="0" smtClean="0">
-                <a:solidFill>
-                  <a:schemeClr val="tx1">
-                    <a:lumMod val="85000"/>
-                    <a:lumOff val="15000"/>
-                  </a:schemeClr>
-                </a:solidFill>
-                <a:latin typeface="Candara" panose="020E0502030303020204" pitchFamily="34" charset="0"/>
-                <a:cs typeface="Arial" pitchFamily="34" charset="0"/>
-              </a:rPr>
-              <a:t> </a:t>
+              <a:t>A. Pour une </a:t>
             </a:r>
             <a:r>
               <a:rPr lang="en-US" altLang="ko-KR" sz="2800" dirty="0">
@@ -43671,12 +44988,1061 @@
   <p:clrMapOvr>
     <a:masterClrMapping/>
   </p:clrMapOvr>
+  <mc:AlternateContent xmlns:mc="http://schemas.openxmlformats.org/markup-compatibility/2006">
+    <mc:Choice xmlns:p14="http://schemas.microsoft.com/office/powerpoint/2010/main" Requires="p14">
+      <p:transition spd="slow" p14:dur="1600">
+        <p14:conveyor dir="l"/>
+      </p:transition>
+    </mc:Choice>
+    <mc:Fallback>
+      <p:transition spd="slow">
+        <p:fade/>
+      </p:transition>
+    </mc:Fallback>
+  </mc:AlternateContent>
   <p:timing>
     <p:tnLst>
       <p:par>
-        <p:cTn id="1" dur="indefinite" restart="never" nodeType="tmRoot"/>
+        <p:cTn id="1" dur="indefinite" restart="never" nodeType="tmRoot">
+          <p:childTnLst>
+            <p:seq concurrent="1" nextAc="seek">
+              <p:cTn id="2" dur="indefinite" nodeType="mainSeq">
+                <p:childTnLst>
+                  <p:par>
+                    <p:cTn id="3" fill="hold">
+                      <p:stCondLst>
+                        <p:cond delay="indefinite"/>
+                      </p:stCondLst>
+                      <p:childTnLst>
+                        <p:par>
+                          <p:cTn id="4" fill="hold">
+                            <p:stCondLst>
+                              <p:cond delay="0"/>
+                            </p:stCondLst>
+                            <p:childTnLst>
+                              <p:par>
+                                <p:cTn id="5" presetID="2" presetClass="entr" presetSubtype="4" fill="hold" grpId="0" nodeType="clickEffect">
+                                  <p:stCondLst>
+                                    <p:cond delay="0"/>
+                                  </p:stCondLst>
+                                  <p:childTnLst>
+                                    <p:set>
+                                      <p:cBhvr>
+                                        <p:cTn id="6" dur="1" fill="hold">
+                                          <p:stCondLst>
+                                            <p:cond delay="0"/>
+                                          </p:stCondLst>
+                                        </p:cTn>
+                                        <p:tgtEl>
+                                          <p:spTgt spid="8"/>
+                                        </p:tgtEl>
+                                        <p:attrNameLst>
+                                          <p:attrName>style.visibility</p:attrName>
+                                        </p:attrNameLst>
+                                      </p:cBhvr>
+                                      <p:to>
+                                        <p:strVal val="visible"/>
+                                      </p:to>
+                                    </p:set>
+                                    <p:anim calcmode="lin" valueType="num">
+                                      <p:cBhvr additive="base">
+                                        <p:cTn id="7" dur="500" fill="hold"/>
+                                        <p:tgtEl>
+                                          <p:spTgt spid="8"/>
+                                        </p:tgtEl>
+                                        <p:attrNameLst>
+                                          <p:attrName>ppt_x</p:attrName>
+                                        </p:attrNameLst>
+                                      </p:cBhvr>
+                                      <p:tavLst>
+                                        <p:tav tm="0">
+                                          <p:val>
+                                            <p:strVal val="#ppt_x"/>
+                                          </p:val>
+                                        </p:tav>
+                                        <p:tav tm="100000">
+                                          <p:val>
+                                            <p:strVal val="#ppt_x"/>
+                                          </p:val>
+                                        </p:tav>
+                                      </p:tavLst>
+                                    </p:anim>
+                                    <p:anim calcmode="lin" valueType="num">
+                                      <p:cBhvr additive="base">
+                                        <p:cTn id="8" dur="500" fill="hold"/>
+                                        <p:tgtEl>
+                                          <p:spTgt spid="8"/>
+                                        </p:tgtEl>
+                                        <p:attrNameLst>
+                                          <p:attrName>ppt_y</p:attrName>
+                                        </p:attrNameLst>
+                                      </p:cBhvr>
+                                      <p:tavLst>
+                                        <p:tav tm="0">
+                                          <p:val>
+                                            <p:strVal val="1+#ppt_h/2"/>
+                                          </p:val>
+                                        </p:tav>
+                                        <p:tav tm="100000">
+                                          <p:val>
+                                            <p:strVal val="#ppt_y"/>
+                                          </p:val>
+                                        </p:tav>
+                                      </p:tavLst>
+                                    </p:anim>
+                                  </p:childTnLst>
+                                </p:cTn>
+                              </p:par>
+                            </p:childTnLst>
+                          </p:cTn>
+                        </p:par>
+                      </p:childTnLst>
+                    </p:cTn>
+                  </p:par>
+                  <p:par>
+                    <p:cTn id="9" fill="hold">
+                      <p:stCondLst>
+                        <p:cond delay="indefinite"/>
+                      </p:stCondLst>
+                      <p:childTnLst>
+                        <p:par>
+                          <p:cTn id="10" fill="hold">
+                            <p:stCondLst>
+                              <p:cond delay="0"/>
+                            </p:stCondLst>
+                            <p:childTnLst>
+                              <p:par>
+                                <p:cTn id="11" presetID="2" presetClass="entr" presetSubtype="4" fill="hold" grpId="0" nodeType="clickEffect">
+                                  <p:stCondLst>
+                                    <p:cond delay="0"/>
+                                  </p:stCondLst>
+                                  <p:childTnLst>
+                                    <p:set>
+                                      <p:cBhvr>
+                                        <p:cTn id="12" dur="1" fill="hold">
+                                          <p:stCondLst>
+                                            <p:cond delay="0"/>
+                                          </p:stCondLst>
+                                        </p:cTn>
+                                        <p:tgtEl>
+                                          <p:spTgt spid="11"/>
+                                        </p:tgtEl>
+                                        <p:attrNameLst>
+                                          <p:attrName>style.visibility</p:attrName>
+                                        </p:attrNameLst>
+                                      </p:cBhvr>
+                                      <p:to>
+                                        <p:strVal val="visible"/>
+                                      </p:to>
+                                    </p:set>
+                                    <p:anim calcmode="lin" valueType="num">
+                                      <p:cBhvr additive="base">
+                                        <p:cTn id="13" dur="500" fill="hold"/>
+                                        <p:tgtEl>
+                                          <p:spTgt spid="11"/>
+                                        </p:tgtEl>
+                                        <p:attrNameLst>
+                                          <p:attrName>ppt_x</p:attrName>
+                                        </p:attrNameLst>
+                                      </p:cBhvr>
+                                      <p:tavLst>
+                                        <p:tav tm="0">
+                                          <p:val>
+                                            <p:strVal val="#ppt_x"/>
+                                          </p:val>
+                                        </p:tav>
+                                        <p:tav tm="100000">
+                                          <p:val>
+                                            <p:strVal val="#ppt_x"/>
+                                          </p:val>
+                                        </p:tav>
+                                      </p:tavLst>
+                                    </p:anim>
+                                    <p:anim calcmode="lin" valueType="num">
+                                      <p:cBhvr additive="base">
+                                        <p:cTn id="14" dur="500" fill="hold"/>
+                                        <p:tgtEl>
+                                          <p:spTgt spid="11"/>
+                                        </p:tgtEl>
+                                        <p:attrNameLst>
+                                          <p:attrName>ppt_y</p:attrName>
+                                        </p:attrNameLst>
+                                      </p:cBhvr>
+                                      <p:tavLst>
+                                        <p:tav tm="0">
+                                          <p:val>
+                                            <p:strVal val="1+#ppt_h/2"/>
+                                          </p:val>
+                                        </p:tav>
+                                        <p:tav tm="100000">
+                                          <p:val>
+                                            <p:strVal val="#ppt_y"/>
+                                          </p:val>
+                                        </p:tav>
+                                      </p:tavLst>
+                                    </p:anim>
+                                  </p:childTnLst>
+                                </p:cTn>
+                              </p:par>
+                            </p:childTnLst>
+                          </p:cTn>
+                        </p:par>
+                      </p:childTnLst>
+                    </p:cTn>
+                  </p:par>
+                  <p:par>
+                    <p:cTn id="15" fill="hold">
+                      <p:stCondLst>
+                        <p:cond delay="indefinite"/>
+                      </p:stCondLst>
+                      <p:childTnLst>
+                        <p:par>
+                          <p:cTn id="16" fill="hold">
+                            <p:stCondLst>
+                              <p:cond delay="0"/>
+                            </p:stCondLst>
+                            <p:childTnLst>
+                              <p:par>
+                                <p:cTn id="17" presetID="2" presetClass="entr" presetSubtype="4" fill="hold" grpId="0" nodeType="clickEffect">
+                                  <p:stCondLst>
+                                    <p:cond delay="0"/>
+                                  </p:stCondLst>
+                                  <p:childTnLst>
+                                    <p:set>
+                                      <p:cBhvr>
+                                        <p:cTn id="18" dur="1" fill="hold">
+                                          <p:stCondLst>
+                                            <p:cond delay="0"/>
+                                          </p:stCondLst>
+                                        </p:cTn>
+                                        <p:tgtEl>
+                                          <p:spTgt spid="5"/>
+                                        </p:tgtEl>
+                                        <p:attrNameLst>
+                                          <p:attrName>style.visibility</p:attrName>
+                                        </p:attrNameLst>
+                                      </p:cBhvr>
+                                      <p:to>
+                                        <p:strVal val="visible"/>
+                                      </p:to>
+                                    </p:set>
+                                    <p:anim calcmode="lin" valueType="num">
+                                      <p:cBhvr additive="base">
+                                        <p:cTn id="19" dur="500" fill="hold"/>
+                                        <p:tgtEl>
+                                          <p:spTgt spid="5"/>
+                                        </p:tgtEl>
+                                        <p:attrNameLst>
+                                          <p:attrName>ppt_x</p:attrName>
+                                        </p:attrNameLst>
+                                      </p:cBhvr>
+                                      <p:tavLst>
+                                        <p:tav tm="0">
+                                          <p:val>
+                                            <p:strVal val="#ppt_x"/>
+                                          </p:val>
+                                        </p:tav>
+                                        <p:tav tm="100000">
+                                          <p:val>
+                                            <p:strVal val="#ppt_x"/>
+                                          </p:val>
+                                        </p:tav>
+                                      </p:tavLst>
+                                    </p:anim>
+                                    <p:anim calcmode="lin" valueType="num">
+                                      <p:cBhvr additive="base">
+                                        <p:cTn id="20" dur="500" fill="hold"/>
+                                        <p:tgtEl>
+                                          <p:spTgt spid="5"/>
+                                        </p:tgtEl>
+                                        <p:attrNameLst>
+                                          <p:attrName>ppt_y</p:attrName>
+                                        </p:attrNameLst>
+                                      </p:cBhvr>
+                                      <p:tavLst>
+                                        <p:tav tm="0">
+                                          <p:val>
+                                            <p:strVal val="1+#ppt_h/2"/>
+                                          </p:val>
+                                        </p:tav>
+                                        <p:tav tm="100000">
+                                          <p:val>
+                                            <p:strVal val="#ppt_y"/>
+                                          </p:val>
+                                        </p:tav>
+                                      </p:tavLst>
+                                    </p:anim>
+                                  </p:childTnLst>
+                                </p:cTn>
+                              </p:par>
+                            </p:childTnLst>
+                          </p:cTn>
+                        </p:par>
+                      </p:childTnLst>
+                    </p:cTn>
+                  </p:par>
+                  <p:par>
+                    <p:cTn id="21" fill="hold">
+                      <p:stCondLst>
+                        <p:cond delay="indefinite"/>
+                      </p:stCondLst>
+                      <p:childTnLst>
+                        <p:par>
+                          <p:cTn id="22" fill="hold">
+                            <p:stCondLst>
+                              <p:cond delay="0"/>
+                            </p:stCondLst>
+                            <p:childTnLst>
+                              <p:par>
+                                <p:cTn id="23" presetID="2" presetClass="entr" presetSubtype="4" fill="hold" grpId="0" nodeType="clickEffect">
+                                  <p:stCondLst>
+                                    <p:cond delay="0"/>
+                                  </p:stCondLst>
+                                  <p:childTnLst>
+                                    <p:set>
+                                      <p:cBhvr>
+                                        <p:cTn id="24" dur="1" fill="hold">
+                                          <p:stCondLst>
+                                            <p:cond delay="0"/>
+                                          </p:stCondLst>
+                                        </p:cTn>
+                                        <p:tgtEl>
+                                          <p:spTgt spid="6"/>
+                                        </p:tgtEl>
+                                        <p:attrNameLst>
+                                          <p:attrName>style.visibility</p:attrName>
+                                        </p:attrNameLst>
+                                      </p:cBhvr>
+                                      <p:to>
+                                        <p:strVal val="visible"/>
+                                      </p:to>
+                                    </p:set>
+                                    <p:anim calcmode="lin" valueType="num">
+                                      <p:cBhvr additive="base">
+                                        <p:cTn id="25" dur="500" fill="hold"/>
+                                        <p:tgtEl>
+                                          <p:spTgt spid="6"/>
+                                        </p:tgtEl>
+                                        <p:attrNameLst>
+                                          <p:attrName>ppt_x</p:attrName>
+                                        </p:attrNameLst>
+                                      </p:cBhvr>
+                                      <p:tavLst>
+                                        <p:tav tm="0">
+                                          <p:val>
+                                            <p:strVal val="#ppt_x"/>
+                                          </p:val>
+                                        </p:tav>
+                                        <p:tav tm="100000">
+                                          <p:val>
+                                            <p:strVal val="#ppt_x"/>
+                                          </p:val>
+                                        </p:tav>
+                                      </p:tavLst>
+                                    </p:anim>
+                                    <p:anim calcmode="lin" valueType="num">
+                                      <p:cBhvr additive="base">
+                                        <p:cTn id="26" dur="500" fill="hold"/>
+                                        <p:tgtEl>
+                                          <p:spTgt spid="6"/>
+                                        </p:tgtEl>
+                                        <p:attrNameLst>
+                                          <p:attrName>ppt_y</p:attrName>
+                                        </p:attrNameLst>
+                                      </p:cBhvr>
+                                      <p:tavLst>
+                                        <p:tav tm="0">
+                                          <p:val>
+                                            <p:strVal val="1+#ppt_h/2"/>
+                                          </p:val>
+                                        </p:tav>
+                                        <p:tav tm="100000">
+                                          <p:val>
+                                            <p:strVal val="#ppt_y"/>
+                                          </p:val>
+                                        </p:tav>
+                                      </p:tavLst>
+                                    </p:anim>
+                                  </p:childTnLst>
+                                </p:cTn>
+                              </p:par>
+                            </p:childTnLst>
+                          </p:cTn>
+                        </p:par>
+                      </p:childTnLst>
+                    </p:cTn>
+                  </p:par>
+                  <p:par>
+                    <p:cTn id="27" fill="hold">
+                      <p:stCondLst>
+                        <p:cond delay="indefinite"/>
+                      </p:stCondLst>
+                      <p:childTnLst>
+                        <p:par>
+                          <p:cTn id="28" fill="hold">
+                            <p:stCondLst>
+                              <p:cond delay="0"/>
+                            </p:stCondLst>
+                            <p:childTnLst>
+                              <p:par>
+                                <p:cTn id="29" presetID="2" presetClass="entr" presetSubtype="4" fill="hold" grpId="0" nodeType="clickEffect">
+                                  <p:stCondLst>
+                                    <p:cond delay="0"/>
+                                  </p:stCondLst>
+                                  <p:childTnLst>
+                                    <p:set>
+                                      <p:cBhvr>
+                                        <p:cTn id="30" dur="1" fill="hold">
+                                          <p:stCondLst>
+                                            <p:cond delay="0"/>
+                                          </p:stCondLst>
+                                        </p:cTn>
+                                        <p:tgtEl>
+                                          <p:spTgt spid="7"/>
+                                        </p:tgtEl>
+                                        <p:attrNameLst>
+                                          <p:attrName>style.visibility</p:attrName>
+                                        </p:attrNameLst>
+                                      </p:cBhvr>
+                                      <p:to>
+                                        <p:strVal val="visible"/>
+                                      </p:to>
+                                    </p:set>
+                                    <p:anim calcmode="lin" valueType="num">
+                                      <p:cBhvr additive="base">
+                                        <p:cTn id="31" dur="500" fill="hold"/>
+                                        <p:tgtEl>
+                                          <p:spTgt spid="7"/>
+                                        </p:tgtEl>
+                                        <p:attrNameLst>
+                                          <p:attrName>ppt_x</p:attrName>
+                                        </p:attrNameLst>
+                                      </p:cBhvr>
+                                      <p:tavLst>
+                                        <p:tav tm="0">
+                                          <p:val>
+                                            <p:strVal val="#ppt_x"/>
+                                          </p:val>
+                                        </p:tav>
+                                        <p:tav tm="100000">
+                                          <p:val>
+                                            <p:strVal val="#ppt_x"/>
+                                          </p:val>
+                                        </p:tav>
+                                      </p:tavLst>
+                                    </p:anim>
+                                    <p:anim calcmode="lin" valueType="num">
+                                      <p:cBhvr additive="base">
+                                        <p:cTn id="32" dur="500" fill="hold"/>
+                                        <p:tgtEl>
+                                          <p:spTgt spid="7"/>
+                                        </p:tgtEl>
+                                        <p:attrNameLst>
+                                          <p:attrName>ppt_y</p:attrName>
+                                        </p:attrNameLst>
+                                      </p:cBhvr>
+                                      <p:tavLst>
+                                        <p:tav tm="0">
+                                          <p:val>
+                                            <p:strVal val="1+#ppt_h/2"/>
+                                          </p:val>
+                                        </p:tav>
+                                        <p:tav tm="100000">
+                                          <p:val>
+                                            <p:strVal val="#ppt_y"/>
+                                          </p:val>
+                                        </p:tav>
+                                      </p:tavLst>
+                                    </p:anim>
+                                  </p:childTnLst>
+                                </p:cTn>
+                              </p:par>
+                            </p:childTnLst>
+                          </p:cTn>
+                        </p:par>
+                      </p:childTnLst>
+                    </p:cTn>
+                  </p:par>
+                  <p:par>
+                    <p:cTn id="33" fill="hold">
+                      <p:stCondLst>
+                        <p:cond delay="indefinite"/>
+                      </p:stCondLst>
+                      <p:childTnLst>
+                        <p:par>
+                          <p:cTn id="34" fill="hold">
+                            <p:stCondLst>
+                              <p:cond delay="0"/>
+                            </p:stCondLst>
+                            <p:childTnLst>
+                              <p:par>
+                                <p:cTn id="35" presetID="2" presetClass="entr" presetSubtype="4" fill="hold" grpId="0" nodeType="clickEffect">
+                                  <p:stCondLst>
+                                    <p:cond delay="0"/>
+                                  </p:stCondLst>
+                                  <p:childTnLst>
+                                    <p:set>
+                                      <p:cBhvr>
+                                        <p:cTn id="36" dur="1" fill="hold">
+                                          <p:stCondLst>
+                                            <p:cond delay="0"/>
+                                          </p:stCondLst>
+                                        </p:cTn>
+                                        <p:tgtEl>
+                                          <p:spTgt spid="9"/>
+                                        </p:tgtEl>
+                                        <p:attrNameLst>
+                                          <p:attrName>style.visibility</p:attrName>
+                                        </p:attrNameLst>
+                                      </p:cBhvr>
+                                      <p:to>
+                                        <p:strVal val="visible"/>
+                                      </p:to>
+                                    </p:set>
+                                    <p:anim calcmode="lin" valueType="num">
+                                      <p:cBhvr additive="base">
+                                        <p:cTn id="37" dur="500" fill="hold"/>
+                                        <p:tgtEl>
+                                          <p:spTgt spid="9"/>
+                                        </p:tgtEl>
+                                        <p:attrNameLst>
+                                          <p:attrName>ppt_x</p:attrName>
+                                        </p:attrNameLst>
+                                      </p:cBhvr>
+                                      <p:tavLst>
+                                        <p:tav tm="0">
+                                          <p:val>
+                                            <p:strVal val="#ppt_x"/>
+                                          </p:val>
+                                        </p:tav>
+                                        <p:tav tm="100000">
+                                          <p:val>
+                                            <p:strVal val="#ppt_x"/>
+                                          </p:val>
+                                        </p:tav>
+                                      </p:tavLst>
+                                    </p:anim>
+                                    <p:anim calcmode="lin" valueType="num">
+                                      <p:cBhvr additive="base">
+                                        <p:cTn id="38" dur="500" fill="hold"/>
+                                        <p:tgtEl>
+                                          <p:spTgt spid="9"/>
+                                        </p:tgtEl>
+                                        <p:attrNameLst>
+                                          <p:attrName>ppt_y</p:attrName>
+                                        </p:attrNameLst>
+                                      </p:cBhvr>
+                                      <p:tavLst>
+                                        <p:tav tm="0">
+                                          <p:val>
+                                            <p:strVal val="1+#ppt_h/2"/>
+                                          </p:val>
+                                        </p:tav>
+                                        <p:tav tm="100000">
+                                          <p:val>
+                                            <p:strVal val="#ppt_y"/>
+                                          </p:val>
+                                        </p:tav>
+                                      </p:tavLst>
+                                    </p:anim>
+                                  </p:childTnLst>
+                                </p:cTn>
+                              </p:par>
+                            </p:childTnLst>
+                          </p:cTn>
+                        </p:par>
+                      </p:childTnLst>
+                    </p:cTn>
+                  </p:par>
+                  <p:par>
+                    <p:cTn id="39" fill="hold">
+                      <p:stCondLst>
+                        <p:cond delay="indefinite"/>
+                      </p:stCondLst>
+                      <p:childTnLst>
+                        <p:par>
+                          <p:cTn id="40" fill="hold">
+                            <p:stCondLst>
+                              <p:cond delay="0"/>
+                            </p:stCondLst>
+                            <p:childTnLst>
+                              <p:par>
+                                <p:cTn id="41" presetID="2" presetClass="entr" presetSubtype="4" fill="hold" grpId="0" nodeType="clickEffect">
+                                  <p:stCondLst>
+                                    <p:cond delay="0"/>
+                                  </p:stCondLst>
+                                  <p:childTnLst>
+                                    <p:set>
+                                      <p:cBhvr>
+                                        <p:cTn id="42" dur="1" fill="hold">
+                                          <p:stCondLst>
+                                            <p:cond delay="0"/>
+                                          </p:stCondLst>
+                                        </p:cTn>
+                                        <p:tgtEl>
+                                          <p:spTgt spid="10"/>
+                                        </p:tgtEl>
+                                        <p:attrNameLst>
+                                          <p:attrName>style.visibility</p:attrName>
+                                        </p:attrNameLst>
+                                      </p:cBhvr>
+                                      <p:to>
+                                        <p:strVal val="visible"/>
+                                      </p:to>
+                                    </p:set>
+                                    <p:anim calcmode="lin" valueType="num">
+                                      <p:cBhvr additive="base">
+                                        <p:cTn id="43" dur="500" fill="hold"/>
+                                        <p:tgtEl>
+                                          <p:spTgt spid="10"/>
+                                        </p:tgtEl>
+                                        <p:attrNameLst>
+                                          <p:attrName>ppt_x</p:attrName>
+                                        </p:attrNameLst>
+                                      </p:cBhvr>
+                                      <p:tavLst>
+                                        <p:tav tm="0">
+                                          <p:val>
+                                            <p:strVal val="#ppt_x"/>
+                                          </p:val>
+                                        </p:tav>
+                                        <p:tav tm="100000">
+                                          <p:val>
+                                            <p:strVal val="#ppt_x"/>
+                                          </p:val>
+                                        </p:tav>
+                                      </p:tavLst>
+                                    </p:anim>
+                                    <p:anim calcmode="lin" valueType="num">
+                                      <p:cBhvr additive="base">
+                                        <p:cTn id="44" dur="500" fill="hold"/>
+                                        <p:tgtEl>
+                                          <p:spTgt spid="10"/>
+                                        </p:tgtEl>
+                                        <p:attrNameLst>
+                                          <p:attrName>ppt_y</p:attrName>
+                                        </p:attrNameLst>
+                                      </p:cBhvr>
+                                      <p:tavLst>
+                                        <p:tav tm="0">
+                                          <p:val>
+                                            <p:strVal val="1+#ppt_h/2"/>
+                                          </p:val>
+                                        </p:tav>
+                                        <p:tav tm="100000">
+                                          <p:val>
+                                            <p:strVal val="#ppt_y"/>
+                                          </p:val>
+                                        </p:tav>
+                                      </p:tavLst>
+                                    </p:anim>
+                                  </p:childTnLst>
+                                </p:cTn>
+                              </p:par>
+                            </p:childTnLst>
+                          </p:cTn>
+                        </p:par>
+                      </p:childTnLst>
+                    </p:cTn>
+                  </p:par>
+                  <p:par>
+                    <p:cTn id="45" fill="hold">
+                      <p:stCondLst>
+                        <p:cond delay="indefinite"/>
+                      </p:stCondLst>
+                      <p:childTnLst>
+                        <p:par>
+                          <p:cTn id="46" fill="hold">
+                            <p:stCondLst>
+                              <p:cond delay="0"/>
+                            </p:stCondLst>
+                            <p:childTnLst>
+                              <p:par>
+                                <p:cTn id="47" presetID="2" presetClass="entr" presetSubtype="4" fill="hold" grpId="0" nodeType="clickEffect">
+                                  <p:stCondLst>
+                                    <p:cond delay="0"/>
+                                  </p:stCondLst>
+                                  <p:childTnLst>
+                                    <p:set>
+                                      <p:cBhvr>
+                                        <p:cTn id="48" dur="1" fill="hold">
+                                          <p:stCondLst>
+                                            <p:cond delay="0"/>
+                                          </p:stCondLst>
+                                        </p:cTn>
+                                        <p:tgtEl>
+                                          <p:spTgt spid="12"/>
+                                        </p:tgtEl>
+                                        <p:attrNameLst>
+                                          <p:attrName>style.visibility</p:attrName>
+                                        </p:attrNameLst>
+                                      </p:cBhvr>
+                                      <p:to>
+                                        <p:strVal val="visible"/>
+                                      </p:to>
+                                    </p:set>
+                                    <p:anim calcmode="lin" valueType="num">
+                                      <p:cBhvr additive="base">
+                                        <p:cTn id="49" dur="500" fill="hold"/>
+                                        <p:tgtEl>
+                                          <p:spTgt spid="12"/>
+                                        </p:tgtEl>
+                                        <p:attrNameLst>
+                                          <p:attrName>ppt_x</p:attrName>
+                                        </p:attrNameLst>
+                                      </p:cBhvr>
+                                      <p:tavLst>
+                                        <p:tav tm="0">
+                                          <p:val>
+                                            <p:strVal val="#ppt_x"/>
+                                          </p:val>
+                                        </p:tav>
+                                        <p:tav tm="100000">
+                                          <p:val>
+                                            <p:strVal val="#ppt_x"/>
+                                          </p:val>
+                                        </p:tav>
+                                      </p:tavLst>
+                                    </p:anim>
+                                    <p:anim calcmode="lin" valueType="num">
+                                      <p:cBhvr additive="base">
+                                        <p:cTn id="50" dur="500" fill="hold"/>
+                                        <p:tgtEl>
+                                          <p:spTgt spid="12"/>
+                                        </p:tgtEl>
+                                        <p:attrNameLst>
+                                          <p:attrName>ppt_y</p:attrName>
+                                        </p:attrNameLst>
+                                      </p:cBhvr>
+                                      <p:tavLst>
+                                        <p:tav tm="0">
+                                          <p:val>
+                                            <p:strVal val="1+#ppt_h/2"/>
+                                          </p:val>
+                                        </p:tav>
+                                        <p:tav tm="100000">
+                                          <p:val>
+                                            <p:strVal val="#ppt_y"/>
+                                          </p:val>
+                                        </p:tav>
+                                      </p:tavLst>
+                                    </p:anim>
+                                  </p:childTnLst>
+                                </p:cTn>
+                              </p:par>
+                            </p:childTnLst>
+                          </p:cTn>
+                        </p:par>
+                      </p:childTnLst>
+                    </p:cTn>
+                  </p:par>
+                  <p:par>
+                    <p:cTn id="51" fill="hold">
+                      <p:stCondLst>
+                        <p:cond delay="indefinite"/>
+                      </p:stCondLst>
+                      <p:childTnLst>
+                        <p:par>
+                          <p:cTn id="52" fill="hold">
+                            <p:stCondLst>
+                              <p:cond delay="0"/>
+                            </p:stCondLst>
+                            <p:childTnLst>
+                              <p:par>
+                                <p:cTn id="53" presetID="2" presetClass="entr" presetSubtype="4" fill="hold" grpId="0" nodeType="clickEffect">
+                                  <p:stCondLst>
+                                    <p:cond delay="0"/>
+                                  </p:stCondLst>
+                                  <p:childTnLst>
+                                    <p:set>
+                                      <p:cBhvr>
+                                        <p:cTn id="54" dur="1" fill="hold">
+                                          <p:stCondLst>
+                                            <p:cond delay="0"/>
+                                          </p:stCondLst>
+                                        </p:cTn>
+                                        <p:tgtEl>
+                                          <p:spTgt spid="13"/>
+                                        </p:tgtEl>
+                                        <p:attrNameLst>
+                                          <p:attrName>style.visibility</p:attrName>
+                                        </p:attrNameLst>
+                                      </p:cBhvr>
+                                      <p:to>
+                                        <p:strVal val="visible"/>
+                                      </p:to>
+                                    </p:set>
+                                    <p:anim calcmode="lin" valueType="num">
+                                      <p:cBhvr additive="base">
+                                        <p:cTn id="55" dur="500" fill="hold"/>
+                                        <p:tgtEl>
+                                          <p:spTgt spid="13"/>
+                                        </p:tgtEl>
+                                        <p:attrNameLst>
+                                          <p:attrName>ppt_x</p:attrName>
+                                        </p:attrNameLst>
+                                      </p:cBhvr>
+                                      <p:tavLst>
+                                        <p:tav tm="0">
+                                          <p:val>
+                                            <p:strVal val="#ppt_x"/>
+                                          </p:val>
+                                        </p:tav>
+                                        <p:tav tm="100000">
+                                          <p:val>
+                                            <p:strVal val="#ppt_x"/>
+                                          </p:val>
+                                        </p:tav>
+                                      </p:tavLst>
+                                    </p:anim>
+                                    <p:anim calcmode="lin" valueType="num">
+                                      <p:cBhvr additive="base">
+                                        <p:cTn id="56" dur="500" fill="hold"/>
+                                        <p:tgtEl>
+                                          <p:spTgt spid="13"/>
+                                        </p:tgtEl>
+                                        <p:attrNameLst>
+                                          <p:attrName>ppt_y</p:attrName>
+                                        </p:attrNameLst>
+                                      </p:cBhvr>
+                                      <p:tavLst>
+                                        <p:tav tm="0">
+                                          <p:val>
+                                            <p:strVal val="1+#ppt_h/2"/>
+                                          </p:val>
+                                        </p:tav>
+                                        <p:tav tm="100000">
+                                          <p:val>
+                                            <p:strVal val="#ppt_y"/>
+                                          </p:val>
+                                        </p:tav>
+                                      </p:tavLst>
+                                    </p:anim>
+                                  </p:childTnLst>
+                                </p:cTn>
+                              </p:par>
+                            </p:childTnLst>
+                          </p:cTn>
+                        </p:par>
+                      </p:childTnLst>
+                    </p:cTn>
+                  </p:par>
+                  <p:par>
+                    <p:cTn id="57" fill="hold">
+                      <p:stCondLst>
+                        <p:cond delay="indefinite"/>
+                      </p:stCondLst>
+                      <p:childTnLst>
+                        <p:par>
+                          <p:cTn id="58" fill="hold">
+                            <p:stCondLst>
+                              <p:cond delay="0"/>
+                            </p:stCondLst>
+                            <p:childTnLst>
+                              <p:par>
+                                <p:cTn id="59" presetID="2" presetClass="entr" presetSubtype="4" fill="hold" grpId="0" nodeType="clickEffect">
+                                  <p:stCondLst>
+                                    <p:cond delay="0"/>
+                                  </p:stCondLst>
+                                  <p:childTnLst>
+                                    <p:set>
+                                      <p:cBhvr>
+                                        <p:cTn id="60" dur="1" fill="hold">
+                                          <p:stCondLst>
+                                            <p:cond delay="0"/>
+                                          </p:stCondLst>
+                                        </p:cTn>
+                                        <p:tgtEl>
+                                          <p:spTgt spid="14"/>
+                                        </p:tgtEl>
+                                        <p:attrNameLst>
+                                          <p:attrName>style.visibility</p:attrName>
+                                        </p:attrNameLst>
+                                      </p:cBhvr>
+                                      <p:to>
+                                        <p:strVal val="visible"/>
+                                      </p:to>
+                                    </p:set>
+                                    <p:anim calcmode="lin" valueType="num">
+                                      <p:cBhvr additive="base">
+                                        <p:cTn id="61" dur="500" fill="hold"/>
+                                        <p:tgtEl>
+                                          <p:spTgt spid="14"/>
+                                        </p:tgtEl>
+                                        <p:attrNameLst>
+                                          <p:attrName>ppt_x</p:attrName>
+                                        </p:attrNameLst>
+                                      </p:cBhvr>
+                                      <p:tavLst>
+                                        <p:tav tm="0">
+                                          <p:val>
+                                            <p:strVal val="#ppt_x"/>
+                                          </p:val>
+                                        </p:tav>
+                                        <p:tav tm="100000">
+                                          <p:val>
+                                            <p:strVal val="#ppt_x"/>
+                                          </p:val>
+                                        </p:tav>
+                                      </p:tavLst>
+                                    </p:anim>
+                                    <p:anim calcmode="lin" valueType="num">
+                                      <p:cBhvr additive="base">
+                                        <p:cTn id="62" dur="500" fill="hold"/>
+                                        <p:tgtEl>
+                                          <p:spTgt spid="14"/>
+                                        </p:tgtEl>
+                                        <p:attrNameLst>
+                                          <p:attrName>ppt_y</p:attrName>
+                                        </p:attrNameLst>
+                                      </p:cBhvr>
+                                      <p:tavLst>
+                                        <p:tav tm="0">
+                                          <p:val>
+                                            <p:strVal val="1+#ppt_h/2"/>
+                                          </p:val>
+                                        </p:tav>
+                                        <p:tav tm="100000">
+                                          <p:val>
+                                            <p:strVal val="#ppt_y"/>
+                                          </p:val>
+                                        </p:tav>
+                                      </p:tavLst>
+                                    </p:anim>
+                                  </p:childTnLst>
+                                </p:cTn>
+                              </p:par>
+                            </p:childTnLst>
+                          </p:cTn>
+                        </p:par>
+                      </p:childTnLst>
+                    </p:cTn>
+                  </p:par>
+                  <p:par>
+                    <p:cTn id="63" fill="hold">
+                      <p:stCondLst>
+                        <p:cond delay="indefinite"/>
+                      </p:stCondLst>
+                      <p:childTnLst>
+                        <p:par>
+                          <p:cTn id="64" fill="hold">
+                            <p:stCondLst>
+                              <p:cond delay="0"/>
+                            </p:stCondLst>
+                            <p:childTnLst>
+                              <p:par>
+                                <p:cTn id="65" presetID="2" presetClass="entr" presetSubtype="4" fill="hold" grpId="0" nodeType="clickEffect">
+                                  <p:stCondLst>
+                                    <p:cond delay="0"/>
+                                  </p:stCondLst>
+                                  <p:childTnLst>
+                                    <p:set>
+                                      <p:cBhvr>
+                                        <p:cTn id="66" dur="1" fill="hold">
+                                          <p:stCondLst>
+                                            <p:cond delay="0"/>
+                                          </p:stCondLst>
+                                        </p:cTn>
+                                        <p:tgtEl>
+                                          <p:spTgt spid="15"/>
+                                        </p:tgtEl>
+                                        <p:attrNameLst>
+                                          <p:attrName>style.visibility</p:attrName>
+                                        </p:attrNameLst>
+                                      </p:cBhvr>
+                                      <p:to>
+                                        <p:strVal val="visible"/>
+                                      </p:to>
+                                    </p:set>
+                                    <p:anim calcmode="lin" valueType="num">
+                                      <p:cBhvr additive="base">
+                                        <p:cTn id="67" dur="500" fill="hold"/>
+                                        <p:tgtEl>
+                                          <p:spTgt spid="15"/>
+                                        </p:tgtEl>
+                                        <p:attrNameLst>
+                                          <p:attrName>ppt_x</p:attrName>
+                                        </p:attrNameLst>
+                                      </p:cBhvr>
+                                      <p:tavLst>
+                                        <p:tav tm="0">
+                                          <p:val>
+                                            <p:strVal val="#ppt_x"/>
+                                          </p:val>
+                                        </p:tav>
+                                        <p:tav tm="100000">
+                                          <p:val>
+                                            <p:strVal val="#ppt_x"/>
+                                          </p:val>
+                                        </p:tav>
+                                      </p:tavLst>
+                                    </p:anim>
+                                    <p:anim calcmode="lin" valueType="num">
+                                      <p:cBhvr additive="base">
+                                        <p:cTn id="68" dur="500" fill="hold"/>
+                                        <p:tgtEl>
+                                          <p:spTgt spid="15"/>
+                                        </p:tgtEl>
+                                        <p:attrNameLst>
+                                          <p:attrName>ppt_y</p:attrName>
+                                        </p:attrNameLst>
+                                      </p:cBhvr>
+                                      <p:tavLst>
+                                        <p:tav tm="0">
+                                          <p:val>
+                                            <p:strVal val="1+#ppt_h/2"/>
+                                          </p:val>
+                                        </p:tav>
+                                        <p:tav tm="100000">
+                                          <p:val>
+                                            <p:strVal val="#ppt_y"/>
+                                          </p:val>
+                                        </p:tav>
+                                      </p:tavLst>
+                                    </p:anim>
+                                  </p:childTnLst>
+                                </p:cTn>
+                              </p:par>
+                            </p:childTnLst>
+                          </p:cTn>
+                        </p:par>
+                      </p:childTnLst>
+                    </p:cTn>
+                  </p:par>
+                </p:childTnLst>
+              </p:cTn>
+              <p:prevCondLst>
+                <p:cond evt="onPrev" delay="0">
+                  <p:tgtEl>
+                    <p:sldTgt/>
+                  </p:tgtEl>
+                </p:cond>
+              </p:prevCondLst>
+              <p:nextCondLst>
+                <p:cond evt="onNext" delay="0">
+                  <p:tgtEl>
+                    <p:sldTgt/>
+                  </p:tgtEl>
+                </p:cond>
+              </p:nextCondLst>
+            </p:seq>
+          </p:childTnLst>
+        </p:cTn>
       </p:par>
     </p:tnLst>
+    <p:bldLst>
+      <p:bldP spid="5" grpId="0"/>
+      <p:bldP spid="6" grpId="0"/>
+      <p:bldP spid="7" grpId="0"/>
+      <p:bldP spid="9" grpId="0"/>
+      <p:bldP spid="10" grpId="0"/>
+      <p:bldP spid="11" grpId="0"/>
+      <p:bldP spid="12" grpId="0"/>
+      <p:bldP spid="13" grpId="0"/>
+      <p:bldP spid="14" grpId="0"/>
+      <p:bldP spid="15" grpId="0"/>
+      <p:bldP spid="8" grpId="0"/>
+    </p:bldLst>
   </p:timing>
 </p:sld>
 </file>
@@ -43897,11 +46263,7 @@
             </a:r>
             <a:r>
               <a:rPr lang="fr-FR" b="1" dirty="0"/>
-              <a:t>Spring</a:t>
-            </a:r>
-            <a:r>
-              <a:rPr lang="fr-FR" b="1" dirty="0"/>
-              <a:t> Boot Starter Web</a:t>
+              <a:t>Spring Boot Starter Web</a:t>
             </a:r>
             <a:endParaRPr lang="fr-FR" dirty="0"/>
           </a:p>
@@ -43980,11 +46342,7 @@
             </a:r>
             <a:r>
               <a:rPr lang="fr-FR" b="1" dirty="0"/>
-              <a:t>Spring</a:t>
-            </a:r>
-            <a:r>
-              <a:rPr lang="fr-FR" b="1" dirty="0"/>
-              <a:t> Boot Starter Data JPA</a:t>
+              <a:t>Spring Boot Starter Data JPA</a:t>
             </a:r>
             <a:endParaRPr kumimoji="0" lang="fr-FR" altLang="fr-FR" sz="1800" b="0" i="0" u="none" strike="noStrike" cap="none" normalizeH="0" baseline="0" dirty="0" smtClean="0">
               <a:ln>
@@ -44026,11 +46384,7 @@
             </a:r>
             <a:r>
               <a:rPr lang="fr-FR" b="1" dirty="0"/>
-              <a:t>Spring</a:t>
-            </a:r>
-            <a:r>
-              <a:rPr lang="fr-FR" b="1" dirty="0"/>
-              <a:t> Boot Starter Validation</a:t>
+              <a:t>Spring Boot Starter Validation</a:t>
             </a:r>
             <a:endParaRPr lang="fr-FR" dirty="0"/>
           </a:p>
@@ -44197,15 +46551,7 @@
             </a:r>
             <a:r>
               <a:rPr lang="fr-FR" b="1" dirty="0"/>
-              <a:t>Spring</a:t>
-            </a:r>
-            <a:r>
-              <a:rPr lang="fr-FR" b="1" dirty="0"/>
-              <a:t> Boot Starter </a:t>
-            </a:r>
-            <a:r>
-              <a:rPr lang="fr-FR" b="1" dirty="0"/>
-              <a:t>Actuator</a:t>
+              <a:t>Spring Boot Starter Actuator</a:t>
             </a:r>
             <a:endParaRPr kumimoji="0" lang="fr-FR" altLang="fr-FR" sz="1600" b="0" i="0" u="none" strike="noStrike" cap="none" normalizeH="0" baseline="0" dirty="0" smtClean="0">
               <a:ln>
@@ -44280,11 +46626,7 @@
             </a:r>
             <a:r>
               <a:rPr lang="fr-FR" b="1" dirty="0"/>
-              <a:t>H2 </a:t>
-            </a:r>
-            <a:r>
-              <a:rPr lang="fr-FR" b="1" dirty="0"/>
-              <a:t>Database</a:t>
+              <a:t>H2 Database</a:t>
             </a:r>
             <a:endParaRPr lang="fr-FR" dirty="0"/>
           </a:p>
@@ -44317,15 +46659,7 @@
             </a:r>
             <a:r>
               <a:rPr lang="fr-FR" b="1" dirty="0"/>
-              <a:t>Spring</a:t>
-            </a:r>
-            <a:r>
-              <a:rPr lang="fr-FR" b="1" dirty="0"/>
-              <a:t> Boot Starter </a:t>
-            </a:r>
-            <a:r>
-              <a:rPr lang="fr-FR" b="1" dirty="0"/>
-              <a:t>Webflux</a:t>
+              <a:t>Spring Boot Starter Webflux</a:t>
             </a:r>
             <a:endParaRPr lang="fr-FR" dirty="0"/>
           </a:p>
@@ -44358,15 +46692,7 @@
             </a:r>
             <a:r>
               <a:rPr lang="fr-FR" b="1" dirty="0"/>
-              <a:t>Spring</a:t>
-            </a:r>
-            <a:r>
-              <a:rPr lang="fr-FR" b="1" dirty="0"/>
-              <a:t> Data </a:t>
-            </a:r>
-            <a:r>
-              <a:rPr lang="fr-FR" b="1" dirty="0"/>
-              <a:t>MongoDB</a:t>
+              <a:t>Spring Data MongoDB</a:t>
             </a:r>
             <a:endParaRPr lang="fr-FR" dirty="0"/>
           </a:p>
@@ -44404,33 +46730,7 @@
                 <a:latin typeface="Candara" panose="020E0502030303020204" pitchFamily="34" charset="0"/>
                 <a:cs typeface="Arial" pitchFamily="34" charset="0"/>
               </a:rPr>
-              <a:t>A. Pour </a:t>
-            </a:r>
-            <a:r>
-              <a:rPr lang="en-US" altLang="ko-KR" sz="2800" dirty="0" smtClean="0">
-                <a:solidFill>
-                  <a:schemeClr val="tx1">
-                    <a:lumMod val="85000"/>
-                    <a:lumOff val="15000"/>
-                  </a:schemeClr>
-                </a:solidFill>
-                <a:latin typeface="Candara" panose="020E0502030303020204" pitchFamily="34" charset="0"/>
-                <a:cs typeface="Arial" pitchFamily="34" charset="0"/>
-              </a:rPr>
-              <a:t>une</a:t>
-            </a:r>
-            <a:r>
-              <a:rPr lang="en-US" altLang="ko-KR" sz="2800" dirty="0" smtClean="0">
-                <a:solidFill>
-                  <a:schemeClr val="tx1">
-                    <a:lumMod val="85000"/>
-                    <a:lumOff val="15000"/>
-                  </a:schemeClr>
-                </a:solidFill>
-                <a:latin typeface="Candara" panose="020E0502030303020204" pitchFamily="34" charset="0"/>
-                <a:cs typeface="Arial" pitchFamily="34" charset="0"/>
-              </a:rPr>
-              <a:t> </a:t>
+              <a:t>A. Pour une </a:t>
             </a:r>
             <a:r>
               <a:rPr lang="en-US" altLang="ko-KR" sz="2800" dirty="0">
@@ -44483,9 +46783,1141 @@
   <p:timing>
     <p:tnLst>
       <p:par>
-        <p:cTn id="1" dur="indefinite" restart="never" nodeType="tmRoot"/>
+        <p:cTn id="1" dur="indefinite" restart="never" nodeType="tmRoot">
+          <p:childTnLst>
+            <p:seq concurrent="1" nextAc="seek">
+              <p:cTn id="2" dur="indefinite" nodeType="mainSeq">
+                <p:childTnLst>
+                  <p:par>
+                    <p:cTn id="3" fill="hold">
+                      <p:stCondLst>
+                        <p:cond delay="indefinite"/>
+                      </p:stCondLst>
+                      <p:childTnLst>
+                        <p:par>
+                          <p:cTn id="4" fill="hold">
+                            <p:stCondLst>
+                              <p:cond delay="0"/>
+                            </p:stCondLst>
+                            <p:childTnLst>
+                              <p:par>
+                                <p:cTn id="5" presetID="31" presetClass="entr" presetSubtype="0" fill="hold" grpId="0" nodeType="clickEffect">
+                                  <p:stCondLst>
+                                    <p:cond delay="0"/>
+                                  </p:stCondLst>
+                                  <p:childTnLst>
+                                    <p:set>
+                                      <p:cBhvr>
+                                        <p:cTn id="6" dur="1" fill="hold">
+                                          <p:stCondLst>
+                                            <p:cond delay="0"/>
+                                          </p:stCondLst>
+                                        </p:cTn>
+                                        <p:tgtEl>
+                                          <p:spTgt spid="6"/>
+                                        </p:tgtEl>
+                                        <p:attrNameLst>
+                                          <p:attrName>style.visibility</p:attrName>
+                                        </p:attrNameLst>
+                                      </p:cBhvr>
+                                      <p:to>
+                                        <p:strVal val="visible"/>
+                                      </p:to>
+                                    </p:set>
+                                    <p:anim calcmode="lin" valueType="num">
+                                      <p:cBhvr>
+                                        <p:cTn id="7" dur="1000" fill="hold"/>
+                                        <p:tgtEl>
+                                          <p:spTgt spid="6"/>
+                                        </p:tgtEl>
+                                        <p:attrNameLst>
+                                          <p:attrName>ppt_w</p:attrName>
+                                        </p:attrNameLst>
+                                      </p:cBhvr>
+                                      <p:tavLst>
+                                        <p:tav tm="0">
+                                          <p:val>
+                                            <p:fltVal val="0"/>
+                                          </p:val>
+                                        </p:tav>
+                                        <p:tav tm="100000">
+                                          <p:val>
+                                            <p:strVal val="#ppt_w"/>
+                                          </p:val>
+                                        </p:tav>
+                                      </p:tavLst>
+                                    </p:anim>
+                                    <p:anim calcmode="lin" valueType="num">
+                                      <p:cBhvr>
+                                        <p:cTn id="8" dur="1000" fill="hold"/>
+                                        <p:tgtEl>
+                                          <p:spTgt spid="6"/>
+                                        </p:tgtEl>
+                                        <p:attrNameLst>
+                                          <p:attrName>ppt_h</p:attrName>
+                                        </p:attrNameLst>
+                                      </p:cBhvr>
+                                      <p:tavLst>
+                                        <p:tav tm="0">
+                                          <p:val>
+                                            <p:fltVal val="0"/>
+                                          </p:val>
+                                        </p:tav>
+                                        <p:tav tm="100000">
+                                          <p:val>
+                                            <p:strVal val="#ppt_h"/>
+                                          </p:val>
+                                        </p:tav>
+                                      </p:tavLst>
+                                    </p:anim>
+                                    <p:anim calcmode="lin" valueType="num">
+                                      <p:cBhvr>
+                                        <p:cTn id="9" dur="1000" fill="hold"/>
+                                        <p:tgtEl>
+                                          <p:spTgt spid="6"/>
+                                        </p:tgtEl>
+                                        <p:attrNameLst>
+                                          <p:attrName>style.rotation</p:attrName>
+                                        </p:attrNameLst>
+                                      </p:cBhvr>
+                                      <p:tavLst>
+                                        <p:tav tm="0">
+                                          <p:val>
+                                            <p:fltVal val="90"/>
+                                          </p:val>
+                                        </p:tav>
+                                        <p:tav tm="100000">
+                                          <p:val>
+                                            <p:fltVal val="0"/>
+                                          </p:val>
+                                        </p:tav>
+                                      </p:tavLst>
+                                    </p:anim>
+                                    <p:animEffect transition="in" filter="fade">
+                                      <p:cBhvr>
+                                        <p:cTn id="10" dur="1000"/>
+                                        <p:tgtEl>
+                                          <p:spTgt spid="6"/>
+                                        </p:tgtEl>
+                                      </p:cBhvr>
+                                    </p:animEffect>
+                                  </p:childTnLst>
+                                </p:cTn>
+                              </p:par>
+                            </p:childTnLst>
+                          </p:cTn>
+                        </p:par>
+                      </p:childTnLst>
+                    </p:cTn>
+                  </p:par>
+                  <p:par>
+                    <p:cTn id="11" fill="hold">
+                      <p:stCondLst>
+                        <p:cond delay="indefinite"/>
+                      </p:stCondLst>
+                      <p:childTnLst>
+                        <p:par>
+                          <p:cTn id="12" fill="hold">
+                            <p:stCondLst>
+                              <p:cond delay="0"/>
+                            </p:stCondLst>
+                            <p:childTnLst>
+                              <p:par>
+                                <p:cTn id="13" presetID="31" presetClass="entr" presetSubtype="0" fill="hold" grpId="0" nodeType="clickEffect">
+                                  <p:stCondLst>
+                                    <p:cond delay="0"/>
+                                  </p:stCondLst>
+                                  <p:childTnLst>
+                                    <p:set>
+                                      <p:cBhvr>
+                                        <p:cTn id="14" dur="1" fill="hold">
+                                          <p:stCondLst>
+                                            <p:cond delay="0"/>
+                                          </p:stCondLst>
+                                        </p:cTn>
+                                        <p:tgtEl>
+                                          <p:spTgt spid="7"/>
+                                        </p:tgtEl>
+                                        <p:attrNameLst>
+                                          <p:attrName>style.visibility</p:attrName>
+                                        </p:attrNameLst>
+                                      </p:cBhvr>
+                                      <p:to>
+                                        <p:strVal val="visible"/>
+                                      </p:to>
+                                    </p:set>
+                                    <p:anim calcmode="lin" valueType="num">
+                                      <p:cBhvr>
+                                        <p:cTn id="15" dur="1000" fill="hold"/>
+                                        <p:tgtEl>
+                                          <p:spTgt spid="7"/>
+                                        </p:tgtEl>
+                                        <p:attrNameLst>
+                                          <p:attrName>ppt_w</p:attrName>
+                                        </p:attrNameLst>
+                                      </p:cBhvr>
+                                      <p:tavLst>
+                                        <p:tav tm="0">
+                                          <p:val>
+                                            <p:fltVal val="0"/>
+                                          </p:val>
+                                        </p:tav>
+                                        <p:tav tm="100000">
+                                          <p:val>
+                                            <p:strVal val="#ppt_w"/>
+                                          </p:val>
+                                        </p:tav>
+                                      </p:tavLst>
+                                    </p:anim>
+                                    <p:anim calcmode="lin" valueType="num">
+                                      <p:cBhvr>
+                                        <p:cTn id="16" dur="1000" fill="hold"/>
+                                        <p:tgtEl>
+                                          <p:spTgt spid="7"/>
+                                        </p:tgtEl>
+                                        <p:attrNameLst>
+                                          <p:attrName>ppt_h</p:attrName>
+                                        </p:attrNameLst>
+                                      </p:cBhvr>
+                                      <p:tavLst>
+                                        <p:tav tm="0">
+                                          <p:val>
+                                            <p:fltVal val="0"/>
+                                          </p:val>
+                                        </p:tav>
+                                        <p:tav tm="100000">
+                                          <p:val>
+                                            <p:strVal val="#ppt_h"/>
+                                          </p:val>
+                                        </p:tav>
+                                      </p:tavLst>
+                                    </p:anim>
+                                    <p:anim calcmode="lin" valueType="num">
+                                      <p:cBhvr>
+                                        <p:cTn id="17" dur="1000" fill="hold"/>
+                                        <p:tgtEl>
+                                          <p:spTgt spid="7"/>
+                                        </p:tgtEl>
+                                        <p:attrNameLst>
+                                          <p:attrName>style.rotation</p:attrName>
+                                        </p:attrNameLst>
+                                      </p:cBhvr>
+                                      <p:tavLst>
+                                        <p:tav tm="0">
+                                          <p:val>
+                                            <p:fltVal val="90"/>
+                                          </p:val>
+                                        </p:tav>
+                                        <p:tav tm="100000">
+                                          <p:val>
+                                            <p:fltVal val="0"/>
+                                          </p:val>
+                                        </p:tav>
+                                      </p:tavLst>
+                                    </p:anim>
+                                    <p:animEffect transition="in" filter="fade">
+                                      <p:cBhvr>
+                                        <p:cTn id="18" dur="1000"/>
+                                        <p:tgtEl>
+                                          <p:spTgt spid="7"/>
+                                        </p:tgtEl>
+                                      </p:cBhvr>
+                                    </p:animEffect>
+                                  </p:childTnLst>
+                                </p:cTn>
+                              </p:par>
+                            </p:childTnLst>
+                          </p:cTn>
+                        </p:par>
+                      </p:childTnLst>
+                    </p:cTn>
+                  </p:par>
+                  <p:par>
+                    <p:cTn id="19" fill="hold">
+                      <p:stCondLst>
+                        <p:cond delay="indefinite"/>
+                      </p:stCondLst>
+                      <p:childTnLst>
+                        <p:par>
+                          <p:cTn id="20" fill="hold">
+                            <p:stCondLst>
+                              <p:cond delay="0"/>
+                            </p:stCondLst>
+                            <p:childTnLst>
+                              <p:par>
+                                <p:cTn id="21" presetID="31" presetClass="entr" presetSubtype="0" fill="hold" grpId="0" nodeType="clickEffect">
+                                  <p:stCondLst>
+                                    <p:cond delay="0"/>
+                                  </p:stCondLst>
+                                  <p:childTnLst>
+                                    <p:set>
+                                      <p:cBhvr>
+                                        <p:cTn id="22" dur="1" fill="hold">
+                                          <p:stCondLst>
+                                            <p:cond delay="0"/>
+                                          </p:stCondLst>
+                                        </p:cTn>
+                                        <p:tgtEl>
+                                          <p:spTgt spid="8"/>
+                                        </p:tgtEl>
+                                        <p:attrNameLst>
+                                          <p:attrName>style.visibility</p:attrName>
+                                        </p:attrNameLst>
+                                      </p:cBhvr>
+                                      <p:to>
+                                        <p:strVal val="visible"/>
+                                      </p:to>
+                                    </p:set>
+                                    <p:anim calcmode="lin" valueType="num">
+                                      <p:cBhvr>
+                                        <p:cTn id="23" dur="1000" fill="hold"/>
+                                        <p:tgtEl>
+                                          <p:spTgt spid="8"/>
+                                        </p:tgtEl>
+                                        <p:attrNameLst>
+                                          <p:attrName>ppt_w</p:attrName>
+                                        </p:attrNameLst>
+                                      </p:cBhvr>
+                                      <p:tavLst>
+                                        <p:tav tm="0">
+                                          <p:val>
+                                            <p:fltVal val="0"/>
+                                          </p:val>
+                                        </p:tav>
+                                        <p:tav tm="100000">
+                                          <p:val>
+                                            <p:strVal val="#ppt_w"/>
+                                          </p:val>
+                                        </p:tav>
+                                      </p:tavLst>
+                                    </p:anim>
+                                    <p:anim calcmode="lin" valueType="num">
+                                      <p:cBhvr>
+                                        <p:cTn id="24" dur="1000" fill="hold"/>
+                                        <p:tgtEl>
+                                          <p:spTgt spid="8"/>
+                                        </p:tgtEl>
+                                        <p:attrNameLst>
+                                          <p:attrName>ppt_h</p:attrName>
+                                        </p:attrNameLst>
+                                      </p:cBhvr>
+                                      <p:tavLst>
+                                        <p:tav tm="0">
+                                          <p:val>
+                                            <p:fltVal val="0"/>
+                                          </p:val>
+                                        </p:tav>
+                                        <p:tav tm="100000">
+                                          <p:val>
+                                            <p:strVal val="#ppt_h"/>
+                                          </p:val>
+                                        </p:tav>
+                                      </p:tavLst>
+                                    </p:anim>
+                                    <p:anim calcmode="lin" valueType="num">
+                                      <p:cBhvr>
+                                        <p:cTn id="25" dur="1000" fill="hold"/>
+                                        <p:tgtEl>
+                                          <p:spTgt spid="8"/>
+                                        </p:tgtEl>
+                                        <p:attrNameLst>
+                                          <p:attrName>style.rotation</p:attrName>
+                                        </p:attrNameLst>
+                                      </p:cBhvr>
+                                      <p:tavLst>
+                                        <p:tav tm="0">
+                                          <p:val>
+                                            <p:fltVal val="90"/>
+                                          </p:val>
+                                        </p:tav>
+                                        <p:tav tm="100000">
+                                          <p:val>
+                                            <p:fltVal val="0"/>
+                                          </p:val>
+                                        </p:tav>
+                                      </p:tavLst>
+                                    </p:anim>
+                                    <p:animEffect transition="in" filter="fade">
+                                      <p:cBhvr>
+                                        <p:cTn id="26" dur="1000"/>
+                                        <p:tgtEl>
+                                          <p:spTgt spid="8"/>
+                                        </p:tgtEl>
+                                      </p:cBhvr>
+                                    </p:animEffect>
+                                  </p:childTnLst>
+                                </p:cTn>
+                              </p:par>
+                            </p:childTnLst>
+                          </p:cTn>
+                        </p:par>
+                      </p:childTnLst>
+                    </p:cTn>
+                  </p:par>
+                  <p:par>
+                    <p:cTn id="27" fill="hold">
+                      <p:stCondLst>
+                        <p:cond delay="indefinite"/>
+                      </p:stCondLst>
+                      <p:childTnLst>
+                        <p:par>
+                          <p:cTn id="28" fill="hold">
+                            <p:stCondLst>
+                              <p:cond delay="0"/>
+                            </p:stCondLst>
+                            <p:childTnLst>
+                              <p:par>
+                                <p:cTn id="29" presetID="31" presetClass="entr" presetSubtype="0" fill="hold" grpId="0" nodeType="clickEffect">
+                                  <p:stCondLst>
+                                    <p:cond delay="0"/>
+                                  </p:stCondLst>
+                                  <p:childTnLst>
+                                    <p:set>
+                                      <p:cBhvr>
+                                        <p:cTn id="30" dur="1" fill="hold">
+                                          <p:stCondLst>
+                                            <p:cond delay="0"/>
+                                          </p:stCondLst>
+                                        </p:cTn>
+                                        <p:tgtEl>
+                                          <p:spTgt spid="9"/>
+                                        </p:tgtEl>
+                                        <p:attrNameLst>
+                                          <p:attrName>style.visibility</p:attrName>
+                                        </p:attrNameLst>
+                                      </p:cBhvr>
+                                      <p:to>
+                                        <p:strVal val="visible"/>
+                                      </p:to>
+                                    </p:set>
+                                    <p:anim calcmode="lin" valueType="num">
+                                      <p:cBhvr>
+                                        <p:cTn id="31" dur="1000" fill="hold"/>
+                                        <p:tgtEl>
+                                          <p:spTgt spid="9"/>
+                                        </p:tgtEl>
+                                        <p:attrNameLst>
+                                          <p:attrName>ppt_w</p:attrName>
+                                        </p:attrNameLst>
+                                      </p:cBhvr>
+                                      <p:tavLst>
+                                        <p:tav tm="0">
+                                          <p:val>
+                                            <p:fltVal val="0"/>
+                                          </p:val>
+                                        </p:tav>
+                                        <p:tav tm="100000">
+                                          <p:val>
+                                            <p:strVal val="#ppt_w"/>
+                                          </p:val>
+                                        </p:tav>
+                                      </p:tavLst>
+                                    </p:anim>
+                                    <p:anim calcmode="lin" valueType="num">
+                                      <p:cBhvr>
+                                        <p:cTn id="32" dur="1000" fill="hold"/>
+                                        <p:tgtEl>
+                                          <p:spTgt spid="9"/>
+                                        </p:tgtEl>
+                                        <p:attrNameLst>
+                                          <p:attrName>ppt_h</p:attrName>
+                                        </p:attrNameLst>
+                                      </p:cBhvr>
+                                      <p:tavLst>
+                                        <p:tav tm="0">
+                                          <p:val>
+                                            <p:fltVal val="0"/>
+                                          </p:val>
+                                        </p:tav>
+                                        <p:tav tm="100000">
+                                          <p:val>
+                                            <p:strVal val="#ppt_h"/>
+                                          </p:val>
+                                        </p:tav>
+                                      </p:tavLst>
+                                    </p:anim>
+                                    <p:anim calcmode="lin" valueType="num">
+                                      <p:cBhvr>
+                                        <p:cTn id="33" dur="1000" fill="hold"/>
+                                        <p:tgtEl>
+                                          <p:spTgt spid="9"/>
+                                        </p:tgtEl>
+                                        <p:attrNameLst>
+                                          <p:attrName>style.rotation</p:attrName>
+                                        </p:attrNameLst>
+                                      </p:cBhvr>
+                                      <p:tavLst>
+                                        <p:tav tm="0">
+                                          <p:val>
+                                            <p:fltVal val="90"/>
+                                          </p:val>
+                                        </p:tav>
+                                        <p:tav tm="100000">
+                                          <p:val>
+                                            <p:fltVal val="0"/>
+                                          </p:val>
+                                        </p:tav>
+                                      </p:tavLst>
+                                    </p:anim>
+                                    <p:animEffect transition="in" filter="fade">
+                                      <p:cBhvr>
+                                        <p:cTn id="34" dur="1000"/>
+                                        <p:tgtEl>
+                                          <p:spTgt spid="9"/>
+                                        </p:tgtEl>
+                                      </p:cBhvr>
+                                    </p:animEffect>
+                                  </p:childTnLst>
+                                </p:cTn>
+                              </p:par>
+                            </p:childTnLst>
+                          </p:cTn>
+                        </p:par>
+                      </p:childTnLst>
+                    </p:cTn>
+                  </p:par>
+                  <p:par>
+                    <p:cTn id="35" fill="hold">
+                      <p:stCondLst>
+                        <p:cond delay="indefinite"/>
+                      </p:stCondLst>
+                      <p:childTnLst>
+                        <p:par>
+                          <p:cTn id="36" fill="hold">
+                            <p:stCondLst>
+                              <p:cond delay="0"/>
+                            </p:stCondLst>
+                            <p:childTnLst>
+                              <p:par>
+                                <p:cTn id="37" presetID="31" presetClass="entr" presetSubtype="0" fill="hold" grpId="0" nodeType="clickEffect">
+                                  <p:stCondLst>
+                                    <p:cond delay="0"/>
+                                  </p:stCondLst>
+                                  <p:childTnLst>
+                                    <p:set>
+                                      <p:cBhvr>
+                                        <p:cTn id="38" dur="1" fill="hold">
+                                          <p:stCondLst>
+                                            <p:cond delay="0"/>
+                                          </p:stCondLst>
+                                        </p:cTn>
+                                        <p:tgtEl>
+                                          <p:spTgt spid="11"/>
+                                        </p:tgtEl>
+                                        <p:attrNameLst>
+                                          <p:attrName>style.visibility</p:attrName>
+                                        </p:attrNameLst>
+                                      </p:cBhvr>
+                                      <p:to>
+                                        <p:strVal val="visible"/>
+                                      </p:to>
+                                    </p:set>
+                                    <p:anim calcmode="lin" valueType="num">
+                                      <p:cBhvr>
+                                        <p:cTn id="39" dur="1000" fill="hold"/>
+                                        <p:tgtEl>
+                                          <p:spTgt spid="11"/>
+                                        </p:tgtEl>
+                                        <p:attrNameLst>
+                                          <p:attrName>ppt_w</p:attrName>
+                                        </p:attrNameLst>
+                                      </p:cBhvr>
+                                      <p:tavLst>
+                                        <p:tav tm="0">
+                                          <p:val>
+                                            <p:fltVal val="0"/>
+                                          </p:val>
+                                        </p:tav>
+                                        <p:tav tm="100000">
+                                          <p:val>
+                                            <p:strVal val="#ppt_w"/>
+                                          </p:val>
+                                        </p:tav>
+                                      </p:tavLst>
+                                    </p:anim>
+                                    <p:anim calcmode="lin" valueType="num">
+                                      <p:cBhvr>
+                                        <p:cTn id="40" dur="1000" fill="hold"/>
+                                        <p:tgtEl>
+                                          <p:spTgt spid="11"/>
+                                        </p:tgtEl>
+                                        <p:attrNameLst>
+                                          <p:attrName>ppt_h</p:attrName>
+                                        </p:attrNameLst>
+                                      </p:cBhvr>
+                                      <p:tavLst>
+                                        <p:tav tm="0">
+                                          <p:val>
+                                            <p:fltVal val="0"/>
+                                          </p:val>
+                                        </p:tav>
+                                        <p:tav tm="100000">
+                                          <p:val>
+                                            <p:strVal val="#ppt_h"/>
+                                          </p:val>
+                                        </p:tav>
+                                      </p:tavLst>
+                                    </p:anim>
+                                    <p:anim calcmode="lin" valueType="num">
+                                      <p:cBhvr>
+                                        <p:cTn id="41" dur="1000" fill="hold"/>
+                                        <p:tgtEl>
+                                          <p:spTgt spid="11"/>
+                                        </p:tgtEl>
+                                        <p:attrNameLst>
+                                          <p:attrName>style.rotation</p:attrName>
+                                        </p:attrNameLst>
+                                      </p:cBhvr>
+                                      <p:tavLst>
+                                        <p:tav tm="0">
+                                          <p:val>
+                                            <p:fltVal val="90"/>
+                                          </p:val>
+                                        </p:tav>
+                                        <p:tav tm="100000">
+                                          <p:val>
+                                            <p:fltVal val="0"/>
+                                          </p:val>
+                                        </p:tav>
+                                      </p:tavLst>
+                                    </p:anim>
+                                    <p:animEffect transition="in" filter="fade">
+                                      <p:cBhvr>
+                                        <p:cTn id="42" dur="1000"/>
+                                        <p:tgtEl>
+                                          <p:spTgt spid="11"/>
+                                        </p:tgtEl>
+                                      </p:cBhvr>
+                                    </p:animEffect>
+                                  </p:childTnLst>
+                                </p:cTn>
+                              </p:par>
+                            </p:childTnLst>
+                          </p:cTn>
+                        </p:par>
+                      </p:childTnLst>
+                    </p:cTn>
+                  </p:par>
+                  <p:par>
+                    <p:cTn id="43" fill="hold">
+                      <p:stCondLst>
+                        <p:cond delay="indefinite"/>
+                      </p:stCondLst>
+                      <p:childTnLst>
+                        <p:par>
+                          <p:cTn id="44" fill="hold">
+                            <p:stCondLst>
+                              <p:cond delay="0"/>
+                            </p:stCondLst>
+                            <p:childTnLst>
+                              <p:par>
+                                <p:cTn id="45" presetID="31" presetClass="entr" presetSubtype="0" fill="hold" grpId="0" nodeType="clickEffect">
+                                  <p:stCondLst>
+                                    <p:cond delay="0"/>
+                                  </p:stCondLst>
+                                  <p:childTnLst>
+                                    <p:set>
+                                      <p:cBhvr>
+                                        <p:cTn id="46" dur="1" fill="hold">
+                                          <p:stCondLst>
+                                            <p:cond delay="0"/>
+                                          </p:stCondLst>
+                                        </p:cTn>
+                                        <p:tgtEl>
+                                          <p:spTgt spid="12"/>
+                                        </p:tgtEl>
+                                        <p:attrNameLst>
+                                          <p:attrName>style.visibility</p:attrName>
+                                        </p:attrNameLst>
+                                      </p:cBhvr>
+                                      <p:to>
+                                        <p:strVal val="visible"/>
+                                      </p:to>
+                                    </p:set>
+                                    <p:anim calcmode="lin" valueType="num">
+                                      <p:cBhvr>
+                                        <p:cTn id="47" dur="1000" fill="hold"/>
+                                        <p:tgtEl>
+                                          <p:spTgt spid="12"/>
+                                        </p:tgtEl>
+                                        <p:attrNameLst>
+                                          <p:attrName>ppt_w</p:attrName>
+                                        </p:attrNameLst>
+                                      </p:cBhvr>
+                                      <p:tavLst>
+                                        <p:tav tm="0">
+                                          <p:val>
+                                            <p:fltVal val="0"/>
+                                          </p:val>
+                                        </p:tav>
+                                        <p:tav tm="100000">
+                                          <p:val>
+                                            <p:strVal val="#ppt_w"/>
+                                          </p:val>
+                                        </p:tav>
+                                      </p:tavLst>
+                                    </p:anim>
+                                    <p:anim calcmode="lin" valueType="num">
+                                      <p:cBhvr>
+                                        <p:cTn id="48" dur="1000" fill="hold"/>
+                                        <p:tgtEl>
+                                          <p:spTgt spid="12"/>
+                                        </p:tgtEl>
+                                        <p:attrNameLst>
+                                          <p:attrName>ppt_h</p:attrName>
+                                        </p:attrNameLst>
+                                      </p:cBhvr>
+                                      <p:tavLst>
+                                        <p:tav tm="0">
+                                          <p:val>
+                                            <p:fltVal val="0"/>
+                                          </p:val>
+                                        </p:tav>
+                                        <p:tav tm="100000">
+                                          <p:val>
+                                            <p:strVal val="#ppt_h"/>
+                                          </p:val>
+                                        </p:tav>
+                                      </p:tavLst>
+                                    </p:anim>
+                                    <p:anim calcmode="lin" valueType="num">
+                                      <p:cBhvr>
+                                        <p:cTn id="49" dur="1000" fill="hold"/>
+                                        <p:tgtEl>
+                                          <p:spTgt spid="12"/>
+                                        </p:tgtEl>
+                                        <p:attrNameLst>
+                                          <p:attrName>style.rotation</p:attrName>
+                                        </p:attrNameLst>
+                                      </p:cBhvr>
+                                      <p:tavLst>
+                                        <p:tav tm="0">
+                                          <p:val>
+                                            <p:fltVal val="90"/>
+                                          </p:val>
+                                        </p:tav>
+                                        <p:tav tm="100000">
+                                          <p:val>
+                                            <p:fltVal val="0"/>
+                                          </p:val>
+                                        </p:tav>
+                                      </p:tavLst>
+                                    </p:anim>
+                                    <p:animEffect transition="in" filter="fade">
+                                      <p:cBhvr>
+                                        <p:cTn id="50" dur="1000"/>
+                                        <p:tgtEl>
+                                          <p:spTgt spid="12"/>
+                                        </p:tgtEl>
+                                      </p:cBhvr>
+                                    </p:animEffect>
+                                  </p:childTnLst>
+                                </p:cTn>
+                              </p:par>
+                            </p:childTnLst>
+                          </p:cTn>
+                        </p:par>
+                      </p:childTnLst>
+                    </p:cTn>
+                  </p:par>
+                  <p:par>
+                    <p:cTn id="51" fill="hold">
+                      <p:stCondLst>
+                        <p:cond delay="indefinite"/>
+                      </p:stCondLst>
+                      <p:childTnLst>
+                        <p:par>
+                          <p:cTn id="52" fill="hold">
+                            <p:stCondLst>
+                              <p:cond delay="0"/>
+                            </p:stCondLst>
+                            <p:childTnLst>
+                              <p:par>
+                                <p:cTn id="53" presetID="31" presetClass="entr" presetSubtype="0" fill="hold" grpId="0" nodeType="clickEffect">
+                                  <p:stCondLst>
+                                    <p:cond delay="0"/>
+                                  </p:stCondLst>
+                                  <p:childTnLst>
+                                    <p:set>
+                                      <p:cBhvr>
+                                        <p:cTn id="54" dur="1" fill="hold">
+                                          <p:stCondLst>
+                                            <p:cond delay="0"/>
+                                          </p:stCondLst>
+                                        </p:cTn>
+                                        <p:tgtEl>
+                                          <p:spTgt spid="13"/>
+                                        </p:tgtEl>
+                                        <p:attrNameLst>
+                                          <p:attrName>style.visibility</p:attrName>
+                                        </p:attrNameLst>
+                                      </p:cBhvr>
+                                      <p:to>
+                                        <p:strVal val="visible"/>
+                                      </p:to>
+                                    </p:set>
+                                    <p:anim calcmode="lin" valueType="num">
+                                      <p:cBhvr>
+                                        <p:cTn id="55" dur="1000" fill="hold"/>
+                                        <p:tgtEl>
+                                          <p:spTgt spid="13"/>
+                                        </p:tgtEl>
+                                        <p:attrNameLst>
+                                          <p:attrName>ppt_w</p:attrName>
+                                        </p:attrNameLst>
+                                      </p:cBhvr>
+                                      <p:tavLst>
+                                        <p:tav tm="0">
+                                          <p:val>
+                                            <p:fltVal val="0"/>
+                                          </p:val>
+                                        </p:tav>
+                                        <p:tav tm="100000">
+                                          <p:val>
+                                            <p:strVal val="#ppt_w"/>
+                                          </p:val>
+                                        </p:tav>
+                                      </p:tavLst>
+                                    </p:anim>
+                                    <p:anim calcmode="lin" valueType="num">
+                                      <p:cBhvr>
+                                        <p:cTn id="56" dur="1000" fill="hold"/>
+                                        <p:tgtEl>
+                                          <p:spTgt spid="13"/>
+                                        </p:tgtEl>
+                                        <p:attrNameLst>
+                                          <p:attrName>ppt_h</p:attrName>
+                                        </p:attrNameLst>
+                                      </p:cBhvr>
+                                      <p:tavLst>
+                                        <p:tav tm="0">
+                                          <p:val>
+                                            <p:fltVal val="0"/>
+                                          </p:val>
+                                        </p:tav>
+                                        <p:tav tm="100000">
+                                          <p:val>
+                                            <p:strVal val="#ppt_h"/>
+                                          </p:val>
+                                        </p:tav>
+                                      </p:tavLst>
+                                    </p:anim>
+                                    <p:anim calcmode="lin" valueType="num">
+                                      <p:cBhvr>
+                                        <p:cTn id="57" dur="1000" fill="hold"/>
+                                        <p:tgtEl>
+                                          <p:spTgt spid="13"/>
+                                        </p:tgtEl>
+                                        <p:attrNameLst>
+                                          <p:attrName>style.rotation</p:attrName>
+                                        </p:attrNameLst>
+                                      </p:cBhvr>
+                                      <p:tavLst>
+                                        <p:tav tm="0">
+                                          <p:val>
+                                            <p:fltVal val="90"/>
+                                          </p:val>
+                                        </p:tav>
+                                        <p:tav tm="100000">
+                                          <p:val>
+                                            <p:fltVal val="0"/>
+                                          </p:val>
+                                        </p:tav>
+                                      </p:tavLst>
+                                    </p:anim>
+                                    <p:animEffect transition="in" filter="fade">
+                                      <p:cBhvr>
+                                        <p:cTn id="58" dur="1000"/>
+                                        <p:tgtEl>
+                                          <p:spTgt spid="13"/>
+                                        </p:tgtEl>
+                                      </p:cBhvr>
+                                    </p:animEffect>
+                                  </p:childTnLst>
+                                </p:cTn>
+                              </p:par>
+                            </p:childTnLst>
+                          </p:cTn>
+                        </p:par>
+                      </p:childTnLst>
+                    </p:cTn>
+                  </p:par>
+                  <p:par>
+                    <p:cTn id="59" fill="hold">
+                      <p:stCondLst>
+                        <p:cond delay="indefinite"/>
+                      </p:stCondLst>
+                      <p:childTnLst>
+                        <p:par>
+                          <p:cTn id="60" fill="hold">
+                            <p:stCondLst>
+                              <p:cond delay="0"/>
+                            </p:stCondLst>
+                            <p:childTnLst>
+                              <p:par>
+                                <p:cTn id="61" presetID="31" presetClass="entr" presetSubtype="0" fill="hold" grpId="0" nodeType="clickEffect">
+                                  <p:stCondLst>
+                                    <p:cond delay="0"/>
+                                  </p:stCondLst>
+                                  <p:childTnLst>
+                                    <p:set>
+                                      <p:cBhvr>
+                                        <p:cTn id="62" dur="1" fill="hold">
+                                          <p:stCondLst>
+                                            <p:cond delay="0"/>
+                                          </p:stCondLst>
+                                        </p:cTn>
+                                        <p:tgtEl>
+                                          <p:spTgt spid="14"/>
+                                        </p:tgtEl>
+                                        <p:attrNameLst>
+                                          <p:attrName>style.visibility</p:attrName>
+                                        </p:attrNameLst>
+                                      </p:cBhvr>
+                                      <p:to>
+                                        <p:strVal val="visible"/>
+                                      </p:to>
+                                    </p:set>
+                                    <p:anim calcmode="lin" valueType="num">
+                                      <p:cBhvr>
+                                        <p:cTn id="63" dur="1000" fill="hold"/>
+                                        <p:tgtEl>
+                                          <p:spTgt spid="14"/>
+                                        </p:tgtEl>
+                                        <p:attrNameLst>
+                                          <p:attrName>ppt_w</p:attrName>
+                                        </p:attrNameLst>
+                                      </p:cBhvr>
+                                      <p:tavLst>
+                                        <p:tav tm="0">
+                                          <p:val>
+                                            <p:fltVal val="0"/>
+                                          </p:val>
+                                        </p:tav>
+                                        <p:tav tm="100000">
+                                          <p:val>
+                                            <p:strVal val="#ppt_w"/>
+                                          </p:val>
+                                        </p:tav>
+                                      </p:tavLst>
+                                    </p:anim>
+                                    <p:anim calcmode="lin" valueType="num">
+                                      <p:cBhvr>
+                                        <p:cTn id="64" dur="1000" fill="hold"/>
+                                        <p:tgtEl>
+                                          <p:spTgt spid="14"/>
+                                        </p:tgtEl>
+                                        <p:attrNameLst>
+                                          <p:attrName>ppt_h</p:attrName>
+                                        </p:attrNameLst>
+                                      </p:cBhvr>
+                                      <p:tavLst>
+                                        <p:tav tm="0">
+                                          <p:val>
+                                            <p:fltVal val="0"/>
+                                          </p:val>
+                                        </p:tav>
+                                        <p:tav tm="100000">
+                                          <p:val>
+                                            <p:strVal val="#ppt_h"/>
+                                          </p:val>
+                                        </p:tav>
+                                      </p:tavLst>
+                                    </p:anim>
+                                    <p:anim calcmode="lin" valueType="num">
+                                      <p:cBhvr>
+                                        <p:cTn id="65" dur="1000" fill="hold"/>
+                                        <p:tgtEl>
+                                          <p:spTgt spid="14"/>
+                                        </p:tgtEl>
+                                        <p:attrNameLst>
+                                          <p:attrName>style.rotation</p:attrName>
+                                        </p:attrNameLst>
+                                      </p:cBhvr>
+                                      <p:tavLst>
+                                        <p:tav tm="0">
+                                          <p:val>
+                                            <p:fltVal val="90"/>
+                                          </p:val>
+                                        </p:tav>
+                                        <p:tav tm="100000">
+                                          <p:val>
+                                            <p:fltVal val="0"/>
+                                          </p:val>
+                                        </p:tav>
+                                      </p:tavLst>
+                                    </p:anim>
+                                    <p:animEffect transition="in" filter="fade">
+                                      <p:cBhvr>
+                                        <p:cTn id="66" dur="1000"/>
+                                        <p:tgtEl>
+                                          <p:spTgt spid="14"/>
+                                        </p:tgtEl>
+                                      </p:cBhvr>
+                                    </p:animEffect>
+                                  </p:childTnLst>
+                                </p:cTn>
+                              </p:par>
+                            </p:childTnLst>
+                          </p:cTn>
+                        </p:par>
+                      </p:childTnLst>
+                    </p:cTn>
+                  </p:par>
+                  <p:par>
+                    <p:cTn id="67" fill="hold">
+                      <p:stCondLst>
+                        <p:cond delay="indefinite"/>
+                      </p:stCondLst>
+                      <p:childTnLst>
+                        <p:par>
+                          <p:cTn id="68" fill="hold">
+                            <p:stCondLst>
+                              <p:cond delay="0"/>
+                            </p:stCondLst>
+                            <p:childTnLst>
+                              <p:par>
+                                <p:cTn id="69" presetID="31" presetClass="entr" presetSubtype="0" fill="hold" grpId="0" nodeType="clickEffect">
+                                  <p:stCondLst>
+                                    <p:cond delay="0"/>
+                                  </p:stCondLst>
+                                  <p:childTnLst>
+                                    <p:set>
+                                      <p:cBhvr>
+                                        <p:cTn id="70" dur="1" fill="hold">
+                                          <p:stCondLst>
+                                            <p:cond delay="0"/>
+                                          </p:stCondLst>
+                                        </p:cTn>
+                                        <p:tgtEl>
+                                          <p:spTgt spid="15"/>
+                                        </p:tgtEl>
+                                        <p:attrNameLst>
+                                          <p:attrName>style.visibility</p:attrName>
+                                        </p:attrNameLst>
+                                      </p:cBhvr>
+                                      <p:to>
+                                        <p:strVal val="visible"/>
+                                      </p:to>
+                                    </p:set>
+                                    <p:anim calcmode="lin" valueType="num">
+                                      <p:cBhvr>
+                                        <p:cTn id="71" dur="1000" fill="hold"/>
+                                        <p:tgtEl>
+                                          <p:spTgt spid="15"/>
+                                        </p:tgtEl>
+                                        <p:attrNameLst>
+                                          <p:attrName>ppt_w</p:attrName>
+                                        </p:attrNameLst>
+                                      </p:cBhvr>
+                                      <p:tavLst>
+                                        <p:tav tm="0">
+                                          <p:val>
+                                            <p:fltVal val="0"/>
+                                          </p:val>
+                                        </p:tav>
+                                        <p:tav tm="100000">
+                                          <p:val>
+                                            <p:strVal val="#ppt_w"/>
+                                          </p:val>
+                                        </p:tav>
+                                      </p:tavLst>
+                                    </p:anim>
+                                    <p:anim calcmode="lin" valueType="num">
+                                      <p:cBhvr>
+                                        <p:cTn id="72" dur="1000" fill="hold"/>
+                                        <p:tgtEl>
+                                          <p:spTgt spid="15"/>
+                                        </p:tgtEl>
+                                        <p:attrNameLst>
+                                          <p:attrName>ppt_h</p:attrName>
+                                        </p:attrNameLst>
+                                      </p:cBhvr>
+                                      <p:tavLst>
+                                        <p:tav tm="0">
+                                          <p:val>
+                                            <p:fltVal val="0"/>
+                                          </p:val>
+                                        </p:tav>
+                                        <p:tav tm="100000">
+                                          <p:val>
+                                            <p:strVal val="#ppt_h"/>
+                                          </p:val>
+                                        </p:tav>
+                                      </p:tavLst>
+                                    </p:anim>
+                                    <p:anim calcmode="lin" valueType="num">
+                                      <p:cBhvr>
+                                        <p:cTn id="73" dur="1000" fill="hold"/>
+                                        <p:tgtEl>
+                                          <p:spTgt spid="15"/>
+                                        </p:tgtEl>
+                                        <p:attrNameLst>
+                                          <p:attrName>style.rotation</p:attrName>
+                                        </p:attrNameLst>
+                                      </p:cBhvr>
+                                      <p:tavLst>
+                                        <p:tav tm="0">
+                                          <p:val>
+                                            <p:fltVal val="90"/>
+                                          </p:val>
+                                        </p:tav>
+                                        <p:tav tm="100000">
+                                          <p:val>
+                                            <p:fltVal val="0"/>
+                                          </p:val>
+                                        </p:tav>
+                                      </p:tavLst>
+                                    </p:anim>
+                                    <p:animEffect transition="in" filter="fade">
+                                      <p:cBhvr>
+                                        <p:cTn id="74" dur="1000"/>
+                                        <p:tgtEl>
+                                          <p:spTgt spid="15"/>
+                                        </p:tgtEl>
+                                      </p:cBhvr>
+                                    </p:animEffect>
+                                  </p:childTnLst>
+                                </p:cTn>
+                              </p:par>
+                            </p:childTnLst>
+                          </p:cTn>
+                        </p:par>
+                      </p:childTnLst>
+                    </p:cTn>
+                  </p:par>
+                </p:childTnLst>
+              </p:cTn>
+              <p:prevCondLst>
+                <p:cond evt="onPrev" delay="0">
+                  <p:tgtEl>
+                    <p:sldTgt/>
+                  </p:tgtEl>
+                </p:cond>
+              </p:prevCondLst>
+              <p:nextCondLst>
+                <p:cond evt="onNext" delay="0">
+                  <p:tgtEl>
+                    <p:sldTgt/>
+                  </p:tgtEl>
+                </p:cond>
+              </p:nextCondLst>
+            </p:seq>
+          </p:childTnLst>
+        </p:cTn>
       </p:par>
     </p:tnLst>
+    <p:bldLst>
+      <p:bldP spid="6" grpId="0"/>
+      <p:bldP spid="7" grpId="0"/>
+      <p:bldP spid="8" grpId="0"/>
+      <p:bldP spid="9" grpId="0"/>
+      <p:bldP spid="11" grpId="0"/>
+      <p:bldP spid="12" grpId="0"/>
+      <p:bldP spid="13" grpId="0"/>
+      <p:bldP spid="14" grpId="0"/>
+      <p:bldP spid="15" grpId="0"/>
+    </p:bldLst>
   </p:timing>
 </p:sld>
 </file>
